--- a/folien/week1.pptx
+++ b/folien/week1.pptx
@@ -5,7 +5,7 @@
     <p:sldMasterId id="2147483664" r:id="rId1"/>
   </p:sldMasterIdLst>
   <p:notesMasterIdLst>
-    <p:notesMasterId r:id="rId26"/>
+    <p:notesMasterId r:id="rId27"/>
   </p:notesMasterIdLst>
   <p:sldIdLst>
     <p:sldId id="257" r:id="rId2"/>
@@ -16,22 +16,23 @@
     <p:sldId id="275" r:id="rId7"/>
     <p:sldId id="284" r:id="rId8"/>
     <p:sldId id="285" r:id="rId9"/>
-    <p:sldId id="271" r:id="rId10"/>
-    <p:sldId id="272" r:id="rId11"/>
-    <p:sldId id="276" r:id="rId12"/>
-    <p:sldId id="278" r:id="rId13"/>
-    <p:sldId id="281" r:id="rId14"/>
-    <p:sldId id="280" r:id="rId15"/>
-    <p:sldId id="279" r:id="rId16"/>
-    <p:sldId id="277" r:id="rId17"/>
-    <p:sldId id="287" r:id="rId18"/>
-    <p:sldId id="286" r:id="rId19"/>
-    <p:sldId id="283" r:id="rId20"/>
-    <p:sldId id="263" r:id="rId21"/>
-    <p:sldId id="289" r:id="rId22"/>
-    <p:sldId id="282" r:id="rId23"/>
-    <p:sldId id="288" r:id="rId24"/>
-    <p:sldId id="270" r:id="rId25"/>
+    <p:sldId id="277" r:id="rId10"/>
+    <p:sldId id="287" r:id="rId11"/>
+    <p:sldId id="286" r:id="rId12"/>
+    <p:sldId id="283" r:id="rId13"/>
+    <p:sldId id="263" r:id="rId14"/>
+    <p:sldId id="289" r:id="rId15"/>
+    <p:sldId id="282" r:id="rId16"/>
+    <p:sldId id="288" r:id="rId17"/>
+    <p:sldId id="271" r:id="rId18"/>
+    <p:sldId id="272" r:id="rId19"/>
+    <p:sldId id="276" r:id="rId20"/>
+    <p:sldId id="278" r:id="rId21"/>
+    <p:sldId id="281" r:id="rId22"/>
+    <p:sldId id="290" r:id="rId23"/>
+    <p:sldId id="280" r:id="rId24"/>
+    <p:sldId id="279" r:id="rId25"/>
+    <p:sldId id="270" r:id="rId26"/>
   </p:sldIdLst>
   <p:sldSz cx="9144000" cy="5143500" type="screen16x9"/>
   <p:notesSz cx="6858000" cy="9144000"/>
@@ -143,13 +144,6 @@
             <p14:sldId id="275"/>
             <p14:sldId id="284"/>
             <p14:sldId id="285"/>
-            <p14:sldId id="271"/>
-            <p14:sldId id="272"/>
-            <p14:sldId id="276"/>
-            <p14:sldId id="278"/>
-            <p14:sldId id="281"/>
-            <p14:sldId id="280"/>
-            <p14:sldId id="279"/>
             <p14:sldId id="277"/>
             <p14:sldId id="287"/>
             <p14:sldId id="286"/>
@@ -158,6 +152,14 @@
             <p14:sldId id="289"/>
             <p14:sldId id="282"/>
             <p14:sldId id="288"/>
+            <p14:sldId id="271"/>
+            <p14:sldId id="272"/>
+            <p14:sldId id="276"/>
+            <p14:sldId id="278"/>
+            <p14:sldId id="281"/>
+            <p14:sldId id="290"/>
+            <p14:sldId id="280"/>
+            <p14:sldId id="279"/>
             <p14:sldId id="270"/>
           </p14:sldIdLst>
         </p14:section>
@@ -3419,1157 +3421,6 @@
 </file>
 
 <file path=ppt/slides/slide10.xml><?xml version="1.0" encoding="utf-8"?>
-<p:sld xmlns:a="http://schemas.openxmlformats.org/drawingml/2006/main" xmlns:r="http://schemas.openxmlformats.org/officeDocument/2006/relationships" xmlns:p="http://schemas.openxmlformats.org/presentationml/2006/main">
-  <p:cSld>
-    <p:spTree>
-      <p:nvGrpSpPr>
-        <p:cNvPr id="1" name=""/>
-        <p:cNvGrpSpPr/>
-        <p:nvPr/>
-      </p:nvGrpSpPr>
-      <p:grpSpPr>
-        <a:xfrm>
-          <a:off x="0" y="0"/>
-          <a:ext cx="0" cy="0"/>
-          <a:chOff x="0" y="0"/>
-          <a:chExt cx="0" cy="0"/>
-        </a:xfrm>
-      </p:grpSpPr>
-      <p:sp>
-        <p:nvSpPr>
-          <p:cNvPr id="2" name="Title 1">
-            <a:extLst>
-              <a:ext uri="{FF2B5EF4-FFF2-40B4-BE49-F238E27FC236}">
-                <a16:creationId xmlns:a16="http://schemas.microsoft.com/office/drawing/2014/main" id="{B06CDD47-62E6-4F62-A7CE-3BB49DC58DEA}"/>
-              </a:ext>
-            </a:extLst>
-          </p:cNvPr>
-          <p:cNvSpPr>
-            <a:spLocks noGrp="1"/>
-          </p:cNvSpPr>
-          <p:nvPr>
-            <p:ph type="title"/>
-          </p:nvPr>
-        </p:nvSpPr>
-        <p:spPr/>
-        <p:txBody>
-          <a:bodyPr/>
-          <a:lstStyle/>
-          <a:p>
-            <a:r>
-              <a:rPr lang="de-DE" dirty="0"/>
-              <a:t>Gibt es Kriterien des nachhaltigen Lernens?</a:t>
-            </a:r>
-            <a:endParaRPr lang="en-US" dirty="0"/>
-          </a:p>
-        </p:txBody>
-      </p:sp>
-      <p:sp>
-        <p:nvSpPr>
-          <p:cNvPr id="3" name="Text Placeholder 2">
-            <a:extLst>
-              <a:ext uri="{FF2B5EF4-FFF2-40B4-BE49-F238E27FC236}">
-                <a16:creationId xmlns:a16="http://schemas.microsoft.com/office/drawing/2014/main" id="{6E7CDF61-4A2F-44D3-A5ED-BE34B3145903}"/>
-              </a:ext>
-            </a:extLst>
-          </p:cNvPr>
-          <p:cNvSpPr>
-            <a:spLocks noGrp="1"/>
-          </p:cNvSpPr>
-          <p:nvPr>
-            <p:ph type="body" sz="quarter" idx="10"/>
-          </p:nvPr>
-        </p:nvSpPr>
-        <p:spPr/>
-        <p:txBody>
-          <a:bodyPr/>
-          <a:lstStyle/>
-          <a:p>
-            <a:r>
-              <a:rPr lang="de-DE" sz="1800" dirty="0"/>
-              <a:t>Körperempfinden: Handeln, Emotion, Schmerz</a:t>
-            </a:r>
-          </a:p>
-          <a:p>
-            <a:r>
-              <a:rPr lang="de-DE" sz="1800" dirty="0"/>
-              <a:t>Zeit: zum Üben, Trainieren, Praktizieren, Wiederholen</a:t>
-            </a:r>
-          </a:p>
-          <a:p>
-            <a:r>
-              <a:rPr lang="de-DE" sz="1800" dirty="0"/>
-              <a:t>Strukturierungshilfe: extern, intern</a:t>
-            </a:r>
-          </a:p>
-          <a:p>
-            <a:r>
-              <a:rPr lang="de-DE" sz="1800" dirty="0"/>
-              <a:t>Anderer Menschen: durch und für andere, weil man sie mag, ihnen einen guten Eindruck machen möchte, Respekt vor ihnen hat, o.ä.</a:t>
-            </a:r>
-          </a:p>
-          <a:p>
-            <a:r>
-              <a:rPr lang="de-DE" sz="1800" dirty="0"/>
-              <a:t>Interesse und Motivation, z.B.: Leistungsdruck vs. „für sich selbst“ </a:t>
-            </a:r>
-          </a:p>
-          <a:p>
-            <a:r>
-              <a:rPr lang="de-DE" sz="1800" dirty="0"/>
-              <a:t>Scheitern</a:t>
-            </a:r>
-          </a:p>
-          <a:p>
-            <a:r>
-              <a:rPr lang="de-DE" sz="1800" dirty="0"/>
-              <a:t>Konfrontation, Irritation</a:t>
-            </a:r>
-          </a:p>
-          <a:p>
-            <a:r>
-              <a:rPr lang="de-DE" sz="1800" dirty="0"/>
-              <a:t>nur Wissensvermittlung?</a:t>
-            </a:r>
-          </a:p>
-        </p:txBody>
-      </p:sp>
-    </p:spTree>
-    <p:extLst>
-      <p:ext uri="{BB962C8B-B14F-4D97-AF65-F5344CB8AC3E}">
-        <p14:creationId xmlns:p14="http://schemas.microsoft.com/office/powerpoint/2010/main" val="3338002435"/>
-      </p:ext>
-    </p:extLst>
-  </p:cSld>
-  <p:clrMapOvr>
-    <a:masterClrMapping/>
-  </p:clrMapOvr>
-</p:sld>
-</file>
-
-<file path=ppt/slides/slide11.xml><?xml version="1.0" encoding="utf-8"?>
-<p:sld xmlns:a="http://schemas.openxmlformats.org/drawingml/2006/main" xmlns:r="http://schemas.openxmlformats.org/officeDocument/2006/relationships" xmlns:p="http://schemas.openxmlformats.org/presentationml/2006/main">
-  <p:cSld>
-    <p:spTree>
-      <p:nvGrpSpPr>
-        <p:cNvPr id="1" name=""/>
-        <p:cNvGrpSpPr/>
-        <p:nvPr/>
-      </p:nvGrpSpPr>
-      <p:grpSpPr>
-        <a:xfrm>
-          <a:off x="0" y="0"/>
-          <a:ext cx="0" cy="0"/>
-          <a:chOff x="0" y="0"/>
-          <a:chExt cx="0" cy="0"/>
-        </a:xfrm>
-      </p:grpSpPr>
-      <p:sp>
-        <p:nvSpPr>
-          <p:cNvPr id="2" name="Title 1">
-            <a:extLst>
-              <a:ext uri="{FF2B5EF4-FFF2-40B4-BE49-F238E27FC236}">
-                <a16:creationId xmlns:a16="http://schemas.microsoft.com/office/drawing/2014/main" id="{4872F2D3-6535-4897-A660-923A06F8C5A0}"/>
-              </a:ext>
-            </a:extLst>
-          </p:cNvPr>
-          <p:cNvSpPr>
-            <a:spLocks noGrp="1"/>
-          </p:cNvSpPr>
-          <p:nvPr>
-            <p:ph type="title"/>
-          </p:nvPr>
-        </p:nvSpPr>
-        <p:spPr/>
-        <p:txBody>
-          <a:bodyPr/>
-          <a:lstStyle/>
-          <a:p>
-            <a:r>
-              <a:rPr lang="en-US" dirty="0" err="1"/>
-              <a:t>Einf</a:t>
-            </a:r>
-            <a:r>
-              <a:rPr lang="de-DE" dirty="0"/>
-              <a:t>ü</a:t>
-            </a:r>
-            <a:r>
-              <a:rPr lang="en-US" dirty="0" err="1"/>
-              <a:t>hrung</a:t>
-            </a:r>
-            <a:br>
-              <a:rPr lang="en-US" dirty="0"/>
-            </a:br>
-            <a:endParaRPr lang="en-US" dirty="0"/>
-          </a:p>
-        </p:txBody>
-      </p:sp>
-      <p:sp>
-        <p:nvSpPr>
-          <p:cNvPr id="3" name="Text Placeholder 2">
-            <a:extLst>
-              <a:ext uri="{FF2B5EF4-FFF2-40B4-BE49-F238E27FC236}">
-                <a16:creationId xmlns:a16="http://schemas.microsoft.com/office/drawing/2014/main" id="{84762FBA-2BFD-46FE-A99A-214CC870157F}"/>
-              </a:ext>
-            </a:extLst>
-          </p:cNvPr>
-          <p:cNvSpPr>
-            <a:spLocks noGrp="1"/>
-          </p:cNvSpPr>
-          <p:nvPr>
-            <p:ph type="body" sz="quarter" idx="10"/>
-          </p:nvPr>
-        </p:nvSpPr>
-        <p:spPr/>
-        <p:txBody>
-          <a:bodyPr/>
-          <a:lstStyle/>
-          <a:p>
-            <a:r>
-              <a:rPr lang="de-DE" sz="1800" dirty="0"/>
-              <a:t>Wissen vermitteln oder Bildung ermöglichen?</a:t>
-            </a:r>
-          </a:p>
-          <a:p>
-            <a:endParaRPr lang="de-DE" sz="1800" dirty="0"/>
-          </a:p>
-          <a:p>
-            <a:r>
-              <a:rPr lang="de-DE" sz="1800" dirty="0"/>
-              <a:t>Handlungsfelder</a:t>
-            </a:r>
-          </a:p>
-          <a:p>
-            <a:pPr lvl="1"/>
-            <a:r>
-              <a:rPr lang="de-DE" sz="1800" dirty="0"/>
-              <a:t>Warum ist Allgemeine Didaktik wichtig für das Lehramt? </a:t>
-            </a:r>
-            <a:endParaRPr lang="en-US" sz="1800" dirty="0"/>
-          </a:p>
-          <a:p>
-            <a:pPr lvl="1"/>
-            <a:r>
-              <a:rPr lang="de-DE" sz="1800" dirty="0"/>
-              <a:t>Warum ist Allgemeine Didaktik wichtig für EW? </a:t>
-            </a:r>
-            <a:endParaRPr lang="en-US" sz="1800" dirty="0"/>
-          </a:p>
-        </p:txBody>
-      </p:sp>
-    </p:spTree>
-    <p:extLst>
-      <p:ext uri="{BB962C8B-B14F-4D97-AF65-F5344CB8AC3E}">
-        <p14:creationId xmlns:p14="http://schemas.microsoft.com/office/powerpoint/2010/main" val="1729630535"/>
-      </p:ext>
-    </p:extLst>
-  </p:cSld>
-  <p:clrMapOvr>
-    <a:masterClrMapping/>
-  </p:clrMapOvr>
-</p:sld>
-</file>
-
-<file path=ppt/slides/slide12.xml><?xml version="1.0" encoding="utf-8"?>
-<p:sld xmlns:a="http://schemas.openxmlformats.org/drawingml/2006/main" xmlns:r="http://schemas.openxmlformats.org/officeDocument/2006/relationships" xmlns:p="http://schemas.openxmlformats.org/presentationml/2006/main">
-  <p:cSld>
-    <p:spTree>
-      <p:nvGrpSpPr>
-        <p:cNvPr id="1" name=""/>
-        <p:cNvGrpSpPr/>
-        <p:nvPr/>
-      </p:nvGrpSpPr>
-      <p:grpSpPr>
-        <a:xfrm>
-          <a:off x="0" y="0"/>
-          <a:ext cx="0" cy="0"/>
-          <a:chOff x="0" y="0"/>
-          <a:chExt cx="0" cy="0"/>
-        </a:xfrm>
-      </p:grpSpPr>
-      <p:sp>
-        <p:nvSpPr>
-          <p:cNvPr id="2" name="Title 1">
-            <a:extLst>
-              <a:ext uri="{FF2B5EF4-FFF2-40B4-BE49-F238E27FC236}">
-                <a16:creationId xmlns:a16="http://schemas.microsoft.com/office/drawing/2014/main" id="{95952DCC-AE23-4D48-AFA2-2E8ACC682ABD}"/>
-              </a:ext>
-            </a:extLst>
-          </p:cNvPr>
-          <p:cNvSpPr>
-            <a:spLocks noGrp="1"/>
-          </p:cNvSpPr>
-          <p:nvPr>
-            <p:ph type="title"/>
-          </p:nvPr>
-        </p:nvSpPr>
-        <p:spPr/>
-        <p:txBody>
-          <a:bodyPr/>
-          <a:lstStyle/>
-          <a:p>
-            <a:r>
-              <a:rPr lang="en-US" dirty="0" err="1"/>
-              <a:t>Einf</a:t>
-            </a:r>
-            <a:r>
-              <a:rPr lang="de-DE" dirty="0"/>
-              <a:t>ü</a:t>
-            </a:r>
-            <a:r>
-              <a:rPr lang="en-US" dirty="0" err="1"/>
-              <a:t>hrung</a:t>
-            </a:r>
-            <a:endParaRPr lang="en-US" dirty="0"/>
-          </a:p>
-        </p:txBody>
-      </p:sp>
-      <p:sp>
-        <p:nvSpPr>
-          <p:cNvPr id="3" name="Text Placeholder 2">
-            <a:extLst>
-              <a:ext uri="{FF2B5EF4-FFF2-40B4-BE49-F238E27FC236}">
-                <a16:creationId xmlns:a16="http://schemas.microsoft.com/office/drawing/2014/main" id="{A481241E-CD9B-4798-AD0A-F989EE6BE5CB}"/>
-              </a:ext>
-            </a:extLst>
-          </p:cNvPr>
-          <p:cNvSpPr>
-            <a:spLocks noGrp="1"/>
-          </p:cNvSpPr>
-          <p:nvPr>
-            <p:ph type="body" sz="quarter" idx="10"/>
-          </p:nvPr>
-        </p:nvSpPr>
-        <p:spPr>
-          <a:xfrm>
-            <a:off x="251520" y="1423201"/>
-            <a:ext cx="9145711" cy="3092765"/>
-          </a:xfrm>
-        </p:spPr>
-        <p:txBody>
-          <a:bodyPr/>
-          <a:lstStyle/>
-          <a:p>
-            <a:r>
-              <a:rPr lang="de-DE" sz="1800" dirty="0">
-                <a:solidFill>
-                  <a:schemeClr val="tx1"/>
-                </a:solidFill>
-              </a:rPr>
-              <a:t>Subjektive </a:t>
-            </a:r>
-            <a:r>
-              <a:rPr lang="de-DE" sz="1800" dirty="0">
-                <a:solidFill>
-                  <a:schemeClr val="tx1"/>
-                </a:solidFill>
-                <a:latin typeface="Arial" panose="020B0604020202020204" pitchFamily="34" charset="0"/>
-                <a:cs typeface="Arial" panose="020B0604020202020204" pitchFamily="34" charset="0"/>
-              </a:rPr>
-              <a:t>Wertentscheidungen</a:t>
-            </a:r>
-          </a:p>
-          <a:p>
-            <a:pPr lvl="1"/>
-            <a:r>
-              <a:rPr lang="de-DE" sz="1800" dirty="0">
-                <a:latin typeface="Arial" panose="020B0604020202020204" pitchFamily="34" charset="0"/>
-                <a:cs typeface="Arial" panose="020B0604020202020204" pitchFamily="34" charset="0"/>
-              </a:rPr>
-              <a:t>die Kunst, mit Lehre Bildung zu ermöglichen</a:t>
-            </a:r>
-          </a:p>
-          <a:p>
-            <a:r>
-              <a:rPr lang="de-DE" sz="1800" dirty="0">
-                <a:solidFill>
-                  <a:schemeClr val="tx1"/>
-                </a:solidFill>
-              </a:rPr>
-              <a:t>Allgemeine Didaktik != </a:t>
-            </a:r>
-            <a:r>
-              <a:rPr lang="de-DE" sz="1800" dirty="0" err="1">
-                <a:solidFill>
-                  <a:schemeClr val="tx1"/>
-                </a:solidFill>
-              </a:rPr>
-              <a:t>Instructional</a:t>
-            </a:r>
-            <a:r>
-              <a:rPr lang="de-DE" sz="1800" dirty="0">
-                <a:solidFill>
-                  <a:schemeClr val="tx1"/>
-                </a:solidFill>
-              </a:rPr>
-              <a:t> Design</a:t>
-            </a:r>
-          </a:p>
-          <a:p>
-            <a:r>
-              <a:rPr lang="de-DE" sz="1800" dirty="0">
-                <a:solidFill>
-                  <a:schemeClr val="tx1"/>
-                </a:solidFill>
-              </a:rPr>
-              <a:t>Nur Inhalt oder Inhalt und Methoden? </a:t>
-            </a:r>
-          </a:p>
-          <a:p>
-            <a:r>
-              <a:rPr lang="de-DE" sz="1800" dirty="0">
-                <a:solidFill>
-                  <a:schemeClr val="tx1"/>
-                </a:solidFill>
-              </a:rPr>
-              <a:t>Allgemeine Didaktik als Sündenbock?</a:t>
-            </a:r>
-          </a:p>
-          <a:p>
-            <a:pPr lvl="1"/>
-            <a:r>
-              <a:rPr lang="de-DE" sz="1800" dirty="0">
-                <a:latin typeface="Arial" panose="020B0604020202020204" pitchFamily="34" charset="0"/>
-                <a:cs typeface="Arial" panose="020B0604020202020204" pitchFamily="34" charset="0"/>
-              </a:rPr>
-              <a:t>Effektivität (Pisa), Praktikabilität (Alltag), Brauchbarkeit (zu viele Modelle)</a:t>
-            </a:r>
-          </a:p>
-        </p:txBody>
-      </p:sp>
-    </p:spTree>
-    <p:extLst>
-      <p:ext uri="{BB962C8B-B14F-4D97-AF65-F5344CB8AC3E}">
-        <p14:creationId xmlns:p14="http://schemas.microsoft.com/office/powerpoint/2010/main" val="459133199"/>
-      </p:ext>
-    </p:extLst>
-  </p:cSld>
-  <p:clrMapOvr>
-    <a:masterClrMapping/>
-  </p:clrMapOvr>
-</p:sld>
-</file>
-
-<file path=ppt/slides/slide13.xml><?xml version="1.0" encoding="utf-8"?>
-<p:sld xmlns:a="http://schemas.openxmlformats.org/drawingml/2006/main" xmlns:r="http://schemas.openxmlformats.org/officeDocument/2006/relationships" xmlns:p="http://schemas.openxmlformats.org/presentationml/2006/main">
-  <p:cSld>
-    <p:spTree>
-      <p:nvGrpSpPr>
-        <p:cNvPr id="1" name=""/>
-        <p:cNvGrpSpPr/>
-        <p:nvPr/>
-      </p:nvGrpSpPr>
-      <p:grpSpPr>
-        <a:xfrm>
-          <a:off x="0" y="0"/>
-          <a:ext cx="0" cy="0"/>
-          <a:chOff x="0" y="0"/>
-          <a:chExt cx="0" cy="0"/>
-        </a:xfrm>
-      </p:grpSpPr>
-      <p:sp>
-        <p:nvSpPr>
-          <p:cNvPr id="2" name="Title 1">
-            <a:extLst>
-              <a:ext uri="{FF2B5EF4-FFF2-40B4-BE49-F238E27FC236}">
-                <a16:creationId xmlns:a16="http://schemas.microsoft.com/office/drawing/2014/main" id="{18357738-F44C-4C14-A42F-8F481648CDC8}"/>
-              </a:ext>
-            </a:extLst>
-          </p:cNvPr>
-          <p:cNvSpPr>
-            <a:spLocks noGrp="1"/>
-          </p:cNvSpPr>
-          <p:nvPr>
-            <p:ph type="title"/>
-          </p:nvPr>
-        </p:nvSpPr>
-        <p:spPr/>
-        <p:txBody>
-          <a:bodyPr/>
-          <a:lstStyle/>
-          <a:p>
-            <a:r>
-              <a:rPr lang="en-US" dirty="0" err="1"/>
-              <a:t>Herausforderungen</a:t>
-            </a:r>
-            <a:br>
-              <a:rPr lang="en-US" dirty="0"/>
-            </a:br>
-            <a:endParaRPr lang="en-US" dirty="0"/>
-          </a:p>
-        </p:txBody>
-      </p:sp>
-      <p:sp>
-        <p:nvSpPr>
-          <p:cNvPr id="3" name="Text Placeholder 2">
-            <a:extLst>
-              <a:ext uri="{FF2B5EF4-FFF2-40B4-BE49-F238E27FC236}">
-                <a16:creationId xmlns:a16="http://schemas.microsoft.com/office/drawing/2014/main" id="{5DF59022-6921-4118-9C12-565B9E4BECB4}"/>
-              </a:ext>
-            </a:extLst>
-          </p:cNvPr>
-          <p:cNvSpPr>
-            <a:spLocks noGrp="1"/>
-          </p:cNvSpPr>
-          <p:nvPr>
-            <p:ph type="body" sz="quarter" idx="10"/>
-          </p:nvPr>
-        </p:nvSpPr>
-        <p:spPr/>
-        <p:txBody>
-          <a:bodyPr/>
-          <a:lstStyle/>
-          <a:p>
-            <a:r>
-              <a:rPr lang="de-DE" sz="1600" dirty="0">
-                <a:solidFill>
-                  <a:schemeClr val="tx1"/>
-                </a:solidFill>
-              </a:rPr>
-              <a:t>Empirische Unterrichtsforschung (oder Lehr-Lernforschung / Educational </a:t>
-            </a:r>
-            <a:r>
-              <a:rPr lang="de-DE" sz="1600" dirty="0" err="1">
-                <a:solidFill>
-                  <a:schemeClr val="tx1"/>
-                </a:solidFill>
-              </a:rPr>
-              <a:t>Psychology</a:t>
-            </a:r>
-            <a:r>
-              <a:rPr lang="de-DE" sz="1600" dirty="0">
-                <a:solidFill>
-                  <a:schemeClr val="tx1"/>
-                </a:solidFill>
-              </a:rPr>
-              <a:t>)</a:t>
-            </a:r>
-          </a:p>
-          <a:p>
-            <a:pPr lvl="1"/>
-            <a:r>
-              <a:rPr lang="de-DE" sz="1600" dirty="0">
-                <a:latin typeface="Arial" panose="020B0604020202020204" pitchFamily="34" charset="0"/>
-                <a:cs typeface="Arial" panose="020B0604020202020204" pitchFamily="34" charset="0"/>
-              </a:rPr>
-              <a:t>oft nur Korrelation statt Experiment</a:t>
-            </a:r>
-          </a:p>
-          <a:p>
-            <a:pPr lvl="1"/>
-            <a:r>
-              <a:rPr lang="de-DE" sz="1600" dirty="0">
-                <a:latin typeface="Arial" panose="020B0604020202020204" pitchFamily="34" charset="0"/>
-                <a:cs typeface="Arial" panose="020B0604020202020204" pitchFamily="34" charset="0"/>
-              </a:rPr>
-              <a:t>Ideal ist klar: strukturiert, vorbereitet, angepasst, an Lernziele orientiert, Zeit gut genutzt, keine Störungen, in eigenständige Lernprozesse hineinbringend</a:t>
-            </a:r>
-          </a:p>
-          <a:p>
-            <a:pPr lvl="1"/>
-            <a:r>
-              <a:rPr lang="de-DE" sz="1600" dirty="0">
-                <a:latin typeface="Arial" panose="020B0604020202020204" pitchFamily="34" charset="0"/>
-                <a:cs typeface="Arial" panose="020B0604020202020204" pitchFamily="34" charset="0"/>
-              </a:rPr>
-              <a:t>Ziel: Realisierung </a:t>
-            </a:r>
-          </a:p>
-          <a:p>
-            <a:r>
-              <a:rPr lang="de-DE" sz="1600" dirty="0">
-                <a:solidFill>
-                  <a:schemeClr val="tx1"/>
-                </a:solidFill>
-              </a:rPr>
-              <a:t>Fachdidaktik</a:t>
-            </a:r>
-          </a:p>
-          <a:p>
-            <a:pPr lvl="1"/>
-            <a:r>
-              <a:rPr lang="de-DE" sz="1600" dirty="0">
-                <a:latin typeface="Arial" panose="020B0604020202020204" pitchFamily="34" charset="0"/>
-                <a:cs typeface="Arial" panose="020B0604020202020204" pitchFamily="34" charset="0"/>
-              </a:rPr>
-              <a:t>E.g. Science </a:t>
-            </a:r>
-            <a:r>
-              <a:rPr lang="de-DE" sz="1600" dirty="0" err="1">
-                <a:latin typeface="Arial" panose="020B0604020202020204" pitchFamily="34" charset="0"/>
-                <a:cs typeface="Arial" panose="020B0604020202020204" pitchFamily="34" charset="0"/>
-              </a:rPr>
-              <a:t>education</a:t>
-            </a:r>
-            <a:endParaRPr lang="de-DE" sz="1600" dirty="0">
-              <a:latin typeface="Arial" panose="020B0604020202020204" pitchFamily="34" charset="0"/>
-              <a:cs typeface="Arial" panose="020B0604020202020204" pitchFamily="34" charset="0"/>
-            </a:endParaRPr>
-          </a:p>
-          <a:p>
-            <a:r>
-              <a:rPr lang="de-DE" sz="1600" dirty="0">
-                <a:solidFill>
-                  <a:schemeClr val="tx1"/>
-                </a:solidFill>
-              </a:rPr>
-              <a:t>Neurodidaktik </a:t>
-            </a:r>
-          </a:p>
-          <a:p>
-            <a:r>
-              <a:rPr lang="de-DE" sz="1600" dirty="0">
-                <a:solidFill>
-                  <a:schemeClr val="tx1"/>
-                </a:solidFill>
-              </a:rPr>
-              <a:t>Lernen im </a:t>
-            </a:r>
-            <a:r>
-              <a:rPr lang="de-DE" sz="1600" dirty="0">
-                <a:solidFill>
-                  <a:schemeClr val="tx1"/>
-                </a:solidFill>
-                <a:latin typeface="Arial" panose="020B0604020202020204" pitchFamily="34" charset="0"/>
-                <a:cs typeface="Arial" panose="020B0604020202020204" pitchFamily="34" charset="0"/>
-              </a:rPr>
-              <a:t>Alltag </a:t>
-            </a:r>
-            <a:endParaRPr lang="de-DE" sz="1600" dirty="0">
-              <a:solidFill>
-                <a:schemeClr val="tx1"/>
-              </a:solidFill>
-            </a:endParaRPr>
-          </a:p>
-          <a:p>
-            <a:pPr lvl="1"/>
-            <a:endParaRPr lang="en-US" sz="1600" dirty="0">
-              <a:latin typeface="Arial" panose="020B0604020202020204" pitchFamily="34" charset="0"/>
-              <a:cs typeface="Arial" panose="020B0604020202020204" pitchFamily="34" charset="0"/>
-            </a:endParaRPr>
-          </a:p>
-        </p:txBody>
-      </p:sp>
-    </p:spTree>
-    <p:extLst>
-      <p:ext uri="{BB962C8B-B14F-4D97-AF65-F5344CB8AC3E}">
-        <p14:creationId xmlns:p14="http://schemas.microsoft.com/office/powerpoint/2010/main" val="2389329266"/>
-      </p:ext>
-    </p:extLst>
-  </p:cSld>
-  <p:clrMapOvr>
-    <a:masterClrMapping/>
-  </p:clrMapOvr>
-</p:sld>
-</file>
-
-<file path=ppt/slides/slide14.xml><?xml version="1.0" encoding="utf-8"?>
-<p:sld xmlns:a="http://schemas.openxmlformats.org/drawingml/2006/main" xmlns:r="http://schemas.openxmlformats.org/officeDocument/2006/relationships" xmlns:p="http://schemas.openxmlformats.org/presentationml/2006/main">
-  <p:cSld>
-    <p:spTree>
-      <p:nvGrpSpPr>
-        <p:cNvPr id="1" name=""/>
-        <p:cNvGrpSpPr/>
-        <p:nvPr/>
-      </p:nvGrpSpPr>
-      <p:grpSpPr>
-        <a:xfrm>
-          <a:off x="0" y="0"/>
-          <a:ext cx="0" cy="0"/>
-          <a:chOff x="0" y="0"/>
-          <a:chExt cx="0" cy="0"/>
-        </a:xfrm>
-      </p:grpSpPr>
-      <p:sp>
-        <p:nvSpPr>
-          <p:cNvPr id="2" name="Title 1">
-            <a:extLst>
-              <a:ext uri="{FF2B5EF4-FFF2-40B4-BE49-F238E27FC236}">
-                <a16:creationId xmlns:a16="http://schemas.microsoft.com/office/drawing/2014/main" id="{DA1188AE-B668-4AFF-96BE-853DCCB85C72}"/>
-              </a:ext>
-            </a:extLst>
-          </p:cNvPr>
-          <p:cNvSpPr>
-            <a:spLocks noGrp="1"/>
-          </p:cNvSpPr>
-          <p:nvPr>
-            <p:ph type="title"/>
-          </p:nvPr>
-        </p:nvSpPr>
-        <p:spPr/>
-        <p:txBody>
-          <a:bodyPr/>
-          <a:lstStyle/>
-          <a:p>
-            <a:r>
-              <a:rPr lang="de-DE" dirty="0"/>
-              <a:t>Empirische Unterrichtsforschung </a:t>
-            </a:r>
-            <a:br>
-              <a:rPr lang="de-DE" dirty="0"/>
-            </a:br>
-            <a:endParaRPr lang="de-DE" dirty="0"/>
-          </a:p>
-        </p:txBody>
-      </p:sp>
-      <p:sp>
-        <p:nvSpPr>
-          <p:cNvPr id="3" name="Text Placeholder 2">
-            <a:extLst>
-              <a:ext uri="{FF2B5EF4-FFF2-40B4-BE49-F238E27FC236}">
-                <a16:creationId xmlns:a16="http://schemas.microsoft.com/office/drawing/2014/main" id="{8A3EDD97-4A0C-40A1-82BC-4F8B13BB42C8}"/>
-              </a:ext>
-            </a:extLst>
-          </p:cNvPr>
-          <p:cNvSpPr>
-            <a:spLocks noGrp="1"/>
-          </p:cNvSpPr>
-          <p:nvPr>
-            <p:ph type="body" sz="quarter" idx="10"/>
-          </p:nvPr>
-        </p:nvSpPr>
-        <p:spPr/>
-        <p:txBody>
-          <a:bodyPr/>
-          <a:lstStyle/>
-          <a:p>
-            <a:r>
-              <a:rPr lang="de-DE" sz="1600" dirty="0"/>
-              <a:t>Lehr-Lern vs. Interaktions- und Sozialisationsaspekt</a:t>
-            </a:r>
-          </a:p>
-          <a:p>
-            <a:r>
-              <a:rPr lang="de-DE" sz="1600" dirty="0"/>
-              <a:t>Angebot-Nutzungs-Modell (Mitverantwortung)</a:t>
-            </a:r>
-          </a:p>
-          <a:p>
-            <a:r>
-              <a:rPr lang="de-DE" sz="1600" dirty="0"/>
-              <a:t>Fachdidaktisch</a:t>
-            </a:r>
-          </a:p>
-          <a:p>
-            <a:r>
-              <a:rPr lang="de-DE" sz="1600" dirty="0"/>
-              <a:t>Keine </a:t>
-            </a:r>
-            <a:r>
-              <a:rPr lang="de-DE" sz="1600" i="1" dirty="0"/>
-              <a:t>eine </a:t>
-            </a:r>
-            <a:r>
-              <a:rPr lang="de-DE" sz="1600" i="1" dirty="0" err="1"/>
-              <a:t>ware</a:t>
-            </a:r>
-            <a:r>
-              <a:rPr lang="de-DE" sz="1600" i="1" dirty="0"/>
-              <a:t> Methode</a:t>
-            </a:r>
-          </a:p>
-          <a:p>
-            <a:r>
-              <a:rPr lang="de-DE" sz="1600" dirty="0" err="1"/>
-              <a:t>Lehrereffektivitaet</a:t>
-            </a:r>
-            <a:r>
-              <a:rPr lang="de-DE" sz="1600" dirty="0"/>
-              <a:t> weniger wichtig als gedacht (cf. Vorwissen)</a:t>
-            </a:r>
-          </a:p>
-          <a:p>
-            <a:r>
-              <a:rPr lang="de-DE" sz="1600" dirty="0" err="1"/>
-              <a:t>Engfuehrung</a:t>
-            </a:r>
-            <a:r>
-              <a:rPr lang="de-DE" sz="1600" dirty="0"/>
-              <a:t> in der Bildungsforschung</a:t>
-            </a:r>
-          </a:p>
-          <a:p>
-            <a:r>
-              <a:rPr lang="de-DE" sz="1600" dirty="0"/>
-              <a:t>Zwei fremde Schwester</a:t>
-            </a:r>
-          </a:p>
-          <a:p>
-            <a:pPr lvl="1"/>
-            <a:r>
-              <a:rPr lang="de-DE" sz="1600" dirty="0"/>
-              <a:t>Wissenschaft bestimmt praktische Arbeit nur ganz wenig </a:t>
-            </a:r>
-          </a:p>
-          <a:p>
-            <a:pPr lvl="1"/>
-            <a:r>
-              <a:rPr lang="de-DE" sz="1600" dirty="0"/>
-              <a:t>Institutionsblindheit</a:t>
-            </a:r>
-          </a:p>
-          <a:p>
-            <a:endParaRPr lang="de-DE" sz="1800" dirty="0"/>
-          </a:p>
-        </p:txBody>
-      </p:sp>
-    </p:spTree>
-    <p:extLst>
-      <p:ext uri="{BB962C8B-B14F-4D97-AF65-F5344CB8AC3E}">
-        <p14:creationId xmlns:p14="http://schemas.microsoft.com/office/powerpoint/2010/main" val="4170653433"/>
-      </p:ext>
-    </p:extLst>
-  </p:cSld>
-  <p:clrMapOvr>
-    <a:masterClrMapping/>
-  </p:clrMapOvr>
-</p:sld>
-</file>
-
-<file path=ppt/slides/slide15.xml><?xml version="1.0" encoding="utf-8"?>
-<p:sld xmlns:a="http://schemas.openxmlformats.org/drawingml/2006/main" xmlns:r="http://schemas.openxmlformats.org/officeDocument/2006/relationships" xmlns:p="http://schemas.openxmlformats.org/presentationml/2006/main">
-  <p:cSld>
-    <p:spTree>
-      <p:nvGrpSpPr>
-        <p:cNvPr id="1" name=""/>
-        <p:cNvGrpSpPr/>
-        <p:nvPr/>
-      </p:nvGrpSpPr>
-      <p:grpSpPr>
-        <a:xfrm>
-          <a:off x="0" y="0"/>
-          <a:ext cx="0" cy="0"/>
-          <a:chOff x="0" y="0"/>
-          <a:chExt cx="0" cy="0"/>
-        </a:xfrm>
-      </p:grpSpPr>
-      <p:sp>
-        <p:nvSpPr>
-          <p:cNvPr id="2" name="Title 1">
-            <a:extLst>
-              <a:ext uri="{FF2B5EF4-FFF2-40B4-BE49-F238E27FC236}">
-                <a16:creationId xmlns:a16="http://schemas.microsoft.com/office/drawing/2014/main" id="{193A0400-9C5C-49D9-9461-90B53056715E}"/>
-              </a:ext>
-            </a:extLst>
-          </p:cNvPr>
-          <p:cNvSpPr>
-            <a:spLocks noGrp="1"/>
-          </p:cNvSpPr>
-          <p:nvPr>
-            <p:ph type="title"/>
-          </p:nvPr>
-        </p:nvSpPr>
-        <p:spPr/>
-        <p:txBody>
-          <a:bodyPr/>
-          <a:lstStyle/>
-          <a:p>
-            <a:r>
-              <a:rPr lang="de-DE" dirty="0"/>
-              <a:t>Einführungen</a:t>
-            </a:r>
-            <a:r>
-              <a:rPr lang="en-US" dirty="0"/>
-              <a:t> </a:t>
-            </a:r>
-          </a:p>
-        </p:txBody>
-      </p:sp>
-      <p:sp>
-        <p:nvSpPr>
-          <p:cNvPr id="3" name="Text Placeholder 2">
-            <a:extLst>
-              <a:ext uri="{FF2B5EF4-FFF2-40B4-BE49-F238E27FC236}">
-                <a16:creationId xmlns:a16="http://schemas.microsoft.com/office/drawing/2014/main" id="{03B32A4B-AF1E-4C17-84F9-3517BFA909DA}"/>
-              </a:ext>
-            </a:extLst>
-          </p:cNvPr>
-          <p:cNvSpPr>
-            <a:spLocks noGrp="1"/>
-          </p:cNvSpPr>
-          <p:nvPr>
-            <p:ph type="body" sz="quarter" idx="10"/>
-          </p:nvPr>
-        </p:nvSpPr>
-        <p:spPr/>
-        <p:txBody>
-          <a:bodyPr/>
-          <a:lstStyle/>
-          <a:p>
-            <a:r>
-              <a:rPr lang="de-DE" sz="1800" dirty="0" err="1"/>
-              <a:t>Terhart</a:t>
-            </a:r>
-            <a:r>
-              <a:rPr lang="de-DE" sz="1800" dirty="0"/>
-              <a:t>, E. (2019). Didaktik: Eine Einführung. Reclam.</a:t>
-            </a:r>
-          </a:p>
-          <a:p>
-            <a:r>
-              <a:rPr lang="de-DE" sz="1800" dirty="0" err="1"/>
-              <a:t>Coriand</a:t>
-            </a:r>
-            <a:r>
-              <a:rPr lang="de-DE" sz="1800" dirty="0"/>
-              <a:t>, R. (2017). Allgemeine Didaktik. https://content-select.com/de/portal/media/view/5a8d4d12-b300-4208-84f2-2dc4b0dd2d03</a:t>
-            </a:r>
-          </a:p>
-          <a:p>
-            <a:r>
-              <a:rPr lang="de-DE" sz="1800" dirty="0"/>
-              <a:t>Seel, B. M., Hanke, U. (2015). Erziehungswissenschaft. Lehrbuch für Bachelor-, Master- und Lehramtsstudierende. Springer. </a:t>
-            </a:r>
-            <a:endParaRPr lang="en-US" sz="1800" dirty="0"/>
-          </a:p>
-        </p:txBody>
-      </p:sp>
-    </p:spTree>
-    <p:extLst>
-      <p:ext uri="{BB962C8B-B14F-4D97-AF65-F5344CB8AC3E}">
-        <p14:creationId xmlns:p14="http://schemas.microsoft.com/office/powerpoint/2010/main" val="39849712"/>
-      </p:ext>
-    </p:extLst>
-  </p:cSld>
-  <p:clrMapOvr>
-    <a:masterClrMapping/>
-  </p:clrMapOvr>
-</p:sld>
-</file>
-
-<file path=ppt/slides/slide16.xml><?xml version="1.0" encoding="utf-8"?>
-<p:sld xmlns:a="http://schemas.openxmlformats.org/drawingml/2006/main" xmlns:r="http://schemas.openxmlformats.org/officeDocument/2006/relationships" xmlns:p="http://schemas.openxmlformats.org/presentationml/2006/main">
-  <p:cSld>
-    <p:spTree>
-      <p:nvGrpSpPr>
-        <p:cNvPr id="1" name=""/>
-        <p:cNvGrpSpPr/>
-        <p:nvPr/>
-      </p:nvGrpSpPr>
-      <p:grpSpPr>
-        <a:xfrm>
-          <a:off x="0" y="0"/>
-          <a:ext cx="0" cy="0"/>
-          <a:chOff x="0" y="0"/>
-          <a:chExt cx="0" cy="0"/>
-        </a:xfrm>
-      </p:grpSpPr>
-      <p:sp>
-        <p:nvSpPr>
-          <p:cNvPr id="2" name="Title 1">
-            <a:extLst>
-              <a:ext uri="{FF2B5EF4-FFF2-40B4-BE49-F238E27FC236}">
-                <a16:creationId xmlns:a16="http://schemas.microsoft.com/office/drawing/2014/main" id="{FC29CFB6-6A93-44A8-AF99-D4AA912DF272}"/>
-              </a:ext>
-            </a:extLst>
-          </p:cNvPr>
-          <p:cNvSpPr>
-            <a:spLocks noGrp="1"/>
-          </p:cNvSpPr>
-          <p:nvPr>
-            <p:ph type="title"/>
-          </p:nvPr>
-        </p:nvSpPr>
-        <p:spPr/>
-        <p:txBody>
-          <a:bodyPr/>
-          <a:lstStyle/>
-          <a:p>
-            <a:r>
-              <a:rPr lang="en-US" dirty="0"/>
-              <a:t>Seminar Aufbau (</a:t>
-            </a:r>
-            <a:r>
-              <a:rPr lang="en-US" dirty="0" err="1"/>
-              <a:t>Grob</a:t>
-            </a:r>
-            <a:r>
-              <a:rPr lang="en-US" dirty="0"/>
-              <a:t>)</a:t>
-            </a:r>
-          </a:p>
-        </p:txBody>
-      </p:sp>
-      <p:sp>
-        <p:nvSpPr>
-          <p:cNvPr id="3" name="Text Placeholder 2">
-            <a:extLst>
-              <a:ext uri="{FF2B5EF4-FFF2-40B4-BE49-F238E27FC236}">
-                <a16:creationId xmlns:a16="http://schemas.microsoft.com/office/drawing/2014/main" id="{A03EDEF0-6370-4857-9723-DFBFE0D9FA12}"/>
-              </a:ext>
-            </a:extLst>
-          </p:cNvPr>
-          <p:cNvSpPr>
-            <a:spLocks noGrp="1"/>
-          </p:cNvSpPr>
-          <p:nvPr>
-            <p:ph type="body" sz="quarter" idx="10"/>
-          </p:nvPr>
-        </p:nvSpPr>
-        <p:spPr/>
-        <p:txBody>
-          <a:bodyPr/>
-          <a:lstStyle/>
-          <a:p>
-            <a:r>
-              <a:rPr lang="en-US" sz="1800" dirty="0" err="1"/>
-              <a:t>Erste</a:t>
-            </a:r>
-            <a:r>
-              <a:rPr lang="en-US" sz="1800" dirty="0"/>
-              <a:t> </a:t>
-            </a:r>
-            <a:r>
-              <a:rPr lang="en-US" sz="1800" dirty="0" err="1"/>
-              <a:t>Helfte</a:t>
-            </a:r>
-            <a:r>
-              <a:rPr lang="en-US" sz="1800" dirty="0"/>
-              <a:t>: </a:t>
-            </a:r>
-          </a:p>
-          <a:p>
-            <a:pPr lvl="1"/>
-            <a:r>
-              <a:rPr lang="en-US" sz="1800" dirty="0">
-                <a:latin typeface="Arial" panose="020B0604020202020204" pitchFamily="34" charset="0"/>
-                <a:cs typeface="Arial" panose="020B0604020202020204" pitchFamily="34" charset="0"/>
-              </a:rPr>
-              <a:t>was </a:t>
-            </a:r>
-            <a:r>
-              <a:rPr lang="en-US" sz="1800" dirty="0" err="1">
-                <a:latin typeface="Arial" panose="020B0604020202020204" pitchFamily="34" charset="0"/>
-                <a:cs typeface="Arial" panose="020B0604020202020204" pitchFamily="34" charset="0"/>
-              </a:rPr>
-              <a:t>ist</a:t>
-            </a:r>
-            <a:r>
-              <a:rPr lang="en-US" sz="1800" dirty="0">
-                <a:latin typeface="Arial" panose="020B0604020202020204" pitchFamily="34" charset="0"/>
-                <a:cs typeface="Arial" panose="020B0604020202020204" pitchFamily="34" charset="0"/>
-              </a:rPr>
-              <a:t> </a:t>
-            </a:r>
-            <a:r>
-              <a:rPr lang="en-US" sz="1800" dirty="0" err="1">
-                <a:latin typeface="Arial" panose="020B0604020202020204" pitchFamily="34" charset="0"/>
-                <a:cs typeface="Arial" panose="020B0604020202020204" pitchFamily="34" charset="0"/>
-              </a:rPr>
-              <a:t>Bildung</a:t>
-            </a:r>
-            <a:r>
-              <a:rPr lang="en-US" sz="1800" dirty="0">
-                <a:latin typeface="Arial" panose="020B0604020202020204" pitchFamily="34" charset="0"/>
-                <a:cs typeface="Arial" panose="020B0604020202020204" pitchFamily="34" charset="0"/>
-              </a:rPr>
-              <a:t>? </a:t>
-            </a:r>
-          </a:p>
-          <a:p>
-            <a:pPr lvl="1"/>
-            <a:r>
-              <a:rPr lang="en-US" sz="1800" dirty="0" err="1">
-                <a:latin typeface="Arial" panose="020B0604020202020204" pitchFamily="34" charset="0"/>
-                <a:cs typeface="Arial" panose="020B0604020202020204" pitchFamily="34" charset="0"/>
-              </a:rPr>
-              <a:t>klassische</a:t>
-            </a:r>
-            <a:r>
-              <a:rPr lang="en-US" sz="1800" dirty="0">
-                <a:latin typeface="Arial" panose="020B0604020202020204" pitchFamily="34" charset="0"/>
-                <a:cs typeface="Arial" panose="020B0604020202020204" pitchFamily="34" charset="0"/>
-              </a:rPr>
-              <a:t> </a:t>
-            </a:r>
-            <a:r>
-              <a:rPr lang="en-US" sz="1800" dirty="0" err="1">
-                <a:latin typeface="Arial" panose="020B0604020202020204" pitchFamily="34" charset="0"/>
-                <a:cs typeface="Arial" panose="020B0604020202020204" pitchFamily="34" charset="0"/>
-              </a:rPr>
-              <a:t>Theorien</a:t>
-            </a:r>
-            <a:endParaRPr lang="en-US" sz="1800" dirty="0">
-              <a:latin typeface="Arial" panose="020B0604020202020204" pitchFamily="34" charset="0"/>
-              <a:cs typeface="Arial" panose="020B0604020202020204" pitchFamily="34" charset="0"/>
-            </a:endParaRPr>
-          </a:p>
-          <a:p>
-            <a:r>
-              <a:rPr lang="en-US" sz="1800" dirty="0" err="1"/>
-              <a:t>Zweite</a:t>
-            </a:r>
-            <a:r>
-              <a:rPr lang="en-US" sz="1800" dirty="0"/>
-              <a:t> </a:t>
-            </a:r>
-            <a:r>
-              <a:rPr lang="en-US" sz="1800" dirty="0" err="1"/>
-              <a:t>Helfte</a:t>
-            </a:r>
-            <a:r>
-              <a:rPr lang="en-US" sz="1800" dirty="0"/>
-              <a:t>:</a:t>
-            </a:r>
-          </a:p>
-          <a:p>
-            <a:pPr lvl="1"/>
-            <a:r>
-              <a:rPr lang="en-US" sz="1800" dirty="0" err="1">
-                <a:latin typeface="Arial" panose="020B0604020202020204" pitchFamily="34" charset="0"/>
-                <a:cs typeface="Arial" panose="020B0604020202020204" pitchFamily="34" charset="0"/>
-              </a:rPr>
-              <a:t>Verschiedene</a:t>
-            </a:r>
-            <a:r>
-              <a:rPr lang="en-US" sz="1800" dirty="0">
-                <a:latin typeface="Arial" panose="020B0604020202020204" pitchFamily="34" charset="0"/>
-                <a:cs typeface="Arial" panose="020B0604020202020204" pitchFamily="34" charset="0"/>
-              </a:rPr>
-              <a:t> </a:t>
-            </a:r>
-            <a:r>
-              <a:rPr lang="en-US" sz="1800" dirty="0" err="1">
-                <a:latin typeface="Arial" panose="020B0604020202020204" pitchFamily="34" charset="0"/>
-                <a:cs typeface="Arial" panose="020B0604020202020204" pitchFamily="34" charset="0"/>
-              </a:rPr>
-              <a:t>Perpektive</a:t>
-            </a:r>
-            <a:r>
-              <a:rPr lang="en-US" sz="1800" dirty="0">
-                <a:latin typeface="Arial" panose="020B0604020202020204" pitchFamily="34" charset="0"/>
-                <a:cs typeface="Arial" panose="020B0604020202020204" pitchFamily="34" charset="0"/>
-              </a:rPr>
-              <a:t> auf </a:t>
-            </a:r>
-            <a:r>
-              <a:rPr lang="en-US" sz="1800" dirty="0" err="1">
-                <a:latin typeface="Arial" panose="020B0604020202020204" pitchFamily="34" charset="0"/>
-                <a:cs typeface="Arial" panose="020B0604020202020204" pitchFamily="34" charset="0"/>
-              </a:rPr>
-              <a:t>Lernen</a:t>
-            </a:r>
-            <a:endParaRPr lang="en-US" sz="1800" dirty="0">
-              <a:latin typeface="Arial" panose="020B0604020202020204" pitchFamily="34" charset="0"/>
-              <a:cs typeface="Arial" panose="020B0604020202020204" pitchFamily="34" charset="0"/>
-            </a:endParaRPr>
-          </a:p>
-        </p:txBody>
-      </p:sp>
-    </p:spTree>
-    <p:extLst>
-      <p:ext uri="{BB962C8B-B14F-4D97-AF65-F5344CB8AC3E}">
-        <p14:creationId xmlns:p14="http://schemas.microsoft.com/office/powerpoint/2010/main" val="2166511470"/>
-      </p:ext>
-    </p:extLst>
-  </p:cSld>
-  <p:clrMapOvr>
-    <a:masterClrMapping/>
-  </p:clrMapOvr>
-</p:sld>
-</file>
-
-<file path=ppt/slides/slide17.xml><?xml version="1.0" encoding="utf-8"?>
 <p:sld xmlns:a="http://schemas.openxmlformats.org/drawingml/2006/main" xmlns:r="http://schemas.openxmlformats.org/officeDocument/2006/relationships" xmlns:p="http://schemas.openxmlformats.org/presentationml/2006/main">
   <p:cSld>
     <p:spTree>
@@ -5934,7 +4785,7 @@
 </p:sld>
 </file>
 
-<file path=ppt/slides/slide18.xml><?xml version="1.0" encoding="utf-8"?>
+<file path=ppt/slides/slide11.xml><?xml version="1.0" encoding="utf-8"?>
 <p:sld xmlns:a="http://schemas.openxmlformats.org/drawingml/2006/main" xmlns:r="http://schemas.openxmlformats.org/officeDocument/2006/relationships" xmlns:p="http://schemas.openxmlformats.org/presentationml/2006/main">
   <p:cSld>
     <p:spTree>
@@ -7875,7 +6726,7 @@
 </p:sld>
 </file>
 
-<file path=ppt/slides/slide19.xml><?xml version="1.0" encoding="utf-8"?>
+<file path=ppt/slides/slide12.xml><?xml version="1.0" encoding="utf-8"?>
 <p:sld xmlns:a="http://schemas.openxmlformats.org/drawingml/2006/main" xmlns:r="http://schemas.openxmlformats.org/officeDocument/2006/relationships" xmlns:p="http://schemas.openxmlformats.org/presentationml/2006/main">
   <p:cSld>
     <p:spTree>
@@ -8090,6 +6941,1053 @@
     <p:extLst>
       <p:ext uri="{BB962C8B-B14F-4D97-AF65-F5344CB8AC3E}">
         <p14:creationId xmlns:p14="http://schemas.microsoft.com/office/powerpoint/2010/main" val="1081038908"/>
+      </p:ext>
+    </p:extLst>
+  </p:cSld>
+  <p:clrMapOvr>
+    <a:masterClrMapping/>
+  </p:clrMapOvr>
+</p:sld>
+</file>
+
+<file path=ppt/slides/slide13.xml><?xml version="1.0" encoding="utf-8"?>
+<p:sld xmlns:a="http://schemas.openxmlformats.org/drawingml/2006/main" xmlns:r="http://schemas.openxmlformats.org/officeDocument/2006/relationships" xmlns:p="http://schemas.openxmlformats.org/presentationml/2006/main">
+  <p:cSld>
+    <p:spTree>
+      <p:nvGrpSpPr>
+        <p:cNvPr id="1" name=""/>
+        <p:cNvGrpSpPr/>
+        <p:nvPr/>
+      </p:nvGrpSpPr>
+      <p:grpSpPr>
+        <a:xfrm>
+          <a:off x="0" y="0"/>
+          <a:ext cx="0" cy="0"/>
+          <a:chOff x="0" y="0"/>
+          <a:chExt cx="0" cy="0"/>
+        </a:xfrm>
+      </p:grpSpPr>
+      <p:sp>
+        <p:nvSpPr>
+          <p:cNvPr id="2" name="Title 1">
+            <a:extLst>
+              <a:ext uri="{FF2B5EF4-FFF2-40B4-BE49-F238E27FC236}">
+                <a16:creationId xmlns:a16="http://schemas.microsoft.com/office/drawing/2014/main" id="{8C86C9AD-2D1D-4A85-9B58-0C8E44404F1C}"/>
+              </a:ext>
+            </a:extLst>
+          </p:cNvPr>
+          <p:cNvSpPr>
+            <a:spLocks noGrp="1"/>
+          </p:cNvSpPr>
+          <p:nvPr>
+            <p:ph type="title"/>
+          </p:nvPr>
+        </p:nvSpPr>
+        <p:spPr/>
+        <p:txBody>
+          <a:bodyPr/>
+          <a:lstStyle/>
+          <a:p>
+            <a:r>
+              <a:rPr lang="de-DE" dirty="0"/>
+              <a:t>Wie wir miteinander Arbeiten</a:t>
+            </a:r>
+            <a:endParaRPr lang="en-US" dirty="0"/>
+          </a:p>
+        </p:txBody>
+      </p:sp>
+      <p:sp>
+        <p:nvSpPr>
+          <p:cNvPr id="3" name="Text Placeholder 2">
+            <a:extLst>
+              <a:ext uri="{FF2B5EF4-FFF2-40B4-BE49-F238E27FC236}">
+                <a16:creationId xmlns:a16="http://schemas.microsoft.com/office/drawing/2014/main" id="{08C994F0-E40A-4D67-89A4-A2E205AE23E7}"/>
+              </a:ext>
+            </a:extLst>
+          </p:cNvPr>
+          <p:cNvSpPr>
+            <a:spLocks noGrp="1"/>
+          </p:cNvSpPr>
+          <p:nvPr>
+            <p:ph type="body" sz="quarter" idx="10"/>
+          </p:nvPr>
+        </p:nvSpPr>
+        <p:spPr/>
+        <p:txBody>
+          <a:bodyPr/>
+          <a:lstStyle/>
+          <a:p>
+            <a:r>
+              <a:rPr lang="de-DE" sz="1800" dirty="0"/>
+              <a:t>Studium an der Universität heißt auch: Eigenverantwortung</a:t>
+            </a:r>
+          </a:p>
+          <a:p>
+            <a:r>
+              <a:rPr lang="de-DE" sz="1800" dirty="0"/>
+              <a:t>Seminar als Impulsgeber</a:t>
+            </a:r>
+          </a:p>
+          <a:p>
+            <a:r>
+              <a:rPr lang="de-DE" sz="1800" dirty="0"/>
+              <a:t>Seminar wird durch ihre Mitarbeit und Fragen spannend!</a:t>
+            </a:r>
+          </a:p>
+          <a:p>
+            <a:endParaRPr lang="en-US" sz="1800" dirty="0"/>
+          </a:p>
+        </p:txBody>
+      </p:sp>
+    </p:spTree>
+    <p:extLst>
+      <p:ext uri="{BB962C8B-B14F-4D97-AF65-F5344CB8AC3E}">
+        <p14:creationId xmlns:p14="http://schemas.microsoft.com/office/powerpoint/2010/main" val="1568292325"/>
+      </p:ext>
+    </p:extLst>
+  </p:cSld>
+  <p:clrMapOvr>
+    <a:masterClrMapping/>
+  </p:clrMapOvr>
+</p:sld>
+</file>
+
+<file path=ppt/slides/slide14.xml><?xml version="1.0" encoding="utf-8"?>
+<p:sld xmlns:a="http://schemas.openxmlformats.org/drawingml/2006/main" xmlns:r="http://schemas.openxmlformats.org/officeDocument/2006/relationships" xmlns:p="http://schemas.openxmlformats.org/presentationml/2006/main">
+  <p:cSld>
+    <p:spTree>
+      <p:nvGrpSpPr>
+        <p:cNvPr id="1" name=""/>
+        <p:cNvGrpSpPr/>
+        <p:nvPr/>
+      </p:nvGrpSpPr>
+      <p:grpSpPr>
+        <a:xfrm>
+          <a:off x="0" y="0"/>
+          <a:ext cx="0" cy="0"/>
+          <a:chOff x="0" y="0"/>
+          <a:chExt cx="0" cy="0"/>
+        </a:xfrm>
+      </p:grpSpPr>
+      <p:sp>
+        <p:nvSpPr>
+          <p:cNvPr id="2" name="Title 1">
+            <a:extLst>
+              <a:ext uri="{FF2B5EF4-FFF2-40B4-BE49-F238E27FC236}">
+                <a16:creationId xmlns:a16="http://schemas.microsoft.com/office/drawing/2014/main" id="{E4D9F5BB-26C7-445F-AD34-6A60DB589A2A}"/>
+              </a:ext>
+            </a:extLst>
+          </p:cNvPr>
+          <p:cNvSpPr>
+            <a:spLocks noGrp="1"/>
+          </p:cNvSpPr>
+          <p:nvPr>
+            <p:ph type="title"/>
+          </p:nvPr>
+        </p:nvSpPr>
+        <p:spPr/>
+        <p:txBody>
+          <a:bodyPr/>
+          <a:lstStyle/>
+          <a:p>
+            <a:r>
+              <a:rPr lang="de-DE" i="1" dirty="0"/>
+              <a:t>Effektive </a:t>
+            </a:r>
+            <a:r>
+              <a:rPr lang="de-DE" dirty="0"/>
+              <a:t>Partizipation:</a:t>
+            </a:r>
+            <a:br>
+              <a:rPr lang="de-DE" dirty="0"/>
+            </a:br>
+            <a:endParaRPr lang="de-DE" dirty="0"/>
+          </a:p>
+        </p:txBody>
+      </p:sp>
+      <p:sp>
+        <p:nvSpPr>
+          <p:cNvPr id="3" name="Text Placeholder 2">
+            <a:extLst>
+              <a:ext uri="{FF2B5EF4-FFF2-40B4-BE49-F238E27FC236}">
+                <a16:creationId xmlns:a16="http://schemas.microsoft.com/office/drawing/2014/main" id="{6401BDA4-80C0-4F70-A0A0-F4037BA36057}"/>
+              </a:ext>
+            </a:extLst>
+          </p:cNvPr>
+          <p:cNvSpPr>
+            <a:spLocks noGrp="1"/>
+          </p:cNvSpPr>
+          <p:nvPr>
+            <p:ph type="body" sz="quarter" idx="10"/>
+          </p:nvPr>
+        </p:nvSpPr>
+        <p:spPr/>
+        <p:txBody>
+          <a:bodyPr/>
+          <a:lstStyle/>
+          <a:p>
+            <a:r>
+              <a:rPr lang="de-DE" sz="1600" dirty="0"/>
+              <a:t>Man </a:t>
+            </a:r>
+            <a:r>
+              <a:rPr lang="de-DE" sz="1600" i="1" dirty="0"/>
+              <a:t>muss </a:t>
+            </a:r>
+            <a:r>
+              <a:rPr lang="de-DE" sz="1600" dirty="0"/>
+              <a:t>nicht sprechen</a:t>
+            </a:r>
+          </a:p>
+          <a:p>
+            <a:pPr lvl="1"/>
+            <a:r>
+              <a:rPr lang="de-DE" sz="1600" dirty="0">
+                <a:latin typeface="Arial" panose="020B0604020202020204" pitchFamily="34" charset="0"/>
+                <a:cs typeface="Arial" panose="020B0604020202020204" pitchFamily="34" charset="0"/>
+              </a:rPr>
+              <a:t>Nach dem Seminar kann man eventuell auch noch etwas sagen.  </a:t>
+            </a:r>
+          </a:p>
+          <a:p>
+            <a:r>
+              <a:rPr lang="de-DE" sz="1600" dirty="0"/>
+              <a:t>„Überwache“ wieviel man selbst spricht </a:t>
+            </a:r>
+          </a:p>
+          <a:p>
+            <a:pPr lvl="1"/>
+            <a:r>
+              <a:rPr lang="de-DE" sz="1600" dirty="0">
+                <a:latin typeface="Arial" panose="020B0604020202020204" pitchFamily="34" charset="0"/>
+                <a:cs typeface="Arial" panose="020B0604020202020204" pitchFamily="34" charset="0"/>
+              </a:rPr>
+              <a:t>Viel sprechen ist nicht unbedingt effektiv. Wenige durchdachte Beiträge sind effektiver als viele spontane Gedanken.  </a:t>
+            </a:r>
+          </a:p>
+          <a:p>
+            <a:r>
+              <a:rPr lang="de-DE" sz="1600" dirty="0"/>
+              <a:t>Einander helfen</a:t>
+            </a:r>
+          </a:p>
+          <a:p>
+            <a:pPr lvl="1"/>
+            <a:r>
+              <a:rPr lang="de-DE" sz="1600" dirty="0">
+                <a:latin typeface="Arial" panose="020B0604020202020204" pitchFamily="34" charset="0"/>
+                <a:cs typeface="Arial" panose="020B0604020202020204" pitchFamily="34" charset="0"/>
+              </a:rPr>
+              <a:t>Eher nicht defensiv oder „aber die und das“, sondern eher engagierend, aufbauend und Assoziationen auf andere Beiträge.</a:t>
+            </a:r>
+          </a:p>
+          <a:p>
+            <a:r>
+              <a:rPr lang="de-DE" sz="1600" dirty="0"/>
+              <a:t>Beachte die Verschiedenheit in der Klasse: Vorsichtigkeit mit Scherzen usw.  	</a:t>
+            </a:r>
+          </a:p>
+          <a:p>
+            <a:endParaRPr lang="de-DE" sz="1600" dirty="0"/>
+          </a:p>
+          <a:p>
+            <a:pPr lvl="1"/>
+            <a:endParaRPr lang="de-DE" sz="1600" dirty="0">
+              <a:latin typeface="Arial" panose="020B0604020202020204" pitchFamily="34" charset="0"/>
+              <a:cs typeface="Arial" panose="020B0604020202020204" pitchFamily="34" charset="0"/>
+            </a:endParaRPr>
+          </a:p>
+        </p:txBody>
+      </p:sp>
+    </p:spTree>
+    <p:extLst>
+      <p:ext uri="{BB962C8B-B14F-4D97-AF65-F5344CB8AC3E}">
+        <p14:creationId xmlns:p14="http://schemas.microsoft.com/office/powerpoint/2010/main" val="10673750"/>
+      </p:ext>
+    </p:extLst>
+  </p:cSld>
+  <p:clrMapOvr>
+    <a:masterClrMapping/>
+  </p:clrMapOvr>
+</p:sld>
+</file>
+
+<file path=ppt/slides/slide15.xml><?xml version="1.0" encoding="utf-8"?>
+<p:sld xmlns:a="http://schemas.openxmlformats.org/drawingml/2006/main" xmlns:r="http://schemas.openxmlformats.org/officeDocument/2006/relationships" xmlns:p="http://schemas.openxmlformats.org/presentationml/2006/main">
+  <p:cSld>
+    <p:spTree>
+      <p:nvGrpSpPr>
+        <p:cNvPr id="1" name=""/>
+        <p:cNvGrpSpPr/>
+        <p:nvPr/>
+      </p:nvGrpSpPr>
+      <p:grpSpPr>
+        <a:xfrm>
+          <a:off x="0" y="0"/>
+          <a:ext cx="0" cy="0"/>
+          <a:chOff x="0" y="0"/>
+          <a:chExt cx="0" cy="0"/>
+        </a:xfrm>
+      </p:grpSpPr>
+      <p:sp>
+        <p:nvSpPr>
+          <p:cNvPr id="2" name="Title 1">
+            <a:extLst>
+              <a:ext uri="{FF2B5EF4-FFF2-40B4-BE49-F238E27FC236}">
+                <a16:creationId xmlns:a16="http://schemas.microsoft.com/office/drawing/2014/main" id="{4E07FA4F-1AC4-47E7-8D9D-816345601E16}"/>
+              </a:ext>
+            </a:extLst>
+          </p:cNvPr>
+          <p:cNvSpPr>
+            <a:spLocks noGrp="1"/>
+          </p:cNvSpPr>
+          <p:nvPr>
+            <p:ph type="title"/>
+          </p:nvPr>
+        </p:nvSpPr>
+        <p:spPr/>
+        <p:txBody>
+          <a:bodyPr/>
+          <a:lstStyle/>
+          <a:p>
+            <a:r>
+              <a:rPr lang="de-DE" dirty="0"/>
+              <a:t>Portfolio</a:t>
+            </a:r>
+          </a:p>
+        </p:txBody>
+      </p:sp>
+      <p:sp>
+        <p:nvSpPr>
+          <p:cNvPr id="3" name="Text Placeholder 2">
+            <a:extLst>
+              <a:ext uri="{FF2B5EF4-FFF2-40B4-BE49-F238E27FC236}">
+                <a16:creationId xmlns:a16="http://schemas.microsoft.com/office/drawing/2014/main" id="{B6F4A794-56F2-4B30-A070-582E5882B6A1}"/>
+              </a:ext>
+            </a:extLst>
+          </p:cNvPr>
+          <p:cNvSpPr>
+            <a:spLocks noGrp="1"/>
+          </p:cNvSpPr>
+          <p:nvPr>
+            <p:ph type="body" sz="quarter" idx="10"/>
+          </p:nvPr>
+        </p:nvSpPr>
+        <p:spPr/>
+        <p:txBody>
+          <a:bodyPr/>
+          <a:lstStyle/>
+          <a:p>
+            <a:r>
+              <a:rPr lang="de-DE" sz="1600" dirty="0" err="1"/>
+              <a:t>Fuer</a:t>
+            </a:r>
+            <a:r>
+              <a:rPr lang="de-DE" sz="1600" dirty="0"/>
+              <a:t> eine </a:t>
+            </a:r>
+            <a:r>
+              <a:rPr lang="de-DE" sz="1600" dirty="0" err="1"/>
+              <a:t>ausfuehrliche</a:t>
+            </a:r>
+            <a:r>
+              <a:rPr lang="de-DE" sz="1600" dirty="0"/>
+              <a:t> Beschreibung sehe: </a:t>
+            </a:r>
+            <a:r>
+              <a:rPr lang="de-DE" sz="1600" dirty="0">
+                <a:hlinkClick r:id="rId2"/>
+              </a:rPr>
+              <a:t>https://jobschepens.github.io/didakt22/syllabus.html</a:t>
+            </a:r>
+            <a:endParaRPr lang="de-DE" sz="1600" dirty="0"/>
+          </a:p>
+          <a:p>
+            <a:endParaRPr lang="de-DE" sz="1600" dirty="0"/>
+          </a:p>
+          <a:p>
+            <a:r>
+              <a:rPr lang="de-DE" sz="1600" dirty="0"/>
+              <a:t>Begriffe nachschlagen (z.B. Falsifikationsprinzip)</a:t>
+            </a:r>
+          </a:p>
+          <a:p>
+            <a:r>
+              <a:rPr lang="de-DE" sz="1600" dirty="0"/>
+              <a:t>Fragen im Forum stellen</a:t>
+            </a:r>
+          </a:p>
+          <a:p>
+            <a:r>
+              <a:rPr lang="de-DE" sz="1600" dirty="0"/>
+              <a:t>Hinweise sind hilfreich</a:t>
+            </a:r>
+          </a:p>
+          <a:p>
+            <a:r>
+              <a:rPr lang="de-DE" sz="1600" dirty="0"/>
+              <a:t>„Forschungsfrage“ einleiten und diskutieren</a:t>
+            </a:r>
+          </a:p>
+          <a:p>
+            <a:r>
+              <a:rPr lang="de-DE" sz="1600" dirty="0"/>
+              <a:t>kurze Textabschnitte (+/- 3/4 Seite pro Woche)</a:t>
+            </a:r>
+          </a:p>
+          <a:p>
+            <a:endParaRPr lang="de-DE" dirty="0"/>
+          </a:p>
+          <a:p>
+            <a:endParaRPr lang="de-DE" dirty="0"/>
+          </a:p>
+        </p:txBody>
+      </p:sp>
+    </p:spTree>
+    <p:extLst>
+      <p:ext uri="{BB962C8B-B14F-4D97-AF65-F5344CB8AC3E}">
+        <p14:creationId xmlns:p14="http://schemas.microsoft.com/office/powerpoint/2010/main" val="1981282875"/>
+      </p:ext>
+    </p:extLst>
+  </p:cSld>
+  <p:clrMapOvr>
+    <a:masterClrMapping/>
+  </p:clrMapOvr>
+</p:sld>
+</file>
+
+<file path=ppt/slides/slide16.xml><?xml version="1.0" encoding="utf-8"?>
+<p:sld xmlns:a="http://schemas.openxmlformats.org/drawingml/2006/main" xmlns:r="http://schemas.openxmlformats.org/officeDocument/2006/relationships" xmlns:p="http://schemas.openxmlformats.org/presentationml/2006/main">
+  <p:cSld>
+    <p:spTree>
+      <p:nvGrpSpPr>
+        <p:cNvPr id="1" name=""/>
+        <p:cNvGrpSpPr/>
+        <p:nvPr/>
+      </p:nvGrpSpPr>
+      <p:grpSpPr>
+        <a:xfrm>
+          <a:off x="0" y="0"/>
+          <a:ext cx="0" cy="0"/>
+          <a:chOff x="0" y="0"/>
+          <a:chExt cx="0" cy="0"/>
+        </a:xfrm>
+      </p:grpSpPr>
+      <p:sp>
+        <p:nvSpPr>
+          <p:cNvPr id="2" name="Title 1">
+            <a:extLst>
+              <a:ext uri="{FF2B5EF4-FFF2-40B4-BE49-F238E27FC236}">
+                <a16:creationId xmlns:a16="http://schemas.microsoft.com/office/drawing/2014/main" id="{515AF5E9-CAB2-4C7F-81C5-8452FF33B1A1}"/>
+              </a:ext>
+            </a:extLst>
+          </p:cNvPr>
+          <p:cNvSpPr>
+            <a:spLocks noGrp="1"/>
+          </p:cNvSpPr>
+          <p:nvPr>
+            <p:ph type="title"/>
+          </p:nvPr>
+        </p:nvSpPr>
+        <p:spPr/>
+        <p:txBody>
+          <a:bodyPr/>
+          <a:lstStyle/>
+          <a:p>
+            <a:r>
+              <a:rPr lang="de-DE" dirty="0"/>
+              <a:t>Portfolio - Bewertung</a:t>
+            </a:r>
+          </a:p>
+        </p:txBody>
+      </p:sp>
+      <p:sp>
+        <p:nvSpPr>
+          <p:cNvPr id="3" name="Text Placeholder 2">
+            <a:extLst>
+              <a:ext uri="{FF2B5EF4-FFF2-40B4-BE49-F238E27FC236}">
+                <a16:creationId xmlns:a16="http://schemas.microsoft.com/office/drawing/2014/main" id="{26CBE277-73BF-4BAB-B6E0-E795F46EE4F9}"/>
+              </a:ext>
+            </a:extLst>
+          </p:cNvPr>
+          <p:cNvSpPr>
+            <a:spLocks noGrp="1"/>
+          </p:cNvSpPr>
+          <p:nvPr>
+            <p:ph type="body" sz="quarter" idx="10"/>
+          </p:nvPr>
+        </p:nvSpPr>
+        <p:spPr/>
+        <p:txBody>
+          <a:bodyPr/>
+          <a:lstStyle/>
+          <a:p>
+            <a:pPr marL="0" indent="0">
+              <a:buNone/>
+            </a:pPr>
+            <a:r>
+              <a:rPr lang="de-DE" sz="1200" dirty="0"/>
+              <a:t>Das Portfolio (laut Modulhandbuch S. 3)</a:t>
+            </a:r>
+          </a:p>
+          <a:p>
+            <a:r>
+              <a:rPr lang="de-DE" sz="1200" dirty="0"/>
+              <a:t>dokumentiert das Gelernte:</a:t>
+            </a:r>
+          </a:p>
+          <a:p>
+            <a:pPr lvl="1"/>
+            <a:r>
+              <a:rPr lang="de-DE" sz="1200" b="1" dirty="0">
+                <a:latin typeface="Arial" panose="020B0604020202020204" pitchFamily="34" charset="0"/>
+                <a:cs typeface="Arial" panose="020B0604020202020204" pitchFamily="34" charset="0"/>
+              </a:rPr>
+              <a:t>Reflexionen </a:t>
+            </a:r>
+            <a:r>
+              <a:rPr lang="de-DE" sz="1200" dirty="0">
+                <a:latin typeface="Arial" panose="020B0604020202020204" pitchFamily="34" charset="0"/>
+                <a:cs typeface="Arial" panose="020B0604020202020204" pitchFamily="34" charset="0"/>
+              </a:rPr>
+              <a:t>über die Lernarbeit und die - Lernwege, </a:t>
+            </a:r>
+          </a:p>
+          <a:p>
+            <a:pPr lvl="1"/>
+            <a:r>
+              <a:rPr lang="de-DE" sz="1200" dirty="0">
+                <a:latin typeface="Arial" panose="020B0604020202020204" pitchFamily="34" charset="0"/>
+                <a:cs typeface="Arial" panose="020B0604020202020204" pitchFamily="34" charset="0"/>
+              </a:rPr>
+              <a:t>Ergebnisse in Relation zu den angestrebten </a:t>
+            </a:r>
+            <a:r>
+              <a:rPr lang="de-DE" sz="1200" b="1" dirty="0">
+                <a:latin typeface="Arial" panose="020B0604020202020204" pitchFamily="34" charset="0"/>
+                <a:cs typeface="Arial" panose="020B0604020202020204" pitchFamily="34" charset="0"/>
+              </a:rPr>
+              <a:t>Kompetenzen</a:t>
+            </a:r>
+            <a:r>
+              <a:rPr lang="de-DE" sz="1200" dirty="0">
+                <a:latin typeface="Arial" panose="020B0604020202020204" pitchFamily="34" charset="0"/>
+                <a:cs typeface="Arial" panose="020B0604020202020204" pitchFamily="34" charset="0"/>
+              </a:rPr>
+              <a:t>.</a:t>
+            </a:r>
+          </a:p>
+          <a:p>
+            <a:r>
+              <a:rPr lang="de-DE" sz="1200" dirty="0"/>
+              <a:t>fokussiert auf Veränderungen im Wissens- und im </a:t>
+            </a:r>
+            <a:r>
+              <a:rPr lang="de-DE" sz="1200" b="1" dirty="0"/>
+              <a:t>Kompetenzzuwachs</a:t>
+            </a:r>
+            <a:r>
+              <a:rPr lang="de-DE" sz="1200" dirty="0"/>
+              <a:t>.</a:t>
+            </a:r>
+          </a:p>
+          <a:p>
+            <a:pPr marL="0" indent="0">
+              <a:buNone/>
+            </a:pPr>
+            <a:endParaRPr lang="de-DE" sz="1200" dirty="0"/>
+          </a:p>
+          <a:p>
+            <a:pPr marL="0" indent="0">
+              <a:buNone/>
+            </a:pPr>
+            <a:r>
+              <a:rPr lang="de-DE" sz="1200" dirty="0"/>
+              <a:t>Kompetenzen</a:t>
+            </a:r>
+            <a:r>
+              <a:rPr lang="de-DE" sz="1200" b="1" dirty="0"/>
+              <a:t> </a:t>
+            </a:r>
+            <a:r>
+              <a:rPr lang="de-DE" sz="1200" dirty="0"/>
+              <a:t>(laut Modulhandbuch S. 11):  </a:t>
+            </a:r>
+            <a:endParaRPr lang="de-DE" sz="1200" b="1" dirty="0"/>
+          </a:p>
+          <a:p>
+            <a:pPr marL="0" indent="0">
+              <a:buNone/>
+            </a:pPr>
+            <a:r>
+              <a:rPr lang="de-DE" sz="1200" dirty="0"/>
+              <a:t>Die Studierenden erwerben grundlegende didaktische Kompetenzen im Sinn der Fähigkeit zur </a:t>
+            </a:r>
+            <a:r>
+              <a:rPr lang="de-DE" sz="1200" b="1" dirty="0"/>
+              <a:t>Analyse</a:t>
+            </a:r>
+            <a:r>
+              <a:rPr lang="de-DE" sz="1200" dirty="0"/>
+              <a:t> von Lernsituationen, der </a:t>
+            </a:r>
+            <a:r>
+              <a:rPr lang="de-DE" sz="1200" b="1" dirty="0"/>
+              <a:t>Anwendung</a:t>
+            </a:r>
+            <a:r>
+              <a:rPr lang="de-DE" sz="1200" dirty="0"/>
+              <a:t> von didaktischen Modellen und der </a:t>
+            </a:r>
+            <a:r>
+              <a:rPr lang="de-DE" sz="1200" b="1" dirty="0"/>
+              <a:t>Gestaltung</a:t>
+            </a:r>
+            <a:r>
+              <a:rPr lang="de-DE" sz="1200" dirty="0"/>
+              <a:t> von didaktischen Arrangements, können diesen Arrangements die passenden Vermittlungsmethoden zuordnen und </a:t>
+            </a:r>
+            <a:r>
+              <a:rPr lang="de-DE" sz="1200" b="1" dirty="0"/>
+              <a:t>Umsetzen</a:t>
+            </a:r>
+          </a:p>
+          <a:p>
+            <a:endParaRPr lang="de-DE" sz="1200" dirty="0"/>
+          </a:p>
+          <a:p>
+            <a:endParaRPr lang="de-DE" sz="1200" dirty="0"/>
+          </a:p>
+        </p:txBody>
+      </p:sp>
+    </p:spTree>
+    <p:extLst>
+      <p:ext uri="{BB962C8B-B14F-4D97-AF65-F5344CB8AC3E}">
+        <p14:creationId xmlns:p14="http://schemas.microsoft.com/office/powerpoint/2010/main" val="344013170"/>
+      </p:ext>
+    </p:extLst>
+  </p:cSld>
+  <p:clrMapOvr>
+    <a:masterClrMapping/>
+  </p:clrMapOvr>
+</p:sld>
+</file>
+
+<file path=ppt/slides/slide17.xml><?xml version="1.0" encoding="utf-8"?>
+<p:sld xmlns:a="http://schemas.openxmlformats.org/drawingml/2006/main" xmlns:r="http://schemas.openxmlformats.org/officeDocument/2006/relationships" xmlns:p="http://schemas.openxmlformats.org/presentationml/2006/main">
+  <p:cSld>
+    <p:spTree>
+      <p:nvGrpSpPr>
+        <p:cNvPr id="1" name=""/>
+        <p:cNvGrpSpPr/>
+        <p:nvPr/>
+      </p:nvGrpSpPr>
+      <p:grpSpPr>
+        <a:xfrm>
+          <a:off x="0" y="0"/>
+          <a:ext cx="0" cy="0"/>
+          <a:chOff x="0" y="0"/>
+          <a:chExt cx="0" cy="0"/>
+        </a:xfrm>
+      </p:grpSpPr>
+      <p:sp>
+        <p:nvSpPr>
+          <p:cNvPr id="2" name="Title 1">
+            <a:extLst>
+              <a:ext uri="{FF2B5EF4-FFF2-40B4-BE49-F238E27FC236}">
+                <a16:creationId xmlns:a16="http://schemas.microsoft.com/office/drawing/2014/main" id="{1BE5A66C-7453-4629-A430-0CB2263B3E8B}"/>
+              </a:ext>
+            </a:extLst>
+          </p:cNvPr>
+          <p:cNvSpPr>
+            <a:spLocks noGrp="1"/>
+          </p:cNvSpPr>
+          <p:nvPr>
+            <p:ph type="title"/>
+          </p:nvPr>
+        </p:nvSpPr>
+        <p:spPr/>
+        <p:txBody>
+          <a:bodyPr/>
+          <a:lstStyle/>
+          <a:p>
+            <a:r>
+              <a:rPr lang="en-US" dirty="0"/>
+              <a:t>Aufgabe</a:t>
+            </a:r>
+          </a:p>
+        </p:txBody>
+      </p:sp>
+      <p:sp>
+        <p:nvSpPr>
+          <p:cNvPr id="3" name="Text Placeholder 2">
+            <a:extLst>
+              <a:ext uri="{FF2B5EF4-FFF2-40B4-BE49-F238E27FC236}">
+                <a16:creationId xmlns:a16="http://schemas.microsoft.com/office/drawing/2014/main" id="{FAE2C1EB-BC72-4C66-87E9-036814A9F75C}"/>
+              </a:ext>
+            </a:extLst>
+          </p:cNvPr>
+          <p:cNvSpPr>
+            <a:spLocks noGrp="1"/>
+          </p:cNvSpPr>
+          <p:nvPr>
+            <p:ph type="body" sz="quarter" idx="10"/>
+          </p:nvPr>
+        </p:nvSpPr>
+        <p:spPr/>
+        <p:txBody>
+          <a:bodyPr/>
+          <a:lstStyle/>
+          <a:p>
+            <a:pPr>
+              <a:buFont typeface="+mj-lt"/>
+              <a:buAutoNum type="arabicPeriod"/>
+            </a:pPr>
+            <a:r>
+              <a:rPr lang="de-DE" sz="1400" dirty="0"/>
+              <a:t>Stellen Sie sich folgende Frage (15 min): </a:t>
+            </a:r>
+          </a:p>
+          <a:p>
+            <a:pPr lvl="1"/>
+            <a:r>
+              <a:rPr lang="de-DE" sz="1600" dirty="0"/>
+              <a:t>Wann haben Sie in Ihrem Leben etwas nachhaltig gelernt und was war das? </a:t>
+            </a:r>
+          </a:p>
+          <a:p>
+            <a:pPr lvl="1"/>
+            <a:r>
+              <a:rPr lang="de-DE" sz="1600" dirty="0"/>
+              <a:t>Was haben Sie dabei gelernt? </a:t>
+            </a:r>
+          </a:p>
+          <a:p>
+            <a:pPr lvl="1"/>
+            <a:r>
+              <a:rPr lang="de-DE" sz="1600" dirty="0"/>
+              <a:t>In welcher Situation? </a:t>
+            </a:r>
+          </a:p>
+          <a:p>
+            <a:pPr lvl="1"/>
+            <a:r>
+              <a:rPr lang="de-DE" sz="1600" dirty="0"/>
+              <a:t>Warum glauben Sie, dass Sie das behalten haben? </a:t>
+            </a:r>
+          </a:p>
+          <a:p>
+            <a:pPr lvl="1"/>
+            <a:r>
+              <a:rPr lang="de-DE" sz="1600" dirty="0"/>
+              <a:t>Was hat dazu beigetragen? </a:t>
+            </a:r>
+          </a:p>
+          <a:p>
+            <a:pPr>
+              <a:buFont typeface="+mj-lt"/>
+              <a:buAutoNum type="arabicPeriod"/>
+            </a:pPr>
+            <a:r>
+              <a:rPr lang="de-DE" sz="1400" dirty="0"/>
+              <a:t>Schreiben Sie bitte in drei oder vier Sätzen auf, was ein nachhaltiges Lernerlebnis für Sie war. </a:t>
+            </a:r>
+          </a:p>
+          <a:p>
+            <a:pPr>
+              <a:buFont typeface="+mj-lt"/>
+              <a:buAutoNum type="arabicPeriod"/>
+            </a:pPr>
+            <a:r>
+              <a:rPr lang="de-DE" sz="1400" dirty="0"/>
+              <a:t>Tauschen Sie sich mit ihre Nachbarn aus. </a:t>
+            </a:r>
+          </a:p>
+          <a:p>
+            <a:pPr>
+              <a:buFont typeface="+mj-lt"/>
+              <a:buAutoNum type="arabicPeriod"/>
+            </a:pPr>
+            <a:r>
+              <a:rPr lang="de-DE" sz="1400" dirty="0"/>
+              <a:t>Tauschen Sie sich in eine kleine Gruppe aus. </a:t>
+            </a:r>
+          </a:p>
+          <a:p>
+            <a:pPr>
+              <a:buFont typeface="+mj-lt"/>
+              <a:buAutoNum type="arabicPeriod"/>
+            </a:pPr>
+            <a:r>
+              <a:rPr lang="de-DE" sz="1400" dirty="0"/>
+              <a:t>Lassen sich Ähnlichkeiten erkennen, die bei mehreren Erzählungen auftauchen?</a:t>
+            </a:r>
+          </a:p>
+          <a:p>
+            <a:pPr>
+              <a:buFont typeface="+mj-lt"/>
+              <a:buAutoNum type="arabicPeriod"/>
+            </a:pPr>
+            <a:endParaRPr lang="en-US" sz="1400" dirty="0"/>
+          </a:p>
+        </p:txBody>
+      </p:sp>
+    </p:spTree>
+    <p:extLst>
+      <p:ext uri="{BB962C8B-B14F-4D97-AF65-F5344CB8AC3E}">
+        <p14:creationId xmlns:p14="http://schemas.microsoft.com/office/powerpoint/2010/main" val="65150770"/>
+      </p:ext>
+    </p:extLst>
+  </p:cSld>
+  <p:clrMapOvr>
+    <a:masterClrMapping/>
+  </p:clrMapOvr>
+</p:sld>
+</file>
+
+<file path=ppt/slides/slide18.xml><?xml version="1.0" encoding="utf-8"?>
+<p:sld xmlns:a="http://schemas.openxmlformats.org/drawingml/2006/main" xmlns:r="http://schemas.openxmlformats.org/officeDocument/2006/relationships" xmlns:p="http://schemas.openxmlformats.org/presentationml/2006/main">
+  <p:cSld>
+    <p:spTree>
+      <p:nvGrpSpPr>
+        <p:cNvPr id="1" name=""/>
+        <p:cNvGrpSpPr/>
+        <p:nvPr/>
+      </p:nvGrpSpPr>
+      <p:grpSpPr>
+        <a:xfrm>
+          <a:off x="0" y="0"/>
+          <a:ext cx="0" cy="0"/>
+          <a:chOff x="0" y="0"/>
+          <a:chExt cx="0" cy="0"/>
+        </a:xfrm>
+      </p:grpSpPr>
+      <p:sp>
+        <p:nvSpPr>
+          <p:cNvPr id="2" name="Title 1">
+            <a:extLst>
+              <a:ext uri="{FF2B5EF4-FFF2-40B4-BE49-F238E27FC236}">
+                <a16:creationId xmlns:a16="http://schemas.microsoft.com/office/drawing/2014/main" id="{B06CDD47-62E6-4F62-A7CE-3BB49DC58DEA}"/>
+              </a:ext>
+            </a:extLst>
+          </p:cNvPr>
+          <p:cNvSpPr>
+            <a:spLocks noGrp="1"/>
+          </p:cNvSpPr>
+          <p:nvPr>
+            <p:ph type="title"/>
+          </p:nvPr>
+        </p:nvSpPr>
+        <p:spPr/>
+        <p:txBody>
+          <a:bodyPr/>
+          <a:lstStyle/>
+          <a:p>
+            <a:r>
+              <a:rPr lang="de-DE" dirty="0"/>
+              <a:t>Gibt es Kriterien des nachhaltigen Lernens?</a:t>
+            </a:r>
+            <a:endParaRPr lang="en-US" dirty="0"/>
+          </a:p>
+        </p:txBody>
+      </p:sp>
+      <p:sp>
+        <p:nvSpPr>
+          <p:cNvPr id="3" name="Text Placeholder 2">
+            <a:extLst>
+              <a:ext uri="{FF2B5EF4-FFF2-40B4-BE49-F238E27FC236}">
+                <a16:creationId xmlns:a16="http://schemas.microsoft.com/office/drawing/2014/main" id="{6E7CDF61-4A2F-44D3-A5ED-BE34B3145903}"/>
+              </a:ext>
+            </a:extLst>
+          </p:cNvPr>
+          <p:cNvSpPr>
+            <a:spLocks noGrp="1"/>
+          </p:cNvSpPr>
+          <p:nvPr>
+            <p:ph type="body" sz="quarter" idx="10"/>
+          </p:nvPr>
+        </p:nvSpPr>
+        <p:spPr/>
+        <p:txBody>
+          <a:bodyPr/>
+          <a:lstStyle/>
+          <a:p>
+            <a:r>
+              <a:rPr lang="de-DE" sz="1800" dirty="0"/>
+              <a:t>Körperempfinden: Handeln, Emotion, Schmerz</a:t>
+            </a:r>
+          </a:p>
+          <a:p>
+            <a:r>
+              <a:rPr lang="de-DE" sz="1800" dirty="0"/>
+              <a:t>Zeit: zum Üben, Trainieren, Praktizieren, Wiederholen</a:t>
+            </a:r>
+          </a:p>
+          <a:p>
+            <a:r>
+              <a:rPr lang="de-DE" sz="1800" dirty="0"/>
+              <a:t>Strukturierungshilfe: extern, intern</a:t>
+            </a:r>
+          </a:p>
+          <a:p>
+            <a:r>
+              <a:rPr lang="de-DE" sz="1800" dirty="0"/>
+              <a:t>Anderer Menschen: durch und für andere, weil man sie mag, ihnen einen guten Eindruck machen möchte, Respekt vor ihnen hat, o.ä.</a:t>
+            </a:r>
+          </a:p>
+          <a:p>
+            <a:r>
+              <a:rPr lang="de-DE" sz="1800" dirty="0"/>
+              <a:t>Interesse und Motivation, z.B.: Leistungsdruck vs. „für sich selbst“ </a:t>
+            </a:r>
+          </a:p>
+          <a:p>
+            <a:r>
+              <a:rPr lang="de-DE" sz="1800" dirty="0"/>
+              <a:t>Scheitern</a:t>
+            </a:r>
+          </a:p>
+          <a:p>
+            <a:r>
+              <a:rPr lang="de-DE" sz="1800" dirty="0"/>
+              <a:t>Konfrontation, Irritation</a:t>
+            </a:r>
+          </a:p>
+          <a:p>
+            <a:r>
+              <a:rPr lang="de-DE" sz="1800" dirty="0"/>
+              <a:t>nur Wissensvermittlung?</a:t>
+            </a:r>
+          </a:p>
+        </p:txBody>
+      </p:sp>
+    </p:spTree>
+    <p:extLst>
+      <p:ext uri="{BB962C8B-B14F-4D97-AF65-F5344CB8AC3E}">
+        <p14:creationId xmlns:p14="http://schemas.microsoft.com/office/powerpoint/2010/main" val="3338002435"/>
+      </p:ext>
+    </p:extLst>
+  </p:cSld>
+  <p:clrMapOvr>
+    <a:masterClrMapping/>
+  </p:clrMapOvr>
+</p:sld>
+</file>
+
+<file path=ppt/slides/slide19.xml><?xml version="1.0" encoding="utf-8"?>
+<p:sld xmlns:a="http://schemas.openxmlformats.org/drawingml/2006/main" xmlns:r="http://schemas.openxmlformats.org/officeDocument/2006/relationships" xmlns:p="http://schemas.openxmlformats.org/presentationml/2006/main">
+  <p:cSld>
+    <p:spTree>
+      <p:nvGrpSpPr>
+        <p:cNvPr id="1" name=""/>
+        <p:cNvGrpSpPr/>
+        <p:nvPr/>
+      </p:nvGrpSpPr>
+      <p:grpSpPr>
+        <a:xfrm>
+          <a:off x="0" y="0"/>
+          <a:ext cx="0" cy="0"/>
+          <a:chOff x="0" y="0"/>
+          <a:chExt cx="0" cy="0"/>
+        </a:xfrm>
+      </p:grpSpPr>
+      <p:sp>
+        <p:nvSpPr>
+          <p:cNvPr id="2" name="Title 1">
+            <a:extLst>
+              <a:ext uri="{FF2B5EF4-FFF2-40B4-BE49-F238E27FC236}">
+                <a16:creationId xmlns:a16="http://schemas.microsoft.com/office/drawing/2014/main" id="{4872F2D3-6535-4897-A660-923A06F8C5A0}"/>
+              </a:ext>
+            </a:extLst>
+          </p:cNvPr>
+          <p:cNvSpPr>
+            <a:spLocks noGrp="1"/>
+          </p:cNvSpPr>
+          <p:nvPr>
+            <p:ph type="title"/>
+          </p:nvPr>
+        </p:nvSpPr>
+        <p:spPr/>
+        <p:txBody>
+          <a:bodyPr/>
+          <a:lstStyle/>
+          <a:p>
+            <a:r>
+              <a:rPr lang="en-US" dirty="0" err="1"/>
+              <a:t>Einf</a:t>
+            </a:r>
+            <a:r>
+              <a:rPr lang="de-DE" dirty="0"/>
+              <a:t>ü</a:t>
+            </a:r>
+            <a:r>
+              <a:rPr lang="en-US" dirty="0" err="1"/>
+              <a:t>hrung</a:t>
+            </a:r>
+            <a:br>
+              <a:rPr lang="en-US" dirty="0"/>
+            </a:br>
+            <a:endParaRPr lang="en-US" dirty="0"/>
+          </a:p>
+        </p:txBody>
+      </p:sp>
+      <p:sp>
+        <p:nvSpPr>
+          <p:cNvPr id="3" name="Text Placeholder 2">
+            <a:extLst>
+              <a:ext uri="{FF2B5EF4-FFF2-40B4-BE49-F238E27FC236}">
+                <a16:creationId xmlns:a16="http://schemas.microsoft.com/office/drawing/2014/main" id="{84762FBA-2BFD-46FE-A99A-214CC870157F}"/>
+              </a:ext>
+            </a:extLst>
+          </p:cNvPr>
+          <p:cNvSpPr>
+            <a:spLocks noGrp="1"/>
+          </p:cNvSpPr>
+          <p:nvPr>
+            <p:ph type="body" sz="quarter" idx="10"/>
+          </p:nvPr>
+        </p:nvSpPr>
+        <p:spPr/>
+        <p:txBody>
+          <a:bodyPr/>
+          <a:lstStyle/>
+          <a:p>
+            <a:r>
+              <a:rPr lang="de-DE" sz="1800" dirty="0"/>
+              <a:t>Wissen vermitteln oder Bildung ermöglichen?</a:t>
+            </a:r>
+          </a:p>
+          <a:p>
+            <a:endParaRPr lang="de-DE" sz="1800" dirty="0"/>
+          </a:p>
+          <a:p>
+            <a:r>
+              <a:rPr lang="de-DE" sz="1800" dirty="0"/>
+              <a:t>Handlungsfelder</a:t>
+            </a:r>
+          </a:p>
+          <a:p>
+            <a:pPr lvl="1"/>
+            <a:r>
+              <a:rPr lang="de-DE" sz="1800" dirty="0"/>
+              <a:t>Warum ist Allgemeine Didaktik wichtig für das Lehramt? </a:t>
+            </a:r>
+            <a:endParaRPr lang="en-US" sz="1800" dirty="0"/>
+          </a:p>
+          <a:p>
+            <a:pPr lvl="1"/>
+            <a:r>
+              <a:rPr lang="de-DE" sz="1800" dirty="0"/>
+              <a:t>Warum ist Allgemeine Didaktik wichtig für EW? </a:t>
+            </a:r>
+            <a:endParaRPr lang="en-US" sz="1800" dirty="0"/>
+          </a:p>
+        </p:txBody>
+      </p:sp>
+    </p:spTree>
+    <p:extLst>
+      <p:ext uri="{BB962C8B-B14F-4D97-AF65-F5344CB8AC3E}">
+        <p14:creationId xmlns:p14="http://schemas.microsoft.com/office/powerpoint/2010/main" val="1729630535"/>
       </p:ext>
     </p:extLst>
   </p:cSld>
@@ -8249,7 +8147,7 @@
           <p:cNvPr id="2" name="Title 1">
             <a:extLst>
               <a:ext uri="{FF2B5EF4-FFF2-40B4-BE49-F238E27FC236}">
-                <a16:creationId xmlns:a16="http://schemas.microsoft.com/office/drawing/2014/main" id="{8C86C9AD-2D1D-4A85-9B58-0C8E44404F1C}"/>
+                <a16:creationId xmlns:a16="http://schemas.microsoft.com/office/drawing/2014/main" id="{95952DCC-AE23-4D48-AFA2-2E8ACC682ABD}"/>
               </a:ext>
             </a:extLst>
           </p:cNvPr>
@@ -8266,8 +8164,16 @@
           <a:lstStyle/>
           <a:p>
             <a:r>
+              <a:rPr lang="en-US" dirty="0" err="1"/>
+              <a:t>Einf</a:t>
+            </a:r>
+            <a:r>
               <a:rPr lang="de-DE" dirty="0"/>
-              <a:t>Wie wir miteinander Arbeiten</a:t>
+              <a:t>ü</a:t>
+            </a:r>
+            <a:r>
+              <a:rPr lang="en-US" dirty="0" err="1"/>
+              <a:t>hrung</a:t>
             </a:r>
             <a:endParaRPr lang="en-US" dirty="0"/>
           </a:p>
@@ -8278,7 +8184,7 @@
           <p:cNvPr id="3" name="Text Placeholder 2">
             <a:extLst>
               <a:ext uri="{FF2B5EF4-FFF2-40B4-BE49-F238E27FC236}">
-                <a16:creationId xmlns:a16="http://schemas.microsoft.com/office/drawing/2014/main" id="{08C994F0-E40A-4D67-89A4-A2E205AE23E7}"/>
+                <a16:creationId xmlns:a16="http://schemas.microsoft.com/office/drawing/2014/main" id="{A481241E-CD9B-4798-AD0A-F989EE6BE5CB}"/>
               </a:ext>
             </a:extLst>
           </p:cNvPr>
@@ -8289,37 +8195,107 @@
             <p:ph type="body" sz="quarter" idx="10"/>
           </p:nvPr>
         </p:nvSpPr>
-        <p:spPr/>
+        <p:spPr>
+          <a:xfrm>
+            <a:off x="251520" y="1423201"/>
+            <a:ext cx="9145711" cy="3092765"/>
+          </a:xfrm>
+        </p:spPr>
         <p:txBody>
           <a:bodyPr/>
           <a:lstStyle/>
           <a:p>
             <a:r>
-              <a:rPr lang="de-DE" sz="1800" dirty="0"/>
-              <a:t>Studium an der Universität heißt auch: Eigenverantwortung</a:t>
-            </a:r>
-          </a:p>
-          <a:p>
-            <a:r>
-              <a:rPr lang="de-DE" sz="1800" dirty="0"/>
-              <a:t>Seminar als Impulsgeber</a:t>
-            </a:r>
-          </a:p>
-          <a:p>
-            <a:r>
-              <a:rPr lang="de-DE" sz="1800" dirty="0"/>
-              <a:t>Seminar wird durch ihre Mitarbeit und Fragen spannend!</a:t>
-            </a:r>
-          </a:p>
-          <a:p>
-            <a:endParaRPr lang="en-US" sz="1800" dirty="0"/>
+              <a:rPr lang="de-DE" sz="1800" dirty="0">
+                <a:solidFill>
+                  <a:schemeClr val="tx1"/>
+                </a:solidFill>
+              </a:rPr>
+              <a:t>Subjektive </a:t>
+            </a:r>
+            <a:r>
+              <a:rPr lang="de-DE" sz="1800" dirty="0">
+                <a:solidFill>
+                  <a:schemeClr val="tx1"/>
+                </a:solidFill>
+                <a:latin typeface="Arial" panose="020B0604020202020204" pitchFamily="34" charset="0"/>
+                <a:cs typeface="Arial" panose="020B0604020202020204" pitchFamily="34" charset="0"/>
+              </a:rPr>
+              <a:t>Wertentscheidungen</a:t>
+            </a:r>
+          </a:p>
+          <a:p>
+            <a:pPr lvl="1"/>
+            <a:r>
+              <a:rPr lang="de-DE" sz="1800" dirty="0">
+                <a:latin typeface="Arial" panose="020B0604020202020204" pitchFamily="34" charset="0"/>
+                <a:cs typeface="Arial" panose="020B0604020202020204" pitchFamily="34" charset="0"/>
+              </a:rPr>
+              <a:t>die Kunst, mit Lehre Bildung zu ermöglichen</a:t>
+            </a:r>
+          </a:p>
+          <a:p>
+            <a:r>
+              <a:rPr lang="de-DE" sz="1800" dirty="0">
+                <a:solidFill>
+                  <a:schemeClr val="tx1"/>
+                </a:solidFill>
+              </a:rPr>
+              <a:t>Allgemeine Didaktik != </a:t>
+            </a:r>
+            <a:r>
+              <a:rPr lang="de-DE" sz="1800" dirty="0" err="1">
+                <a:solidFill>
+                  <a:schemeClr val="tx1"/>
+                </a:solidFill>
+              </a:rPr>
+              <a:t>Instructional</a:t>
+            </a:r>
+            <a:r>
+              <a:rPr lang="de-DE" sz="1800" dirty="0">
+                <a:solidFill>
+                  <a:schemeClr val="tx1"/>
+                </a:solidFill>
+              </a:rPr>
+              <a:t> Design</a:t>
+            </a:r>
+          </a:p>
+          <a:p>
+            <a:r>
+              <a:rPr lang="de-DE" sz="1800" dirty="0">
+                <a:solidFill>
+                  <a:schemeClr val="tx1"/>
+                </a:solidFill>
+              </a:rPr>
+              <a:t>Nur Inhalt oder Inhalt und Methoden? </a:t>
+            </a:r>
+          </a:p>
+          <a:p>
+            <a:r>
+              <a:rPr lang="de-DE" sz="1800" dirty="0">
+                <a:solidFill>
+                  <a:schemeClr val="tx1"/>
+                </a:solidFill>
+              </a:rPr>
+              <a:t>Allgemeine Didaktik als Sündenbock?</a:t>
+            </a:r>
+          </a:p>
+          <a:p>
+            <a:pPr lvl="1"/>
+            <a:r>
+              <a:rPr lang="de-DE" sz="1800" dirty="0">
+                <a:latin typeface="Arial" panose="020B0604020202020204" pitchFamily="34" charset="0"/>
+                <a:cs typeface="Arial" panose="020B0604020202020204" pitchFamily="34" charset="0"/>
+              </a:rPr>
+              <a:t>Effektivität (Pisa), Praktikabilität (Alltag), Brauchbarkeit (zu viele Modelle)</a:t>
+            </a:r>
           </a:p>
         </p:txBody>
       </p:sp>
     </p:spTree>
     <p:extLst>
       <p:ext uri="{BB962C8B-B14F-4D97-AF65-F5344CB8AC3E}">
-        <p14:creationId xmlns:p14="http://schemas.microsoft.com/office/powerpoint/2010/main" val="1568292325"/>
+        <p14:creationId xmlns:p14="http://schemas.microsoft.com/office/powerpoint/2010/main" val="459133199"/>
       </p:ext>
     </p:extLst>
   </p:cSld>
@@ -8351,7 +8327,7 @@
           <p:cNvPr id="2" name="Title 1">
             <a:extLst>
               <a:ext uri="{FF2B5EF4-FFF2-40B4-BE49-F238E27FC236}">
-                <a16:creationId xmlns:a16="http://schemas.microsoft.com/office/drawing/2014/main" id="{E4D9F5BB-26C7-445F-AD34-6A60DB589A2A}"/>
+                <a16:creationId xmlns:a16="http://schemas.microsoft.com/office/drawing/2014/main" id="{18357738-F44C-4C14-A42F-8F481648CDC8}"/>
               </a:ext>
             </a:extLst>
           </p:cNvPr>
@@ -8368,17 +8344,13 @@
           <a:lstStyle/>
           <a:p>
             <a:r>
-              <a:rPr lang="de-DE" i="1" dirty="0"/>
-              <a:t>Effektive </a:t>
-            </a:r>
-            <a:r>
-              <a:rPr lang="de-DE" dirty="0"/>
-              <a:t>Partizipation:</a:t>
+              <a:rPr lang="en-US" dirty="0" err="1"/>
+              <a:t>Herausforderungen</a:t>
             </a:r>
             <a:br>
-              <a:rPr lang="de-DE" dirty="0"/>
+              <a:rPr lang="en-US" dirty="0"/>
             </a:br>
-            <a:endParaRPr lang="de-DE" dirty="0"/>
+            <a:endParaRPr lang="en-US" dirty="0"/>
           </a:p>
         </p:txBody>
       </p:sp>
@@ -8387,7 +8359,7 @@
           <p:cNvPr id="3" name="Text Placeholder 2">
             <a:extLst>
               <a:ext uri="{FF2B5EF4-FFF2-40B4-BE49-F238E27FC236}">
-                <a16:creationId xmlns:a16="http://schemas.microsoft.com/office/drawing/2014/main" id="{6401BDA4-80C0-4F70-A0A0-F4037BA36057}"/>
+                <a16:creationId xmlns:a16="http://schemas.microsoft.com/office/drawing/2014/main" id="{5DF59022-6921-4118-9C12-565B9E4BECB4}"/>
               </a:ext>
             </a:extLst>
           </p:cNvPr>
@@ -8404,16 +8376,28 @@
           <a:lstStyle/>
           <a:p>
             <a:r>
-              <a:rPr lang="de-DE" sz="1600" dirty="0"/>
-              <a:t>Man </a:t>
-            </a:r>
-            <a:r>
-              <a:rPr lang="de-DE" sz="1600" i="1" dirty="0"/>
-              <a:t>muss </a:t>
-            </a:r>
-            <a:r>
-              <a:rPr lang="de-DE" sz="1600" dirty="0"/>
-              <a:t>nicht sprechen</a:t>
+              <a:rPr lang="de-DE" sz="1600" dirty="0">
+                <a:solidFill>
+                  <a:schemeClr val="tx1"/>
+                </a:solidFill>
+              </a:rPr>
+              <a:t>Empirische Unterrichtsforschung (oder Lehr-Lernforschung / Educational </a:t>
+            </a:r>
+            <a:r>
+              <a:rPr lang="de-DE" sz="1600" dirty="0" err="1">
+                <a:solidFill>
+                  <a:schemeClr val="tx1"/>
+                </a:solidFill>
+              </a:rPr>
+              <a:t>Psychology</a:t>
+            </a:r>
+            <a:r>
+              <a:rPr lang="de-DE" sz="1600" dirty="0">
+                <a:solidFill>
+                  <a:schemeClr val="tx1"/>
+                </a:solidFill>
+              </a:rPr>
+              <a:t>)</a:t>
             </a:r>
           </a:p>
           <a:p>
@@ -8423,13 +8407,7 @@
                 <a:latin typeface="Arial" panose="020B0604020202020204" pitchFamily="34" charset="0"/>
                 <a:cs typeface="Arial" panose="020B0604020202020204" pitchFamily="34" charset="0"/>
               </a:rPr>
-              <a:t>Nach dem Seminar kann man eventuell auch noch etwas sagen.  </a:t>
-            </a:r>
-          </a:p>
-          <a:p>
-            <a:r>
-              <a:rPr lang="de-DE" sz="1600" dirty="0"/>
-              <a:t>„Überwache“ wieviel man selbst spricht </a:t>
+              <a:t>oft nur Korrelation statt Experiment</a:t>
             </a:r>
           </a:p>
           <a:p>
@@ -8439,13 +8417,7 @@
                 <a:latin typeface="Arial" panose="020B0604020202020204" pitchFamily="34" charset="0"/>
                 <a:cs typeface="Arial" panose="020B0604020202020204" pitchFamily="34" charset="0"/>
               </a:rPr>
-              <a:t>Viel sprechen ist nicht unbedingt effektiv. Wenige durchdachte Beiträge sind effektiver als viele spontane Gedanken.  </a:t>
-            </a:r>
-          </a:p>
-          <a:p>
-            <a:r>
-              <a:rPr lang="de-DE" sz="1600" dirty="0"/>
-              <a:t>Einander helfen</a:t>
+              <a:t>Ideal ist klar: strukturiert, vorbereitet, angepasst, an Lernziele orientiert, Zeit gut genutzt, keine Störungen, in eigenständige Lernprozesse hineinbringend</a:t>
             </a:r>
           </a:p>
           <a:p>
@@ -8455,21 +8427,78 @@
                 <a:latin typeface="Arial" panose="020B0604020202020204" pitchFamily="34" charset="0"/>
                 <a:cs typeface="Arial" panose="020B0604020202020204" pitchFamily="34" charset="0"/>
               </a:rPr>
-              <a:t>Eher nicht defensiv oder „aber die und das“, sondern eher engagierend, aufbauend und Assoziationen auf andere Beiträge.</a:t>
-            </a:r>
-          </a:p>
-          <a:p>
-            <a:r>
-              <a:rPr lang="de-DE" sz="1600" dirty="0"/>
-              <a:t>Beachte die Verschiedenheit in der Klasse: Vorsichtigkeit mit Scherzen usw.  	</a:t>
-            </a:r>
-          </a:p>
-          <a:p>
-            <a:endParaRPr lang="de-DE" sz="1600" dirty="0"/>
+              <a:t>Ziel: Realisierung </a:t>
+            </a:r>
+          </a:p>
+          <a:p>
+            <a:r>
+              <a:rPr lang="de-DE" sz="1600" dirty="0">
+                <a:solidFill>
+                  <a:schemeClr val="tx1"/>
+                </a:solidFill>
+              </a:rPr>
+              <a:t>Fachdidaktik</a:t>
+            </a:r>
           </a:p>
           <a:p>
             <a:pPr lvl="1"/>
+            <a:r>
+              <a:rPr lang="de-DE" sz="1600" dirty="0">
+                <a:latin typeface="Arial" panose="020B0604020202020204" pitchFamily="34" charset="0"/>
+                <a:cs typeface="Arial" panose="020B0604020202020204" pitchFamily="34" charset="0"/>
+              </a:rPr>
+              <a:t>E.g. Science </a:t>
+            </a:r>
+            <a:r>
+              <a:rPr lang="de-DE" sz="1600" dirty="0" err="1">
+                <a:latin typeface="Arial" panose="020B0604020202020204" pitchFamily="34" charset="0"/>
+                <a:cs typeface="Arial" panose="020B0604020202020204" pitchFamily="34" charset="0"/>
+              </a:rPr>
+              <a:t>education</a:t>
+            </a:r>
             <a:endParaRPr lang="de-DE" sz="1600" dirty="0">
+              <a:latin typeface="Arial" panose="020B0604020202020204" pitchFamily="34" charset="0"/>
+              <a:cs typeface="Arial" panose="020B0604020202020204" pitchFamily="34" charset="0"/>
+            </a:endParaRPr>
+          </a:p>
+          <a:p>
+            <a:r>
+              <a:rPr lang="de-DE" sz="1600" dirty="0">
+                <a:solidFill>
+                  <a:schemeClr val="tx1"/>
+                </a:solidFill>
+              </a:rPr>
+              <a:t>Neurodidaktik </a:t>
+            </a:r>
+          </a:p>
+          <a:p>
+            <a:r>
+              <a:rPr lang="de-DE" sz="1600" dirty="0">
+                <a:solidFill>
+                  <a:schemeClr val="tx1"/>
+                </a:solidFill>
+              </a:rPr>
+              <a:t>Lernen im </a:t>
+            </a:r>
+            <a:r>
+              <a:rPr lang="de-DE" sz="1600" dirty="0">
+                <a:solidFill>
+                  <a:schemeClr val="tx1"/>
+                </a:solidFill>
+                <a:latin typeface="Arial" panose="020B0604020202020204" pitchFamily="34" charset="0"/>
+                <a:cs typeface="Arial" panose="020B0604020202020204" pitchFamily="34" charset="0"/>
+              </a:rPr>
+              <a:t>Alltag </a:t>
+            </a:r>
+            <a:endParaRPr lang="de-DE" sz="1600" dirty="0">
+              <a:solidFill>
+                <a:schemeClr val="tx1"/>
+              </a:solidFill>
+            </a:endParaRPr>
+          </a:p>
+          <a:p>
+            <a:pPr lvl="1"/>
+            <a:endParaRPr lang="en-US" sz="1600" dirty="0">
               <a:latin typeface="Arial" panose="020B0604020202020204" pitchFamily="34" charset="0"/>
               <a:cs typeface="Arial" panose="020B0604020202020204" pitchFamily="34" charset="0"/>
             </a:endParaRPr>
@@ -8479,7 +8508,7 @@
     </p:spTree>
     <p:extLst>
       <p:ext uri="{BB962C8B-B14F-4D97-AF65-F5344CB8AC3E}">
-        <p14:creationId xmlns:p14="http://schemas.microsoft.com/office/powerpoint/2010/main" val="10673750"/>
+        <p14:creationId xmlns:p14="http://schemas.microsoft.com/office/powerpoint/2010/main" val="2389329266"/>
       </p:ext>
     </p:extLst>
   </p:cSld>
@@ -8511,7 +8540,7 @@
           <p:cNvPr id="2" name="Title 1">
             <a:extLst>
               <a:ext uri="{FF2B5EF4-FFF2-40B4-BE49-F238E27FC236}">
-                <a16:creationId xmlns:a16="http://schemas.microsoft.com/office/drawing/2014/main" id="{4E07FA4F-1AC4-47E7-8D9D-816345601E16}"/>
+                <a16:creationId xmlns:a16="http://schemas.microsoft.com/office/drawing/2014/main" id="{DBBB3BE6-FA38-4270-90A0-D1B3414042BD}"/>
               </a:ext>
             </a:extLst>
           </p:cNvPr>
@@ -8527,10 +8556,7 @@
           <a:bodyPr/>
           <a:lstStyle/>
           <a:p>
-            <a:r>
-              <a:rPr lang="de-DE" dirty="0"/>
-              <a:t>Portfolio</a:t>
-            </a:r>
+            <a:endParaRPr lang="de-DE"/>
           </a:p>
         </p:txBody>
       </p:sp>
@@ -8539,7 +8565,7 @@
           <p:cNvPr id="3" name="Text Placeholder 2">
             <a:extLst>
               <a:ext uri="{FF2B5EF4-FFF2-40B4-BE49-F238E27FC236}">
-                <a16:creationId xmlns:a16="http://schemas.microsoft.com/office/drawing/2014/main" id="{B6F4A794-56F2-4B30-A070-582E5882B6A1}"/>
+                <a16:creationId xmlns:a16="http://schemas.microsoft.com/office/drawing/2014/main" id="{5CF7A962-1F4D-48EA-86FF-597BF75DEB7A}"/>
               </a:ext>
             </a:extLst>
           </p:cNvPr>
@@ -8555,75 +8581,44 @@
           <a:bodyPr/>
           <a:lstStyle/>
           <a:p>
-            <a:r>
-              <a:rPr lang="de-DE" sz="1600" dirty="0" err="1"/>
-              <a:t>Fuer</a:t>
-            </a:r>
-            <a:r>
-              <a:rPr lang="de-DE" sz="1600" dirty="0"/>
-              <a:t> eine </a:t>
-            </a:r>
-            <a:r>
-              <a:rPr lang="de-DE" sz="1600" dirty="0" err="1"/>
-              <a:t>ausfuehrliche</a:t>
-            </a:r>
-            <a:r>
-              <a:rPr lang="de-DE" sz="1600" dirty="0"/>
-              <a:t> Beschreibung sehe: </a:t>
-            </a:r>
-            <a:r>
-              <a:rPr lang="de-DE" sz="1600" dirty="0">
-                <a:hlinkClick r:id="rId2"/>
-              </a:rPr>
-              <a:t>https://jobschepens.github.io/didakt22/syllabus.html</a:t>
-            </a:r>
-            <a:endParaRPr lang="de-DE" sz="1600" dirty="0"/>
-          </a:p>
-          <a:p>
-            <a:endParaRPr lang="de-DE" sz="1600" dirty="0"/>
-          </a:p>
-          <a:p>
-            <a:r>
-              <a:rPr lang="de-DE" sz="1600" dirty="0"/>
-              <a:t>Begriffe nachschlagen (z.B. Falsifikationsprinzip)</a:t>
-            </a:r>
-          </a:p>
-          <a:p>
-            <a:r>
-              <a:rPr lang="de-DE" sz="1600" dirty="0"/>
-              <a:t>Fragen im Forum stellen</a:t>
-            </a:r>
-          </a:p>
-          <a:p>
-            <a:r>
-              <a:rPr lang="de-DE" sz="1600" dirty="0"/>
-              <a:t>Hinweise sind hilfreich</a:t>
-            </a:r>
-          </a:p>
-          <a:p>
-            <a:r>
-              <a:rPr lang="de-DE" sz="1600" dirty="0"/>
-              <a:t>„Forschungsfrage“ einleiten und diskutieren</a:t>
-            </a:r>
-          </a:p>
-          <a:p>
-            <a:r>
-              <a:rPr lang="de-DE" sz="1600" dirty="0"/>
-              <a:t>kurze Textabschnitte (+/- 3/4 Seite pro Woche)</a:t>
-            </a:r>
-          </a:p>
-          <a:p>
-            <a:endParaRPr lang="de-DE" dirty="0"/>
-          </a:p>
-          <a:p>
             <a:endParaRPr lang="de-DE" dirty="0"/>
           </a:p>
         </p:txBody>
       </p:sp>
+      <p:pic>
+        <p:nvPicPr>
+          <p:cNvPr id="5" name="Picture 4">
+            <a:extLst>
+              <a:ext uri="{FF2B5EF4-FFF2-40B4-BE49-F238E27FC236}">
+                <a16:creationId xmlns:a16="http://schemas.microsoft.com/office/drawing/2014/main" id="{881CCF1F-2A25-4D6C-B948-5622121DF946}"/>
+              </a:ext>
+            </a:extLst>
+          </p:cNvPr>
+          <p:cNvPicPr>
+            <a:picLocks noChangeAspect="1"/>
+          </p:cNvPicPr>
+          <p:nvPr/>
+        </p:nvPicPr>
+        <p:blipFill>
+          <a:blip r:embed="rId2"/>
+          <a:stretch>
+            <a:fillRect/>
+          </a:stretch>
+        </p:blipFill>
+        <p:spPr>
+          <a:xfrm>
+            <a:off x="2411760" y="555526"/>
+            <a:ext cx="4700659" cy="4460248"/>
+          </a:xfrm>
+          <a:prstGeom prst="rect">
+            <a:avLst/>
+          </a:prstGeom>
+        </p:spPr>
+      </p:pic>
     </p:spTree>
     <p:extLst>
       <p:ext uri="{BB962C8B-B14F-4D97-AF65-F5344CB8AC3E}">
-        <p14:creationId xmlns:p14="http://schemas.microsoft.com/office/powerpoint/2010/main" val="1981282875"/>
+        <p14:creationId xmlns:p14="http://schemas.microsoft.com/office/powerpoint/2010/main" val="3250107344"/>
       </p:ext>
     </p:extLst>
   </p:cSld>
@@ -8655,7 +8650,7 @@
           <p:cNvPr id="2" name="Title 1">
             <a:extLst>
               <a:ext uri="{FF2B5EF4-FFF2-40B4-BE49-F238E27FC236}">
-                <a16:creationId xmlns:a16="http://schemas.microsoft.com/office/drawing/2014/main" id="{515AF5E9-CAB2-4C7F-81C5-8452FF33B1A1}"/>
+                <a16:creationId xmlns:a16="http://schemas.microsoft.com/office/drawing/2014/main" id="{DA1188AE-B668-4AFF-96BE-853DCCB85C72}"/>
               </a:ext>
             </a:extLst>
           </p:cNvPr>
@@ -8673,8 +8668,12 @@
           <a:p>
             <a:r>
               <a:rPr lang="de-DE" dirty="0"/>
-              <a:t>Portfolio - Bewertung</a:t>
-            </a:r>
+              <a:t>Empirische Unterrichtsforschung </a:t>
+            </a:r>
+            <a:br>
+              <a:rPr lang="de-DE" dirty="0"/>
+            </a:br>
+            <a:endParaRPr lang="de-DE" dirty="0"/>
           </a:p>
         </p:txBody>
       </p:sp>
@@ -8683,7 +8682,7 @@
           <p:cNvPr id="3" name="Text Placeholder 2">
             <a:extLst>
               <a:ext uri="{FF2B5EF4-FFF2-40B4-BE49-F238E27FC236}">
-                <a16:creationId xmlns:a16="http://schemas.microsoft.com/office/drawing/2014/main" id="{26CBE277-73BF-4BAB-B6E0-E795F46EE4F9}"/>
+                <a16:creationId xmlns:a16="http://schemas.microsoft.com/office/drawing/2014/main" id="{8A3EDD97-4A0C-40A1-82BC-4F8B13BB42C8}"/>
               </a:ext>
             </a:extLst>
           </p:cNvPr>
@@ -8699,148 +8698,113 @@
           <a:bodyPr/>
           <a:lstStyle/>
           <a:p>
+            <a:pPr>
+              <a:buFont typeface="+mj-lt"/>
+              <a:buAutoNum type="arabicPeriod"/>
+            </a:pPr>
+            <a:r>
+              <a:rPr lang="de-DE" sz="1600" dirty="0"/>
+              <a:t>Lehr-Lernaspekten dominieren Interaktions- und Sozialisationsaspekt</a:t>
+            </a:r>
+          </a:p>
+          <a:p>
+            <a:pPr>
+              <a:buFont typeface="+mj-lt"/>
+              <a:buAutoNum type="arabicPeriod"/>
+            </a:pPr>
+            <a:r>
+              <a:rPr lang="de-DE" sz="1600" dirty="0"/>
+              <a:t>Angebot-Nutzungs-Modell (Mitverantwortung) vs. Selbsttätigkeit</a:t>
+            </a:r>
+          </a:p>
+          <a:p>
+            <a:pPr>
+              <a:buFont typeface="+mj-lt"/>
+              <a:buAutoNum type="arabicPeriod"/>
+            </a:pPr>
+            <a:r>
+              <a:rPr lang="de-DE" sz="1600" dirty="0"/>
+              <a:t>Wenig zu allgemeine Elemente von Unterricht, eher Fachdidaktisch</a:t>
+            </a:r>
+          </a:p>
+          <a:p>
+            <a:pPr>
+              <a:buFont typeface="+mj-lt"/>
+              <a:buAutoNum type="arabicPeriod"/>
+            </a:pPr>
+            <a:r>
+              <a:rPr lang="de-DE" sz="1600" dirty="0"/>
+              <a:t>Keine </a:t>
+            </a:r>
+            <a:r>
+              <a:rPr lang="de-DE" sz="1600" i="1" dirty="0"/>
+              <a:t>eine </a:t>
+            </a:r>
+            <a:r>
+              <a:rPr lang="de-DE" sz="1600" i="1" dirty="0" err="1"/>
+              <a:t>ware</a:t>
+            </a:r>
+            <a:r>
+              <a:rPr lang="de-DE" sz="1600" i="1" dirty="0"/>
+              <a:t> Methode: konstruktivistisch, </a:t>
+            </a:r>
+            <a:r>
+              <a:rPr lang="de-DE" sz="1600" i="1" dirty="0" err="1"/>
+              <a:t>instruktional</a:t>
+            </a:r>
+            <a:r>
+              <a:rPr lang="de-DE" sz="1600" i="1" dirty="0"/>
+              <a:t>, etc. </a:t>
+            </a:r>
+          </a:p>
+          <a:p>
+            <a:pPr>
+              <a:buFont typeface="+mj-lt"/>
+              <a:buAutoNum type="arabicPeriod"/>
+            </a:pPr>
+            <a:r>
+              <a:rPr lang="de-DE" sz="1600" dirty="0"/>
+              <a:t>Beitrag des Lehrerhandelns? (cf. Vorwissen)</a:t>
+            </a:r>
+          </a:p>
+          <a:p>
+            <a:pPr>
+              <a:buFont typeface="+mj-lt"/>
+              <a:buAutoNum type="arabicPeriod"/>
+            </a:pPr>
+            <a:r>
+              <a:rPr lang="de-DE" sz="1600" dirty="0" err="1"/>
+              <a:t>Engfuehrung</a:t>
+            </a:r>
+            <a:r>
+              <a:rPr lang="de-DE" sz="1600" dirty="0"/>
+              <a:t>: Bildungsforschung als Pädagogische Psychologie</a:t>
+            </a:r>
+          </a:p>
+          <a:p>
             <a:pPr marL="0" indent="0">
               <a:buNone/>
             </a:pPr>
-            <a:r>
-              <a:rPr lang="de-DE" sz="1200" dirty="0"/>
-              <a:t>Das Portfolio (laut Modulhandbuch S. 3)</a:t>
-            </a:r>
-          </a:p>
-          <a:p>
-            <a:r>
-              <a:rPr lang="de-DE" sz="1200" dirty="0"/>
-              <a:t>dokumentiert das Gelernte:</a:t>
-            </a:r>
-          </a:p>
-          <a:p>
-            <a:pPr lvl="1"/>
-            <a:r>
-              <a:rPr lang="de-DE" sz="1200" b="1" dirty="0">
-                <a:latin typeface="Arial" panose="020B0604020202020204" pitchFamily="34" charset="0"/>
-                <a:cs typeface="Arial" panose="020B0604020202020204" pitchFamily="34" charset="0"/>
-              </a:rPr>
-              <a:t>Reflexionen </a:t>
-            </a:r>
-            <a:r>
-              <a:rPr lang="de-DE" sz="1200" dirty="0">
-                <a:latin typeface="Arial" panose="020B0604020202020204" pitchFamily="34" charset="0"/>
-                <a:cs typeface="Arial" panose="020B0604020202020204" pitchFamily="34" charset="0"/>
-              </a:rPr>
-              <a:t>über die Lernarbeit und die - Lernwege, </a:t>
-            </a:r>
-          </a:p>
-          <a:p>
-            <a:pPr lvl="1"/>
-            <a:r>
-              <a:rPr lang="de-DE" sz="1200" dirty="0">
-                <a:latin typeface="Arial" panose="020B0604020202020204" pitchFamily="34" charset="0"/>
-                <a:cs typeface="Arial" panose="020B0604020202020204" pitchFamily="34" charset="0"/>
-              </a:rPr>
-              <a:t>Ergebnisse in Relation zu den angestrebten </a:t>
-            </a:r>
-            <a:r>
-              <a:rPr lang="de-DE" sz="1200" b="1" dirty="0">
-                <a:latin typeface="Arial" panose="020B0604020202020204" pitchFamily="34" charset="0"/>
-                <a:cs typeface="Arial" panose="020B0604020202020204" pitchFamily="34" charset="0"/>
-              </a:rPr>
-              <a:t>Kompetenzen</a:t>
-            </a:r>
-            <a:r>
-              <a:rPr lang="de-DE" sz="1200" dirty="0">
-                <a:latin typeface="Arial" panose="020B0604020202020204" pitchFamily="34" charset="0"/>
-                <a:cs typeface="Arial" panose="020B0604020202020204" pitchFamily="34" charset="0"/>
-              </a:rPr>
-              <a:t>.</a:t>
-            </a:r>
-          </a:p>
-          <a:p>
-            <a:r>
-              <a:rPr lang="de-DE" sz="1200" dirty="0"/>
-              <a:t>fokussiert auf Veränderungen im Wissens- und im </a:t>
-            </a:r>
-            <a:r>
-              <a:rPr lang="de-DE" sz="1200" b="1" dirty="0"/>
-              <a:t>Kompetenzzuwachs</a:t>
-            </a:r>
-            <a:r>
-              <a:rPr lang="de-DE" sz="1200" dirty="0"/>
-              <a:t>.</a:t>
-            </a:r>
+            <a:endParaRPr lang="de-DE" sz="1600" dirty="0"/>
           </a:p>
           <a:p>
             <a:pPr marL="0" indent="0">
               <a:buNone/>
             </a:pPr>
-            <a:endParaRPr lang="de-DE" sz="1200" dirty="0"/>
-          </a:p>
-          <a:p>
-            <a:pPr marL="0" indent="0">
-              <a:buNone/>
-            </a:pPr>
-            <a:r>
-              <a:rPr lang="de-DE" sz="1200" dirty="0"/>
-              <a:t>Kompetenzen</a:t>
-            </a:r>
-            <a:r>
-              <a:rPr lang="de-DE" sz="1200" b="1" dirty="0"/>
-              <a:t> </a:t>
-            </a:r>
-            <a:r>
-              <a:rPr lang="de-DE" sz="1200" dirty="0"/>
-              <a:t>(laut Modulhandbuch S. 11):  </a:t>
-            </a:r>
-            <a:endParaRPr lang="de-DE" sz="1200" b="1" dirty="0"/>
-          </a:p>
-          <a:p>
-            <a:pPr marL="0" indent="0">
-              <a:buNone/>
-            </a:pPr>
-            <a:r>
-              <a:rPr lang="de-DE" sz="1200" dirty="0"/>
-              <a:t>Die Studierenden erwerben grundlegende didaktische Kompetenzen im Sinn der Fähigkeit zur </a:t>
-            </a:r>
-            <a:r>
-              <a:rPr lang="de-DE" sz="1200" b="1" dirty="0"/>
-              <a:t>Analyse</a:t>
-            </a:r>
-            <a:r>
-              <a:rPr lang="de-DE" sz="1200" dirty="0"/>
-              <a:t> von Lernsituationen, der </a:t>
-            </a:r>
-            <a:r>
-              <a:rPr lang="de-DE" sz="1200" b="1" dirty="0"/>
-              <a:t>Anwendung</a:t>
-            </a:r>
-            <a:r>
-              <a:rPr lang="de-DE" sz="1200" dirty="0"/>
-              <a:t> von didaktischen Modellen und der </a:t>
-            </a:r>
-            <a:r>
-              <a:rPr lang="de-DE" sz="1200" b="1" dirty="0"/>
-              <a:t>Gestaltung</a:t>
-            </a:r>
-            <a:r>
-              <a:rPr lang="de-DE" sz="1200" dirty="0"/>
-              <a:t> von didaktischen Arrangements, können diesen Arrangements die passenden Vermittlungsmethoden zuordnen und </a:t>
-            </a:r>
-            <a:r>
-              <a:rPr lang="de-DE" sz="1200" b="1" dirty="0"/>
-              <a:t>Umsetzen</a:t>
-            </a:r>
-          </a:p>
-          <a:p>
-            <a:endParaRPr lang="de-DE" sz="1200" dirty="0"/>
-          </a:p>
-          <a:p>
-            <a:endParaRPr lang="de-DE" sz="1200" dirty="0"/>
+            <a:r>
+              <a:rPr lang="de-DE" sz="1600" dirty="0"/>
+              <a:t>Fazit: „Zwei fremde Schwester“</a:t>
+            </a:r>
+          </a:p>
+          <a:p>
+            <a:endParaRPr lang="de-DE" sz="1800" dirty="0"/>
           </a:p>
         </p:txBody>
       </p:sp>
     </p:spTree>
     <p:extLst>
       <p:ext uri="{BB962C8B-B14F-4D97-AF65-F5344CB8AC3E}">
-        <p14:creationId xmlns:p14="http://schemas.microsoft.com/office/powerpoint/2010/main" val="344013170"/>
+        <p14:creationId xmlns:p14="http://schemas.microsoft.com/office/powerpoint/2010/main" val="4170653433"/>
       </p:ext>
     </p:extLst>
   </p:cSld>
@@ -8851,6 +8815,117 @@
 </file>
 
 <file path=ppt/slides/slide24.xml><?xml version="1.0" encoding="utf-8"?>
+<p:sld xmlns:a="http://schemas.openxmlformats.org/drawingml/2006/main" xmlns:r="http://schemas.openxmlformats.org/officeDocument/2006/relationships" xmlns:p="http://schemas.openxmlformats.org/presentationml/2006/main">
+  <p:cSld>
+    <p:spTree>
+      <p:nvGrpSpPr>
+        <p:cNvPr id="1" name=""/>
+        <p:cNvGrpSpPr/>
+        <p:nvPr/>
+      </p:nvGrpSpPr>
+      <p:grpSpPr>
+        <a:xfrm>
+          <a:off x="0" y="0"/>
+          <a:ext cx="0" cy="0"/>
+          <a:chOff x="0" y="0"/>
+          <a:chExt cx="0" cy="0"/>
+        </a:xfrm>
+      </p:grpSpPr>
+      <p:sp>
+        <p:nvSpPr>
+          <p:cNvPr id="2" name="Title 1">
+            <a:extLst>
+              <a:ext uri="{FF2B5EF4-FFF2-40B4-BE49-F238E27FC236}">
+                <a16:creationId xmlns:a16="http://schemas.microsoft.com/office/drawing/2014/main" id="{193A0400-9C5C-49D9-9461-90B53056715E}"/>
+              </a:ext>
+            </a:extLst>
+          </p:cNvPr>
+          <p:cNvSpPr>
+            <a:spLocks noGrp="1"/>
+          </p:cNvSpPr>
+          <p:nvPr>
+            <p:ph type="title"/>
+          </p:nvPr>
+        </p:nvSpPr>
+        <p:spPr/>
+        <p:txBody>
+          <a:bodyPr/>
+          <a:lstStyle/>
+          <a:p>
+            <a:r>
+              <a:rPr lang="de-DE" dirty="0"/>
+              <a:t>Einführungen</a:t>
+            </a:r>
+            <a:r>
+              <a:rPr lang="en-US" dirty="0"/>
+              <a:t> </a:t>
+            </a:r>
+          </a:p>
+        </p:txBody>
+      </p:sp>
+      <p:sp>
+        <p:nvSpPr>
+          <p:cNvPr id="3" name="Text Placeholder 2">
+            <a:extLst>
+              <a:ext uri="{FF2B5EF4-FFF2-40B4-BE49-F238E27FC236}">
+                <a16:creationId xmlns:a16="http://schemas.microsoft.com/office/drawing/2014/main" id="{03B32A4B-AF1E-4C17-84F9-3517BFA909DA}"/>
+              </a:ext>
+            </a:extLst>
+          </p:cNvPr>
+          <p:cNvSpPr>
+            <a:spLocks noGrp="1"/>
+          </p:cNvSpPr>
+          <p:nvPr>
+            <p:ph type="body" sz="quarter" idx="10"/>
+          </p:nvPr>
+        </p:nvSpPr>
+        <p:spPr/>
+        <p:txBody>
+          <a:bodyPr/>
+          <a:lstStyle/>
+          <a:p>
+            <a:r>
+              <a:rPr lang="de-DE" sz="1800" dirty="0" err="1"/>
+              <a:t>Terhart</a:t>
+            </a:r>
+            <a:r>
+              <a:rPr lang="de-DE" sz="1800" dirty="0"/>
+              <a:t>, E. (2019). Didaktik: Eine Einführung. Reclam.</a:t>
+            </a:r>
+          </a:p>
+          <a:p>
+            <a:r>
+              <a:rPr lang="de-DE" sz="1800" dirty="0" err="1"/>
+              <a:t>Coriand</a:t>
+            </a:r>
+            <a:r>
+              <a:rPr lang="de-DE" sz="1800" dirty="0"/>
+              <a:t>, R. (2017). Allgemeine Didaktik. https://content-select.com/de/portal/media/view/5a8d4d12-b300-4208-84f2-2dc4b0dd2d03</a:t>
+            </a:r>
+          </a:p>
+          <a:p>
+            <a:r>
+              <a:rPr lang="de-DE" sz="1800" dirty="0"/>
+              <a:t>Seel, B. M., Hanke, U. (2015). Erziehungswissenschaft. Lehrbuch für Bachelor-, Master- und Lehramtsstudierende. Springer. </a:t>
+            </a:r>
+            <a:endParaRPr lang="en-US" sz="1800" dirty="0"/>
+          </a:p>
+        </p:txBody>
+      </p:sp>
+    </p:spTree>
+    <p:extLst>
+      <p:ext uri="{BB962C8B-B14F-4D97-AF65-F5344CB8AC3E}">
+        <p14:creationId xmlns:p14="http://schemas.microsoft.com/office/powerpoint/2010/main" val="39849712"/>
+      </p:ext>
+    </p:extLst>
+  </p:cSld>
+  <p:clrMapOvr>
+    <a:masterClrMapping/>
+  </p:clrMapOvr>
+</p:sld>
+</file>
+
+<file path=ppt/slides/slide25.xml><?xml version="1.0" encoding="utf-8"?>
 <p:sld xmlns:a="http://schemas.openxmlformats.org/drawingml/2006/main" xmlns:r="http://schemas.openxmlformats.org/officeDocument/2006/relationships" xmlns:p="http://schemas.openxmlformats.org/presentationml/2006/main">
   <p:cSld>
     <p:spTree>
@@ -10002,7 +10077,7 @@
           <p:cNvPr id="2" name="Title 1">
             <a:extLst>
               <a:ext uri="{FF2B5EF4-FFF2-40B4-BE49-F238E27FC236}">
-                <a16:creationId xmlns:a16="http://schemas.microsoft.com/office/drawing/2014/main" id="{1BE5A66C-7453-4629-A430-0CB2263B3E8B}"/>
+                <a16:creationId xmlns:a16="http://schemas.microsoft.com/office/drawing/2014/main" id="{FC29CFB6-6A93-44A8-AF99-D4AA912DF272}"/>
               </a:ext>
             </a:extLst>
           </p:cNvPr>
@@ -10020,7 +10095,15 @@
           <a:p>
             <a:r>
               <a:rPr lang="en-US" dirty="0"/>
-              <a:t>Aufgabe</a:t>
+              <a:t>Seminar Aufbau (</a:t>
+            </a:r>
+            <a:r>
+              <a:rPr lang="en-US" dirty="0" err="1"/>
+              <a:t>Grob</a:t>
+            </a:r>
+            <a:r>
+              <a:rPr lang="en-US" dirty="0"/>
+              <a:t>)</a:t>
             </a:r>
           </a:p>
         </p:txBody>
@@ -10030,7 +10113,7 @@
           <p:cNvPr id="3" name="Text Placeholder 2">
             <a:extLst>
               <a:ext uri="{FF2B5EF4-FFF2-40B4-BE49-F238E27FC236}">
-                <a16:creationId xmlns:a16="http://schemas.microsoft.com/office/drawing/2014/main" id="{FAE2C1EB-BC72-4C66-87E9-036814A9F75C}"/>
+                <a16:creationId xmlns:a16="http://schemas.microsoft.com/office/drawing/2014/main" id="{A03EDEF0-6370-4857-9723-DFBFE0D9FA12}"/>
               </a:ext>
             </a:extLst>
           </p:cNvPr>
@@ -10046,103 +10129,155 @@
           <a:bodyPr/>
           <a:lstStyle/>
           <a:p>
-            <a:pPr>
-              <a:buFont typeface="+mj-lt"/>
-              <a:buAutoNum type="arabicPeriod"/>
-            </a:pPr>
-            <a:r>
-              <a:rPr lang="de-DE" sz="1400" dirty="0"/>
-              <a:t>Stellen Sie sich folgende Frage (15 min): </a:t>
+            <a:r>
+              <a:rPr lang="en-US" sz="1800" dirty="0" err="1"/>
+              <a:t>Erste</a:t>
+            </a:r>
+            <a:r>
+              <a:rPr lang="en-US" sz="1800" dirty="0"/>
+              <a:t> </a:t>
+            </a:r>
+            <a:r>
+              <a:rPr lang="en-US" sz="1800" dirty="0" err="1"/>
+              <a:t>Helfte</a:t>
+            </a:r>
+            <a:r>
+              <a:rPr lang="en-US" sz="1800" dirty="0"/>
+              <a:t>: </a:t>
             </a:r>
           </a:p>
           <a:p>
             <a:pPr lvl="1"/>
             <a:r>
-              <a:rPr lang="de-DE" sz="1600" dirty="0"/>
-              <a:t>Wann haben Sie in Ihrem Leben etwas nachhaltig gelernt und was war das? </a:t>
+              <a:rPr lang="en-US" sz="1800" dirty="0">
+                <a:latin typeface="Arial" panose="020B0604020202020204" pitchFamily="34" charset="0"/>
+                <a:cs typeface="Arial" panose="020B0604020202020204" pitchFamily="34" charset="0"/>
+              </a:rPr>
+              <a:t>was </a:t>
+            </a:r>
+            <a:r>
+              <a:rPr lang="en-US" sz="1800" dirty="0" err="1">
+                <a:latin typeface="Arial" panose="020B0604020202020204" pitchFamily="34" charset="0"/>
+                <a:cs typeface="Arial" panose="020B0604020202020204" pitchFamily="34" charset="0"/>
+              </a:rPr>
+              <a:t>ist</a:t>
+            </a:r>
+            <a:r>
+              <a:rPr lang="en-US" sz="1800" dirty="0">
+                <a:latin typeface="Arial" panose="020B0604020202020204" pitchFamily="34" charset="0"/>
+                <a:cs typeface="Arial" panose="020B0604020202020204" pitchFamily="34" charset="0"/>
+              </a:rPr>
+              <a:t> </a:t>
+            </a:r>
+            <a:r>
+              <a:rPr lang="en-US" sz="1800" dirty="0" err="1">
+                <a:latin typeface="Arial" panose="020B0604020202020204" pitchFamily="34" charset="0"/>
+                <a:cs typeface="Arial" panose="020B0604020202020204" pitchFamily="34" charset="0"/>
+              </a:rPr>
+              <a:t>Bildung</a:t>
+            </a:r>
+            <a:r>
+              <a:rPr lang="en-US" sz="1800" dirty="0">
+                <a:latin typeface="Arial" panose="020B0604020202020204" pitchFamily="34" charset="0"/>
+                <a:cs typeface="Arial" panose="020B0604020202020204" pitchFamily="34" charset="0"/>
+              </a:rPr>
+              <a:t>? </a:t>
             </a:r>
           </a:p>
           <a:p>
             <a:pPr lvl="1"/>
             <a:r>
-              <a:rPr lang="de-DE" sz="1600" dirty="0"/>
-              <a:t>Was haben Sie dabei gelernt? </a:t>
+              <a:rPr lang="en-US" sz="1800" dirty="0" err="1">
+                <a:latin typeface="Arial" panose="020B0604020202020204" pitchFamily="34" charset="0"/>
+                <a:cs typeface="Arial" panose="020B0604020202020204" pitchFamily="34" charset="0"/>
+              </a:rPr>
+              <a:t>klassische</a:t>
+            </a:r>
+            <a:r>
+              <a:rPr lang="en-US" sz="1800" dirty="0">
+                <a:latin typeface="Arial" panose="020B0604020202020204" pitchFamily="34" charset="0"/>
+                <a:cs typeface="Arial" panose="020B0604020202020204" pitchFamily="34" charset="0"/>
+              </a:rPr>
+              <a:t> </a:t>
+            </a:r>
+            <a:r>
+              <a:rPr lang="en-US" sz="1800" dirty="0" err="1">
+                <a:latin typeface="Arial" panose="020B0604020202020204" pitchFamily="34" charset="0"/>
+                <a:cs typeface="Arial" panose="020B0604020202020204" pitchFamily="34" charset="0"/>
+              </a:rPr>
+              <a:t>Theorien</a:t>
+            </a:r>
+            <a:endParaRPr lang="en-US" sz="1800" dirty="0">
+              <a:latin typeface="Arial" panose="020B0604020202020204" pitchFamily="34" charset="0"/>
+              <a:cs typeface="Arial" panose="020B0604020202020204" pitchFamily="34" charset="0"/>
+            </a:endParaRPr>
+          </a:p>
+          <a:p>
+            <a:r>
+              <a:rPr lang="en-US" sz="1800" dirty="0" err="1"/>
+              <a:t>Zweite</a:t>
+            </a:r>
+            <a:r>
+              <a:rPr lang="en-US" sz="1800" dirty="0"/>
+              <a:t> </a:t>
+            </a:r>
+            <a:r>
+              <a:rPr lang="en-US" sz="1800" dirty="0" err="1"/>
+              <a:t>Helfte</a:t>
+            </a:r>
+            <a:r>
+              <a:rPr lang="en-US" sz="1800" dirty="0"/>
+              <a:t>:</a:t>
             </a:r>
           </a:p>
           <a:p>
             <a:pPr lvl="1"/>
             <a:r>
-              <a:rPr lang="de-DE" sz="1600" dirty="0"/>
-              <a:t>In welcher Situation? </a:t>
-            </a:r>
-          </a:p>
-          <a:p>
-            <a:pPr lvl="1"/>
-            <a:r>
-              <a:rPr lang="de-DE" sz="1600" dirty="0"/>
-              <a:t>Warum glauben Sie, dass Sie das behalten haben? </a:t>
-            </a:r>
-          </a:p>
-          <a:p>
-            <a:pPr lvl="1"/>
-            <a:r>
-              <a:rPr lang="de-DE" sz="1600" dirty="0"/>
-              <a:t>Was hat dazu beigetragen? </a:t>
-            </a:r>
-          </a:p>
-          <a:p>
-            <a:pPr>
-              <a:buFont typeface="+mj-lt"/>
-              <a:buAutoNum type="arabicPeriod"/>
-            </a:pPr>
-            <a:r>
-              <a:rPr lang="de-DE" sz="1400" dirty="0"/>
-              <a:t>Schreiben Sie bitte in drei oder vier Sätzen auf, was ein nachhaltiges Lernerlebnis für Sie war. </a:t>
-            </a:r>
-          </a:p>
-          <a:p>
-            <a:pPr>
-              <a:buFont typeface="+mj-lt"/>
-              <a:buAutoNum type="arabicPeriod"/>
-            </a:pPr>
-            <a:r>
-              <a:rPr lang="de-DE" sz="1400" dirty="0"/>
-              <a:t>Tauschen Sie sich mit ihre Nachbarn aus. </a:t>
-            </a:r>
-          </a:p>
-          <a:p>
-            <a:pPr>
-              <a:buFont typeface="+mj-lt"/>
-              <a:buAutoNum type="arabicPeriod"/>
-            </a:pPr>
-            <a:r>
-              <a:rPr lang="de-DE" sz="1400" dirty="0"/>
-              <a:t>Tauschen Sie sich in eine kleine Gruppe aus. </a:t>
-            </a:r>
-          </a:p>
-          <a:p>
-            <a:pPr>
-              <a:buFont typeface="+mj-lt"/>
-              <a:buAutoNum type="arabicPeriod"/>
-            </a:pPr>
-            <a:r>
-              <a:rPr lang="de-DE" sz="1400" dirty="0"/>
-              <a:t>Lassen sich Ähnlichkeiten erkennen, die bei mehreren Erzählungen auftauchen?</a:t>
-            </a:r>
-          </a:p>
-          <a:p>
-            <a:pPr>
-              <a:buFont typeface="+mj-lt"/>
-              <a:buAutoNum type="arabicPeriod"/>
-            </a:pPr>
-            <a:endParaRPr lang="en-US" sz="1400" dirty="0"/>
+              <a:rPr lang="en-US" sz="1800" dirty="0" err="1">
+                <a:latin typeface="Arial" panose="020B0604020202020204" pitchFamily="34" charset="0"/>
+                <a:cs typeface="Arial" panose="020B0604020202020204" pitchFamily="34" charset="0"/>
+              </a:rPr>
+              <a:t>Verschiedene</a:t>
+            </a:r>
+            <a:r>
+              <a:rPr lang="en-US" sz="1800" dirty="0">
+                <a:latin typeface="Arial" panose="020B0604020202020204" pitchFamily="34" charset="0"/>
+                <a:cs typeface="Arial" panose="020B0604020202020204" pitchFamily="34" charset="0"/>
+              </a:rPr>
+              <a:t> </a:t>
+            </a:r>
+            <a:r>
+              <a:rPr lang="en-US" sz="1800" dirty="0" err="1">
+                <a:latin typeface="Arial" panose="020B0604020202020204" pitchFamily="34" charset="0"/>
+                <a:cs typeface="Arial" panose="020B0604020202020204" pitchFamily="34" charset="0"/>
+              </a:rPr>
+              <a:t>Perpektive</a:t>
+            </a:r>
+            <a:r>
+              <a:rPr lang="en-US" sz="1800" dirty="0">
+                <a:latin typeface="Arial" panose="020B0604020202020204" pitchFamily="34" charset="0"/>
+                <a:cs typeface="Arial" panose="020B0604020202020204" pitchFamily="34" charset="0"/>
+              </a:rPr>
+              <a:t> auf </a:t>
+            </a:r>
+            <a:r>
+              <a:rPr lang="en-US" sz="1800" dirty="0" err="1">
+                <a:latin typeface="Arial" panose="020B0604020202020204" pitchFamily="34" charset="0"/>
+                <a:cs typeface="Arial" panose="020B0604020202020204" pitchFamily="34" charset="0"/>
+              </a:rPr>
+              <a:t>Lernen</a:t>
+            </a:r>
+            <a:endParaRPr lang="en-US" sz="1800" dirty="0">
+              <a:latin typeface="Arial" panose="020B0604020202020204" pitchFamily="34" charset="0"/>
+              <a:cs typeface="Arial" panose="020B0604020202020204" pitchFamily="34" charset="0"/>
+            </a:endParaRPr>
           </a:p>
         </p:txBody>
       </p:sp>
     </p:spTree>
     <p:extLst>
       <p:ext uri="{BB962C8B-B14F-4D97-AF65-F5344CB8AC3E}">
-        <p14:creationId xmlns:p14="http://schemas.microsoft.com/office/powerpoint/2010/main" val="65150770"/>
+        <p14:creationId xmlns:p14="http://schemas.microsoft.com/office/powerpoint/2010/main" val="2166511470"/>
       </p:ext>
     </p:extLst>
   </p:cSld>

--- a/folien/week1.pptx
+++ b/folien/week1.pptx
@@ -5,7 +5,7 @@
     <p:sldMasterId id="2147483664" r:id="rId1"/>
   </p:sldMasterIdLst>
   <p:notesMasterIdLst>
-    <p:notesMasterId r:id="rId27"/>
+    <p:notesMasterId r:id="rId28"/>
   </p:notesMasterIdLst>
   <p:sldIdLst>
     <p:sldId id="257" r:id="rId2"/>
@@ -19,20 +19,21 @@
     <p:sldId id="277" r:id="rId10"/>
     <p:sldId id="287" r:id="rId11"/>
     <p:sldId id="286" r:id="rId12"/>
-    <p:sldId id="283" r:id="rId13"/>
-    <p:sldId id="263" r:id="rId14"/>
-    <p:sldId id="289" r:id="rId15"/>
-    <p:sldId id="282" r:id="rId16"/>
-    <p:sldId id="288" r:id="rId17"/>
-    <p:sldId id="271" r:id="rId18"/>
-    <p:sldId id="272" r:id="rId19"/>
-    <p:sldId id="276" r:id="rId20"/>
-    <p:sldId id="278" r:id="rId21"/>
-    <p:sldId id="281" r:id="rId22"/>
-    <p:sldId id="290" r:id="rId23"/>
-    <p:sldId id="280" r:id="rId24"/>
-    <p:sldId id="279" r:id="rId25"/>
-    <p:sldId id="270" r:id="rId26"/>
+    <p:sldId id="271" r:id="rId13"/>
+    <p:sldId id="272" r:id="rId14"/>
+    <p:sldId id="276" r:id="rId15"/>
+    <p:sldId id="278" r:id="rId16"/>
+    <p:sldId id="281" r:id="rId17"/>
+    <p:sldId id="280" r:id="rId18"/>
+    <p:sldId id="282" r:id="rId19"/>
+    <p:sldId id="291" r:id="rId20"/>
+    <p:sldId id="292" r:id="rId21"/>
+    <p:sldId id="288" r:id="rId22"/>
+    <p:sldId id="283" r:id="rId23"/>
+    <p:sldId id="263" r:id="rId24"/>
+    <p:sldId id="289" r:id="rId25"/>
+    <p:sldId id="279" r:id="rId26"/>
+    <p:sldId id="270" r:id="rId27"/>
   </p:sldIdLst>
   <p:sldSz cx="9144000" cy="5143500" type="screen16x9"/>
   <p:notesSz cx="6858000" cy="9144000"/>
@@ -147,18 +148,19 @@
             <p14:sldId id="277"/>
             <p14:sldId id="287"/>
             <p14:sldId id="286"/>
-            <p14:sldId id="283"/>
-            <p14:sldId id="263"/>
-            <p14:sldId id="289"/>
-            <p14:sldId id="282"/>
-            <p14:sldId id="288"/>
             <p14:sldId id="271"/>
             <p14:sldId id="272"/>
             <p14:sldId id="276"/>
             <p14:sldId id="278"/>
             <p14:sldId id="281"/>
-            <p14:sldId id="290"/>
             <p14:sldId id="280"/>
+            <p14:sldId id="282"/>
+            <p14:sldId id="291"/>
+            <p14:sldId id="292"/>
+            <p14:sldId id="288"/>
+            <p14:sldId id="283"/>
+            <p14:sldId id="263"/>
+            <p14:sldId id="289"/>
             <p14:sldId id="279"/>
             <p14:sldId id="270"/>
           </p14:sldIdLst>
@@ -265,7 +267,7 @@
           <a:p>
             <a:fld id="{21C000D9-2858-4F4C-AF5C-64F79A7C2410}" type="datetimeFigureOut">
               <a:rPr lang="en-US" smtClean="0"/>
-              <a:t>4/4/2022</a:t>
+              <a:t>4/5/2022</a:t>
             </a:fld>
             <a:endParaRPr lang="en-US"/>
           </a:p>
@@ -423,7 +425,7 @@
           <a:p>
             <a:fld id="{C347FAF7-5C4E-4642-B377-C3A2CDCC9DA1}" type="slidenum">
               <a:rPr lang="en-US" smtClean="0"/>
-              <a:t>‹#›</a:t>
+              <a:t>‹Nr.›</a:t>
             </a:fld>
             <a:endParaRPr lang="en-US"/>
           </a:p>
@@ -748,6 +750,172 @@
 </p:notes>
 </file>
 
+<file path=ppt/notesSlides/notesSlide3.xml><?xml version="1.0" encoding="utf-8"?>
+<p:notes xmlns:a="http://schemas.openxmlformats.org/drawingml/2006/main" xmlns:r="http://schemas.openxmlformats.org/officeDocument/2006/relationships" xmlns:p="http://schemas.openxmlformats.org/presentationml/2006/main">
+  <p:cSld>
+    <p:spTree>
+      <p:nvGrpSpPr>
+        <p:cNvPr id="1" name=""/>
+        <p:cNvGrpSpPr/>
+        <p:nvPr/>
+      </p:nvGrpSpPr>
+      <p:grpSpPr>
+        <a:xfrm>
+          <a:off x="0" y="0"/>
+          <a:ext cx="0" cy="0"/>
+          <a:chOff x="0" y="0"/>
+          <a:chExt cx="0" cy="0"/>
+        </a:xfrm>
+      </p:grpSpPr>
+      <p:sp>
+        <p:nvSpPr>
+          <p:cNvPr id="2" name="Folienbildplatzhalter 1"/>
+          <p:cNvSpPr>
+            <a:spLocks noGrp="1" noRot="1" noChangeAspect="1"/>
+          </p:cNvSpPr>
+          <p:nvPr>
+            <p:ph type="sldImg"/>
+          </p:nvPr>
+        </p:nvSpPr>
+        <p:spPr/>
+      </p:sp>
+      <p:sp>
+        <p:nvSpPr>
+          <p:cNvPr id="3" name="Notizenplatzhalter 2"/>
+          <p:cNvSpPr>
+            <a:spLocks noGrp="1"/>
+          </p:cNvSpPr>
+          <p:nvPr>
+            <p:ph type="body" idx="1"/>
+          </p:nvPr>
+        </p:nvSpPr>
+        <p:spPr/>
+        <p:txBody>
+          <a:bodyPr/>
+          <a:lstStyle/>
+          <a:p>
+            <a:r>
+              <a:rPr lang="en-US" dirty="0" err="1" smtClean="0"/>
+              <a:t>Informel</a:t>
+            </a:r>
+            <a:r>
+              <a:rPr lang="en-US" dirty="0" smtClean="0"/>
+              <a:t> vs </a:t>
+            </a:r>
+            <a:r>
+              <a:rPr lang="en-US" dirty="0" err="1" smtClean="0"/>
+              <a:t>formel</a:t>
+            </a:r>
+            <a:endParaRPr lang="en-US" dirty="0" smtClean="0"/>
+          </a:p>
+          <a:p>
+            <a:r>
+              <a:rPr lang="en-US" dirty="0" err="1" smtClean="0"/>
+              <a:t>Knoflook</a:t>
+            </a:r>
+            <a:r>
+              <a:rPr lang="en-US" dirty="0" smtClean="0"/>
+              <a:t>, </a:t>
+            </a:r>
+            <a:r>
+              <a:rPr lang="en-US" dirty="0" err="1" smtClean="0"/>
+              <a:t>Haren</a:t>
+            </a:r>
+            <a:r>
+              <a:rPr lang="en-US" dirty="0" smtClean="0"/>
+              <a:t> </a:t>
+            </a:r>
+            <a:r>
+              <a:rPr lang="en-US" dirty="0" err="1" smtClean="0"/>
+              <a:t>kammen</a:t>
+            </a:r>
+            <a:endParaRPr lang="en-US" dirty="0" smtClean="0"/>
+          </a:p>
+          <a:p>
+            <a:r>
+              <a:rPr lang="en-US" dirty="0" err="1" smtClean="0"/>
+              <a:t>Romeins</a:t>
+            </a:r>
+            <a:r>
+              <a:rPr lang="en-US" dirty="0" smtClean="0"/>
+              <a:t> huis, in hart </a:t>
+            </a:r>
+            <a:r>
+              <a:rPr lang="en-US" dirty="0" err="1" smtClean="0"/>
+              <a:t>snijden</a:t>
+            </a:r>
+            <a:r>
+              <a:rPr lang="en-US" dirty="0" smtClean="0"/>
+              <a:t>, </a:t>
+            </a:r>
+            <a:r>
+              <a:rPr lang="en-US" dirty="0" err="1" smtClean="0"/>
+              <a:t>samenwerken</a:t>
+            </a:r>
+            <a:r>
+              <a:rPr lang="en-US" dirty="0" smtClean="0"/>
+              <a:t> easy rider, </a:t>
+            </a:r>
+            <a:r>
+              <a:rPr lang="en-US" dirty="0" err="1" smtClean="0"/>
+              <a:t>potempkin</a:t>
+            </a:r>
+            <a:r>
+              <a:rPr lang="en-US" dirty="0" smtClean="0"/>
+              <a:t>, </a:t>
+            </a:r>
+            <a:r>
+              <a:rPr lang="en-US" dirty="0" err="1" smtClean="0"/>
+              <a:t>nescio</a:t>
+            </a:r>
+            <a:r>
+              <a:rPr lang="en-US" dirty="0" smtClean="0"/>
+              <a:t>, </a:t>
+            </a:r>
+            <a:r>
+              <a:rPr lang="en-US" dirty="0" err="1" smtClean="0"/>
+              <a:t>tilburg</a:t>
+            </a:r>
+            <a:endParaRPr lang="en-US" dirty="0"/>
+          </a:p>
+        </p:txBody>
+      </p:sp>
+      <p:sp>
+        <p:nvSpPr>
+          <p:cNvPr id="4" name="Foliennummernplatzhalter 3"/>
+          <p:cNvSpPr>
+            <a:spLocks noGrp="1"/>
+          </p:cNvSpPr>
+          <p:nvPr>
+            <p:ph type="sldNum" sz="quarter" idx="10"/>
+          </p:nvPr>
+        </p:nvSpPr>
+        <p:spPr/>
+        <p:txBody>
+          <a:bodyPr/>
+          <a:lstStyle/>
+          <a:p>
+            <a:fld id="{C347FAF7-5C4E-4642-B377-C3A2CDCC9DA1}" type="slidenum">
+              <a:rPr lang="en-US" smtClean="0"/>
+              <a:t>13</a:t>
+            </a:fld>
+            <a:endParaRPr lang="en-US"/>
+          </a:p>
+        </p:txBody>
+      </p:sp>
+    </p:spTree>
+    <p:extLst>
+      <p:ext uri="{BB962C8B-B14F-4D97-AF65-F5344CB8AC3E}">
+        <p14:creationId xmlns:p14="http://schemas.microsoft.com/office/powerpoint/2010/main" val="1829616099"/>
+      </p:ext>
+    </p:extLst>
+  </p:cSld>
+  <p:clrMapOvr>
+    <a:masterClrMapping/>
+  </p:clrMapOvr>
+</p:notes>
+</file>
+
 <file path=ppt/slideLayouts/slideLayout1.xml><?xml version="1.0" encoding="utf-8"?>
 <p:sldLayout xmlns:a="http://schemas.openxmlformats.org/drawingml/2006/main" xmlns:r="http://schemas.openxmlformats.org/officeDocument/2006/relationships" xmlns:p="http://schemas.openxmlformats.org/presentationml/2006/main" preserve="1" userDrawn="1">
   <p:cSld name="Titelfolie">
@@ -1000,7 +1168,7 @@
             <a:fld id="{63CECEBB-547B-4598-95D8-3FB4D608B5D5}" type="slidenum">
               <a:rPr lang="de-DE" smtClean="0"/>
               <a:pPr/>
-              <a:t>‹#›</a:t>
+              <a:t>‹Nr.›</a:t>
             </a:fld>
             <a:endParaRPr lang="de-DE" dirty="0"/>
           </a:p>
@@ -1268,7 +1436,7 @@
             <a:fld id="{63CECEBB-547B-4598-95D8-3FB4D608B5D5}" type="slidenum">
               <a:rPr lang="de-DE" smtClean="0"/>
               <a:pPr/>
-              <a:t>‹#›</a:t>
+              <a:t>‹Nr.›</a:t>
             </a:fld>
             <a:endParaRPr lang="de-DE" dirty="0"/>
           </a:p>
@@ -1526,7 +1694,7 @@
             <a:fld id="{63CECEBB-547B-4598-95D8-3FB4D608B5D5}" type="slidenum">
               <a:rPr lang="de-DE" smtClean="0"/>
               <a:pPr/>
-              <a:t>‹#›</a:t>
+              <a:t>‹Nr.›</a:t>
             </a:fld>
             <a:endParaRPr lang="de-DE" dirty="0"/>
           </a:p>
@@ -1785,7 +1953,7 @@
             <a:fld id="{63CECEBB-547B-4598-95D8-3FB4D608B5D5}" type="slidenum">
               <a:rPr lang="de-DE" smtClean="0"/>
               <a:pPr/>
-              <a:t>‹#›</a:t>
+              <a:t>‹Nr.›</a:t>
             </a:fld>
             <a:endParaRPr lang="de-DE" dirty="0"/>
           </a:p>
@@ -2041,7 +2209,7 @@
             <a:fld id="{63CECEBB-547B-4598-95D8-3FB4D608B5D5}" type="slidenum">
               <a:rPr lang="de-DE" smtClean="0"/>
               <a:pPr/>
-              <a:t>‹#›</a:t>
+              <a:t>‹Nr.›</a:t>
             </a:fld>
             <a:endParaRPr lang="de-DE" dirty="0"/>
           </a:p>
@@ -2223,7 +2391,7 @@
             <a:fld id="{63CECEBB-547B-4598-95D8-3FB4D608B5D5}" type="slidenum">
               <a:rPr lang="de-DE" smtClean="0"/>
               <a:pPr/>
-              <a:t>‹#›</a:t>
+              <a:t>‹Nr.›</a:t>
             </a:fld>
             <a:endParaRPr lang="de-DE" dirty="0"/>
           </a:p>
@@ -3452,7 +3620,7 @@
           <p:nvPr>
             <p:extLst>
               <p:ext uri="{D42A27DB-BD31-4B8C-83A1-F6EECF244321}">
-                <p14:modId xmlns:p14="http://schemas.microsoft.com/office/powerpoint/2010/main" val="2167778764"/>
+                <p14:modId xmlns:p14="http://schemas.microsoft.com/office/powerpoint/2010/main" val="1792351027"/>
               </p:ext>
             </p:extLst>
           </p:nvPr>
@@ -3570,8 +3738,16 @@
                     <a:p>
                       <a:pPr algn="l"/>
                       <a:r>
-                        <a:rPr lang="en-US" sz="1100" dirty="0" err="1"/>
+                        <a:rPr lang="en-US" sz="1100" dirty="0" err="1" smtClean="0"/>
                         <a:t>Organisatorisches</a:t>
+                      </a:r>
+                      <a:r>
+                        <a:rPr lang="en-US" sz="1100" dirty="0" smtClean="0"/>
+                        <a:t>, </a:t>
+                      </a:r>
+                      <a:r>
+                        <a:rPr lang="en-US" sz="1100" dirty="0" err="1" smtClean="0"/>
+                        <a:t>einfuhrung</a:t>
                       </a:r>
                       <a:endParaRPr lang="en-US" sz="1100" dirty="0"/>
                     </a:p>
@@ -3584,6 +3760,10 @@
                     <a:lstStyle/>
                     <a:p>
                       <a:pPr algn="l"/>
+                      <a:r>
+                        <a:rPr lang="en-US" sz="1100" dirty="0" smtClean="0"/>
+                        <a:t>w1</a:t>
+                      </a:r>
                       <a:endParaRPr lang="en-US" sz="1100" dirty="0"/>
                     </a:p>
                   </a:txBody>
@@ -3625,8 +3805,8 @@
                         <a:t> </a:t>
                       </a:r>
                       <a:r>
-                        <a:rPr lang="en-US" sz="1100" dirty="0" err="1"/>
-                        <a:t>Perspektiven</a:t>
+                        <a:rPr lang="en-US" sz="1100" dirty="0" err="1" smtClean="0"/>
+                        <a:t>Perspektive</a:t>
                       </a:r>
                       <a:endParaRPr lang="en-US" sz="1100" dirty="0"/>
                     </a:p>
@@ -3640,9 +3820,10 @@
                     <a:p>
                       <a:pPr algn="l"/>
                       <a:r>
-                        <a:rPr lang="en-US" sz="1100" dirty="0"/>
+                        <a:rPr lang="en-US" sz="1100" dirty="0" smtClean="0"/>
                         <a:t>w4</a:t>
                       </a:r>
+                      <a:endParaRPr lang="en-US" sz="1100" dirty="0"/>
                     </a:p>
                   </a:txBody>
                   <a:tcPr marL="76318" marR="76318" marT="38159" marB="38159"/>
@@ -3690,9 +3871,10 @@
                     <a:p>
                       <a:pPr algn="l"/>
                       <a:r>
-                        <a:rPr lang="en-US" sz="1100" dirty="0"/>
-                        <a:t>w3</a:t>
+                        <a:rPr lang="en-US" sz="1100" dirty="0" smtClean="0"/>
+                        <a:t>w2, w3</a:t>
                       </a:r>
+                      <a:endParaRPr lang="en-US" sz="1100" dirty="0"/>
                     </a:p>
                   </a:txBody>
                   <a:tcPr marL="76318" marR="76318" marT="38159" marB="38159"/>
@@ -3740,9 +3922,10 @@
                     <a:p>
                       <a:pPr algn="l"/>
                       <a:r>
-                        <a:rPr lang="en-US" sz="1100" dirty="0"/>
-                        <a:t>w3</a:t>
+                        <a:rPr lang="en-US" sz="1100" dirty="0" smtClean="0"/>
+                        <a:t>w2, w3</a:t>
                       </a:r>
+                      <a:endParaRPr lang="en-US" sz="1100" dirty="0"/>
                     </a:p>
                   </a:txBody>
                   <a:tcPr marL="76318" marR="76318" marT="38159" marB="38159"/>
@@ -4870,7 +5053,7 @@
           <p:nvPr>
             <p:extLst>
               <p:ext uri="{D42A27DB-BD31-4B8C-83A1-F6EECF244321}">
-                <p14:modId xmlns:p14="http://schemas.microsoft.com/office/powerpoint/2010/main" val="3781957891"/>
+                <p14:modId xmlns:p14="http://schemas.microsoft.com/office/powerpoint/2010/main" val="838990019"/>
               </p:ext>
             </p:extLst>
           </p:nvPr>
@@ -5163,7 +5346,16 @@
                           <a:spcPts val="600"/>
                         </a:spcAft>
                       </a:pPr>
-                      <a:endParaRPr lang="de-DE" sz="1100" i="1" noProof="0">
+                      <a:r>
+                        <a:rPr lang="de-DE" sz="1100" b="0" i="0" noProof="0" dirty="0" smtClean="0">
+                          <a:effectLst/>
+                          <a:latin typeface="+mn-lt"/>
+                          <a:ea typeface="Times New Roman" panose="02020603050405020304" pitchFamily="18" charset="0"/>
+                          <a:cs typeface="Times New Roman" panose="02020603050405020304" pitchFamily="18" charset="0"/>
+                        </a:rPr>
+                        <a:t>w1 </a:t>
+                      </a:r>
+                      <a:endParaRPr lang="de-DE" sz="1100" b="0" i="0" noProof="0" dirty="0">
                         <a:effectLst/>
                         <a:latin typeface="+mn-lt"/>
                         <a:ea typeface="Times New Roman" panose="02020603050405020304" pitchFamily="18" charset="0"/>
@@ -5302,12 +5494,12 @@
                         </a:tabLst>
                       </a:pPr>
                       <a:r>
-                        <a:rPr lang="de-DE" sz="1100" b="1" kern="0" noProof="0" dirty="0">
+                        <a:rPr lang="de-DE" sz="1100" b="0" i="0" kern="0" noProof="0" dirty="0">
                           <a:effectLst/>
                         </a:rPr>
                         <a:t>w3, w4</a:t>
                       </a:r>
-                      <a:endParaRPr lang="de-DE" sz="1100" b="1" kern="0" noProof="0" dirty="0">
+                      <a:endParaRPr lang="de-DE" sz="1100" b="0" i="0" kern="0" noProof="0" dirty="0">
                         <a:effectLst/>
                         <a:latin typeface="+mn-lt"/>
                         <a:ea typeface="Times New Roman" panose="02020603050405020304" pitchFamily="18" charset="0"/>
@@ -5437,12 +5629,12 @@
                         </a:spcAft>
                       </a:pPr>
                       <a:r>
-                        <a:rPr lang="de-DE" sz="1100" b="1" kern="0" noProof="0" dirty="0">
+                        <a:rPr lang="de-DE" sz="1100" b="0" i="0" kern="0" noProof="0" dirty="0">
                           <a:effectLst/>
                         </a:rPr>
                         <a:t>w3, w4</a:t>
                       </a:r>
-                      <a:endParaRPr lang="de-DE" sz="1100" b="1" kern="0" noProof="0" dirty="0">
+                      <a:endParaRPr lang="de-DE" sz="1100" b="0" i="0" kern="0" noProof="0" dirty="0">
                         <a:effectLst/>
                         <a:latin typeface="+mn-lt"/>
                         <a:ea typeface="Times New Roman" panose="02020603050405020304" pitchFamily="18" charset="0"/>
@@ -5579,12 +5771,12 @@
                         </a:tabLst>
                       </a:pPr>
                       <a:r>
-                        <a:rPr lang="de-DE" sz="1100" b="1" kern="0" noProof="0">
+                        <a:rPr lang="de-DE" sz="1100" b="0" i="0" kern="0" noProof="0" dirty="0">
                           <a:effectLst/>
                         </a:rPr>
                         <a:t>w2</a:t>
                       </a:r>
-                      <a:endParaRPr lang="de-DE" sz="1100" b="1" kern="0" noProof="0">
+                      <a:endParaRPr lang="de-DE" sz="1100" b="0" i="0" kern="0" noProof="0" dirty="0">
                         <a:effectLst/>
                         <a:latin typeface="+mn-lt"/>
                         <a:ea typeface="Times New Roman" panose="02020603050405020304" pitchFamily="18" charset="0"/>
@@ -5707,7 +5899,7 @@
                           <a:spcPts val="600"/>
                         </a:spcAft>
                       </a:pPr>
-                      <a:endParaRPr lang="de-DE" sz="1100" b="1" kern="0" noProof="0">
+                      <a:endParaRPr lang="de-DE" sz="1100" b="0" i="0" kern="0" noProof="0" dirty="0">
                         <a:effectLst/>
                         <a:latin typeface="+mn-lt"/>
                         <a:ea typeface="Times New Roman" panose="02020603050405020304" pitchFamily="18" charset="0"/>
@@ -5831,12 +6023,12 @@
                         </a:spcAft>
                       </a:pPr>
                       <a:r>
-                        <a:rPr lang="de-DE" sz="1100" b="1" kern="0" noProof="0">
+                        <a:rPr lang="de-DE" sz="1100" b="0" i="0" kern="0" noProof="0" dirty="0">
                           <a:effectLst/>
                         </a:rPr>
                         <a:t>w6</a:t>
                       </a:r>
-                      <a:endParaRPr lang="de-DE" sz="1100" b="1" kern="0" noProof="0">
+                      <a:endParaRPr lang="de-DE" sz="1100" b="0" i="0" kern="0" noProof="0" dirty="0">
                         <a:effectLst/>
                         <a:latin typeface="+mn-lt"/>
                         <a:ea typeface="Times New Roman" panose="02020603050405020304" pitchFamily="18" charset="0"/>
@@ -5990,12 +6182,12 @@
                         </a:spcAft>
                       </a:pPr>
                       <a:r>
-                        <a:rPr lang="de-DE" sz="1100" b="1" kern="0" noProof="0">
+                        <a:rPr lang="de-DE" sz="1100" b="0" i="0" kern="0" noProof="0" dirty="0">
                           <a:effectLst/>
                         </a:rPr>
                         <a:t>w7</a:t>
                       </a:r>
-                      <a:endParaRPr lang="de-DE" sz="1100" b="1" kern="0" noProof="0">
+                      <a:endParaRPr lang="de-DE" sz="1100" b="0" i="0" kern="0" noProof="0" dirty="0">
                         <a:effectLst/>
                         <a:latin typeface="+mn-lt"/>
                         <a:ea typeface="Times New Roman" panose="02020603050405020304" pitchFamily="18" charset="0"/>
@@ -6748,7 +6940,7 @@
           <p:cNvPr id="2" name="Title 1">
             <a:extLst>
               <a:ext uri="{FF2B5EF4-FFF2-40B4-BE49-F238E27FC236}">
-                <a16:creationId xmlns:a16="http://schemas.microsoft.com/office/drawing/2014/main" id="{5E566A06-9127-43CC-8D3A-4D52BC630218}"/>
+                <a16:creationId xmlns:a16="http://schemas.microsoft.com/office/drawing/2014/main" id="{1BE5A66C-7453-4629-A430-0CB2263B3E8B}"/>
               </a:ext>
             </a:extLst>
           </p:cNvPr>
@@ -6765,23 +6957,9 @@
           <a:lstStyle/>
           <a:p>
             <a:r>
-              <a:rPr lang="de-DE" sz="3200" dirty="0">
-                <a:effectLst/>
-                <a:latin typeface="Calibri" panose="020F0502020204030204" pitchFamily="34" charset="0"/>
-                <a:ea typeface="Calibri" panose="020F0502020204030204" pitchFamily="34" charset="0"/>
-                <a:cs typeface="Times New Roman" panose="02020603050405020304" pitchFamily="18" charset="0"/>
-              </a:rPr>
-              <a:t>Links zu Lesestrategien: </a:t>
-            </a:r>
-            <a:br>
-              <a:rPr lang="en-US" sz="3200" dirty="0">
-                <a:effectLst/>
-                <a:latin typeface="Calibri" panose="020F0502020204030204" pitchFamily="34" charset="0"/>
-                <a:ea typeface="Calibri" panose="020F0502020204030204" pitchFamily="34" charset="0"/>
-                <a:cs typeface="Times New Roman" panose="02020603050405020304" pitchFamily="18" charset="0"/>
-              </a:rPr>
-            </a:br>
-            <a:endParaRPr lang="de-DE" dirty="0"/>
+              <a:rPr lang="en-US" dirty="0"/>
+              <a:t>Aufgabe</a:t>
+            </a:r>
           </a:p>
         </p:txBody>
       </p:sp>
@@ -6790,7 +6968,7 @@
           <p:cNvPr id="3" name="Text Placeholder 2">
             <a:extLst>
               <a:ext uri="{FF2B5EF4-FFF2-40B4-BE49-F238E27FC236}">
-                <a16:creationId xmlns:a16="http://schemas.microsoft.com/office/drawing/2014/main" id="{F1CE048E-A995-41C1-8C96-7E1DFDC13DEE}"/>
+                <a16:creationId xmlns:a16="http://schemas.microsoft.com/office/drawing/2014/main" id="{FAE2C1EB-BC72-4C66-87E9-036814A9F75C}"/>
               </a:ext>
             </a:extLst>
           </p:cNvPr>
@@ -6807,140 +6985,147 @@
           <a:lstStyle/>
           <a:p>
             <a:pPr>
-              <a:lnSpc>
-                <a:spcPct val="107000"/>
-              </a:lnSpc>
-              <a:spcAft>
-                <a:spcPts val="800"/>
-              </a:spcAft>
+              <a:buFont typeface="+mj-lt"/>
+              <a:buAutoNum type="arabicPeriod"/>
             </a:pPr>
             <a:r>
-              <a:rPr lang="de-DE" sz="1800" u="sng" dirty="0">
-                <a:solidFill>
-                  <a:srgbClr val="0563C1"/>
-                </a:solidFill>
-                <a:effectLst/>
-                <a:latin typeface="Calibri" panose="020F0502020204030204" pitchFamily="34" charset="0"/>
-                <a:ea typeface="Calibri" panose="020F0502020204030204" pitchFamily="34" charset="0"/>
-                <a:cs typeface="Times New Roman" panose="02020603050405020304" pitchFamily="18" charset="0"/>
-                <a:hlinkClick r:id="rId2"/>
-              </a:rPr>
-              <a:t>https://www.studienstrategie.de/lesen/lesetechniken/</a:t>
-            </a:r>
-            <a:endParaRPr lang="en-US" sz="1800" dirty="0">
-              <a:effectLst/>
-              <a:latin typeface="Calibri" panose="020F0502020204030204" pitchFamily="34" charset="0"/>
-              <a:ea typeface="Calibri" panose="020F0502020204030204" pitchFamily="34" charset="0"/>
-              <a:cs typeface="Times New Roman" panose="02020603050405020304" pitchFamily="18" charset="0"/>
-            </a:endParaRPr>
+              <a:rPr lang="de-DE" sz="1400" dirty="0"/>
+              <a:t>Stellen Sie sich folgende Frage (15 min): </a:t>
+            </a:r>
+          </a:p>
+          <a:p>
+            <a:pPr lvl="1"/>
+            <a:r>
+              <a:rPr lang="de-DE" sz="1600" dirty="0"/>
+              <a:t>Wann haben Sie in Ihrem Leben etwas nachhaltig gelernt und was war das? </a:t>
+            </a:r>
+          </a:p>
+          <a:p>
+            <a:pPr lvl="1"/>
+            <a:r>
+              <a:rPr lang="de-DE" sz="1600" dirty="0"/>
+              <a:t>Was haben Sie dabei gelernt? </a:t>
+            </a:r>
+          </a:p>
+          <a:p>
+            <a:pPr lvl="1"/>
+            <a:r>
+              <a:rPr lang="de-DE" sz="1600" dirty="0"/>
+              <a:t>In welcher Situation? </a:t>
+            </a:r>
+          </a:p>
+          <a:p>
+            <a:pPr lvl="1"/>
+            <a:r>
+              <a:rPr lang="de-DE" sz="1600" dirty="0"/>
+              <a:t>Warum glauben Sie, dass Sie das behalten haben? </a:t>
+            </a:r>
+          </a:p>
+          <a:p>
+            <a:pPr lvl="1"/>
+            <a:r>
+              <a:rPr lang="de-DE" sz="1600" dirty="0"/>
+              <a:t>Was hat dazu beigetragen? </a:t>
+            </a:r>
           </a:p>
           <a:p>
             <a:pPr>
-              <a:lnSpc>
-                <a:spcPct val="107000"/>
-              </a:lnSpc>
-              <a:spcAft>
-                <a:spcPts val="800"/>
-              </a:spcAft>
+              <a:buFont typeface="+mj-lt"/>
+              <a:buAutoNum type="arabicPeriod"/>
             </a:pPr>
             <a:r>
-              <a:rPr lang="de-DE" sz="1800" u="sng" dirty="0">
-                <a:solidFill>
-                  <a:srgbClr val="0563C1"/>
-                </a:solidFill>
-                <a:effectLst/>
-                <a:latin typeface="Calibri" panose="020F0502020204030204" pitchFamily="34" charset="0"/>
-                <a:ea typeface="Calibri" panose="020F0502020204030204" pitchFamily="34" charset="0"/>
-                <a:cs typeface="Times New Roman" panose="02020603050405020304" pitchFamily="18" charset="0"/>
-                <a:hlinkClick r:id="rId3"/>
-              </a:rPr>
-              <a:t>https://www.bildungspartner.schulministerium.nrw.de/Bildungspartner/Themen/Leseschule-NRW/HF_Methoden/02_uebersicht_lesestrategien.pdf</a:t>
-            </a:r>
-            <a:endParaRPr lang="de-DE" sz="1800" u="sng" dirty="0">
-              <a:solidFill>
-                <a:srgbClr val="0563C1"/>
-              </a:solidFill>
-              <a:effectLst/>
-              <a:latin typeface="Calibri" panose="020F0502020204030204" pitchFamily="34" charset="0"/>
-              <a:ea typeface="Calibri" panose="020F0502020204030204" pitchFamily="34" charset="0"/>
-              <a:cs typeface="Times New Roman" panose="02020603050405020304" pitchFamily="18" charset="0"/>
-            </a:endParaRPr>
+              <a:rPr lang="de-DE" sz="1400" dirty="0" smtClean="0"/>
+              <a:t>Tauschen </a:t>
+            </a:r>
+            <a:r>
+              <a:rPr lang="de-DE" sz="1400" dirty="0"/>
+              <a:t>Sie sich mit ihre Nachbarn aus. </a:t>
+            </a:r>
           </a:p>
           <a:p>
             <a:pPr>
-              <a:buFont typeface="Arial" panose="020B0604020202020204" pitchFamily="34" charset="0"/>
-              <a:buChar char="•"/>
+              <a:buFont typeface="+mj-lt"/>
+              <a:buAutoNum type="arabicPeriod"/>
             </a:pPr>
             <a:r>
-              <a:rPr lang="de-DE" sz="1400" dirty="0" err="1"/>
-              <a:t>Esselborn-Krumbiegel</a:t>
-            </a:r>
-            <a:r>
               <a:rPr lang="de-DE" sz="1400" dirty="0"/>
-              <a:t>, H. (2019). Die erste Hausarbeit – FAQ. Ferdinand Schöningh.</a:t>
+              <a:t>Tauschen Sie sich in eine kleine Gruppe aus. </a:t>
             </a:r>
           </a:p>
           <a:p>
             <a:pPr>
-              <a:buFont typeface="Arial" panose="020B0604020202020204" pitchFamily="34" charset="0"/>
-              <a:buChar char="•"/>
+              <a:buFont typeface="+mj-lt"/>
+              <a:buAutoNum type="arabicPeriod"/>
             </a:pPr>
+            <a:r>
+              <a:rPr lang="de-DE" sz="1400" dirty="0"/>
+              <a:t>Lassen sich Ähnlichkeiten erkennen, die bei mehreren Erzählungen auftauchen?</a:t>
+            </a:r>
+          </a:p>
+          <a:p>
+            <a:pPr>
+              <a:buFont typeface="+mj-lt"/>
+              <a:buAutoNum type="arabicPeriod"/>
+            </a:pPr>
+            <a:r>
+              <a:rPr lang="de-DE" sz="1400" dirty="0" smtClean="0"/>
+              <a:t>(</a:t>
+            </a:r>
+            <a:r>
+              <a:rPr lang="de-DE" sz="1400" dirty="0" err="1" smtClean="0"/>
+              <a:t>Fuer</a:t>
+            </a:r>
+            <a:r>
+              <a:rPr lang="de-DE" sz="1400" dirty="0" smtClean="0"/>
+              <a:t> </a:t>
+            </a:r>
+            <a:r>
+              <a:rPr lang="de-DE" sz="1400" dirty="0" err="1" smtClean="0"/>
+              <a:t>naechste</a:t>
+            </a:r>
+            <a:r>
+              <a:rPr lang="de-DE" sz="1400" dirty="0" smtClean="0"/>
+              <a:t> Woche: Schreiben </a:t>
+            </a:r>
+            <a:r>
+              <a:rPr lang="de-DE" sz="1400" dirty="0"/>
+              <a:t>Sie bitte </a:t>
+            </a:r>
+            <a:r>
+              <a:rPr lang="de-DE" sz="1400" dirty="0" smtClean="0"/>
+              <a:t>auf das </a:t>
+            </a:r>
+            <a:r>
+              <a:rPr lang="de-DE" sz="1400" dirty="0" err="1" smtClean="0"/>
+              <a:t>Moodle</a:t>
+            </a:r>
+            <a:r>
+              <a:rPr lang="de-DE" sz="1400" dirty="0" smtClean="0"/>
+              <a:t>-Forum in </a:t>
+            </a:r>
+            <a:r>
+              <a:rPr lang="de-DE" sz="1400" dirty="0"/>
+              <a:t>drei oder vier Sätzen auf, was ein nachhaltiges Lernerlebnis für Sie </a:t>
+            </a:r>
+            <a:r>
+              <a:rPr lang="de-DE" sz="1400" dirty="0" smtClean="0"/>
+              <a:t>war.)</a:t>
+            </a:r>
             <a:endParaRPr lang="de-DE" sz="1400" dirty="0"/>
           </a:p>
           <a:p>
             <a:pPr>
-              <a:buFont typeface="Arial" panose="020B0604020202020204" pitchFamily="34" charset="0"/>
-              <a:buChar char="•"/>
+              <a:buFont typeface="+mj-lt"/>
+              <a:buAutoNum type="arabicPeriod"/>
             </a:pPr>
-            <a:r>
-              <a:rPr lang="de-DE" sz="1400" dirty="0"/>
-              <a:t>Rost. (2012). Lern- und Arbeitstechniken für das Studium. Springer.</a:t>
-            </a:r>
-          </a:p>
-          <a:p>
-            <a:pPr>
-              <a:lnSpc>
-                <a:spcPct val="107000"/>
-              </a:lnSpc>
-              <a:spcAft>
-                <a:spcPts val="800"/>
-              </a:spcAft>
-            </a:pPr>
-            <a:endParaRPr lang="de-DE" sz="1800" u="sng" dirty="0">
-              <a:solidFill>
-                <a:srgbClr val="0563C1"/>
-              </a:solidFill>
-              <a:latin typeface="Calibri" panose="020F0502020204030204" pitchFamily="34" charset="0"/>
-              <a:ea typeface="Calibri" panose="020F0502020204030204" pitchFamily="34" charset="0"/>
-              <a:cs typeface="Times New Roman" panose="02020603050405020304" pitchFamily="18" charset="0"/>
-            </a:endParaRPr>
-          </a:p>
-          <a:p>
-            <a:pPr marL="0" indent="0">
-              <a:lnSpc>
-                <a:spcPct val="107000"/>
-              </a:lnSpc>
-              <a:spcAft>
-                <a:spcPts val="800"/>
-              </a:spcAft>
-              <a:buNone/>
-            </a:pPr>
-            <a:endParaRPr lang="en-US" sz="1800" dirty="0">
-              <a:effectLst/>
-              <a:latin typeface="Calibri" panose="020F0502020204030204" pitchFamily="34" charset="0"/>
-              <a:ea typeface="Calibri" panose="020F0502020204030204" pitchFamily="34" charset="0"/>
-              <a:cs typeface="Times New Roman" panose="02020603050405020304" pitchFamily="18" charset="0"/>
-            </a:endParaRPr>
-          </a:p>
-          <a:p>
-            <a:endParaRPr lang="de-DE" dirty="0"/>
+            <a:endParaRPr lang="en-US" sz="1400" dirty="0"/>
           </a:p>
         </p:txBody>
       </p:sp>
     </p:spTree>
     <p:extLst>
       <p:ext uri="{BB962C8B-B14F-4D97-AF65-F5344CB8AC3E}">
-        <p14:creationId xmlns:p14="http://schemas.microsoft.com/office/powerpoint/2010/main" val="1081038908"/>
+        <p14:creationId xmlns:p14="http://schemas.microsoft.com/office/powerpoint/2010/main" val="65150770"/>
       </p:ext>
     </p:extLst>
   </p:cSld>
@@ -6972,7 +7157,7 @@
           <p:cNvPr id="2" name="Title 1">
             <a:extLst>
               <a:ext uri="{FF2B5EF4-FFF2-40B4-BE49-F238E27FC236}">
-                <a16:creationId xmlns:a16="http://schemas.microsoft.com/office/drawing/2014/main" id="{8C86C9AD-2D1D-4A85-9B58-0C8E44404F1C}"/>
+                <a16:creationId xmlns:a16="http://schemas.microsoft.com/office/drawing/2014/main" id="{B06CDD47-62E6-4F62-A7CE-3BB49DC58DEA}"/>
               </a:ext>
             </a:extLst>
           </p:cNvPr>
@@ -6990,7 +7175,7 @@
           <a:p>
             <a:r>
               <a:rPr lang="de-DE" dirty="0"/>
-              <a:t>Wie wir miteinander Arbeiten</a:t>
+              <a:t>Gibt es Kriterien des nachhaltigen Lernens?</a:t>
             </a:r>
             <a:endParaRPr lang="en-US" dirty="0"/>
           </a:p>
@@ -7001,7 +7186,7 @@
           <p:cNvPr id="3" name="Text Placeholder 2">
             <a:extLst>
               <a:ext uri="{FF2B5EF4-FFF2-40B4-BE49-F238E27FC236}">
-                <a16:creationId xmlns:a16="http://schemas.microsoft.com/office/drawing/2014/main" id="{08C994F0-E40A-4D67-89A4-A2E205AE23E7}"/>
+                <a16:creationId xmlns:a16="http://schemas.microsoft.com/office/drawing/2014/main" id="{6E7CDF61-4A2F-44D3-A5ED-BE34B3145903}"/>
               </a:ext>
             </a:extLst>
           </p:cNvPr>
@@ -7019,30 +7204,57 @@
           <a:p>
             <a:r>
               <a:rPr lang="de-DE" sz="1800" dirty="0"/>
-              <a:t>Studium an der Universität heißt auch: Eigenverantwortung</a:t>
+              <a:t>Körperempfinden: Handeln, Emotion, Schmerz</a:t>
             </a:r>
           </a:p>
           <a:p>
             <a:r>
               <a:rPr lang="de-DE" sz="1800" dirty="0"/>
-              <a:t>Seminar als Impulsgeber</a:t>
+              <a:t>Zeit: zum Üben, Trainieren, Praktizieren, Wiederholen</a:t>
             </a:r>
           </a:p>
           <a:p>
             <a:r>
               <a:rPr lang="de-DE" sz="1800" dirty="0"/>
-              <a:t>Seminar wird durch ihre Mitarbeit und Fragen spannend!</a:t>
-            </a:r>
-          </a:p>
-          <a:p>
-            <a:endParaRPr lang="en-US" sz="1800" dirty="0"/>
+              <a:t>Strukturierungshilfe: extern, intern</a:t>
+            </a:r>
+          </a:p>
+          <a:p>
+            <a:r>
+              <a:rPr lang="de-DE" sz="1800" dirty="0"/>
+              <a:t>Anderer Menschen: durch und für andere, weil man sie mag, ihnen einen guten Eindruck machen möchte, Respekt vor ihnen hat, o.ä.</a:t>
+            </a:r>
+          </a:p>
+          <a:p>
+            <a:r>
+              <a:rPr lang="de-DE" sz="1800" dirty="0"/>
+              <a:t>Interesse und Motivation, z.B.: Leistungsdruck vs. „für sich selbst“ </a:t>
+            </a:r>
+          </a:p>
+          <a:p>
+            <a:r>
+              <a:rPr lang="de-DE" sz="1800" dirty="0"/>
+              <a:t>Scheitern</a:t>
+            </a:r>
+          </a:p>
+          <a:p>
+            <a:r>
+              <a:rPr lang="de-DE" sz="1800" dirty="0"/>
+              <a:t>Konfrontation, Irritation</a:t>
+            </a:r>
+          </a:p>
+          <a:p>
+            <a:r>
+              <a:rPr lang="de-DE" sz="1800" dirty="0"/>
+              <a:t>nur Wissensvermittlung?</a:t>
+            </a:r>
           </a:p>
         </p:txBody>
       </p:sp>
     </p:spTree>
     <p:extLst>
       <p:ext uri="{BB962C8B-B14F-4D97-AF65-F5344CB8AC3E}">
-        <p14:creationId xmlns:p14="http://schemas.microsoft.com/office/powerpoint/2010/main" val="1568292325"/>
+        <p14:creationId xmlns:p14="http://schemas.microsoft.com/office/powerpoint/2010/main" val="3338002435"/>
       </p:ext>
     </p:extLst>
   </p:cSld>
@@ -7074,7 +7286,7 @@
           <p:cNvPr id="2" name="Title 1">
             <a:extLst>
               <a:ext uri="{FF2B5EF4-FFF2-40B4-BE49-F238E27FC236}">
-                <a16:creationId xmlns:a16="http://schemas.microsoft.com/office/drawing/2014/main" id="{E4D9F5BB-26C7-445F-AD34-6A60DB589A2A}"/>
+                <a16:creationId xmlns:a16="http://schemas.microsoft.com/office/drawing/2014/main" id="{4872F2D3-6535-4897-A660-923A06F8C5A0}"/>
               </a:ext>
             </a:extLst>
           </p:cNvPr>
@@ -7091,17 +7303,26 @@
           <a:lstStyle/>
           <a:p>
             <a:r>
-              <a:rPr lang="de-DE" i="1" dirty="0"/>
-              <a:t>Effektive </a:t>
+              <a:rPr lang="en-US" dirty="0" err="1"/>
+              <a:t>Einf</a:t>
             </a:r>
             <a:r>
               <a:rPr lang="de-DE" dirty="0"/>
-              <a:t>Partizipation:</a:t>
-            </a:r>
-            <a:br>
+              <a:t>ü</a:t>
+            </a:r>
+            <a:r>
+              <a:rPr lang="en-US" dirty="0" err="1" smtClean="0"/>
+              <a:t>hrung</a:t>
+            </a:r>
+            <a:r>
+              <a:rPr lang="en-US" dirty="0" smtClean="0"/>
+              <a:t>:</a:t>
+            </a:r>
+            <a:r>
               <a:rPr lang="de-DE" dirty="0"/>
-            </a:br>
-            <a:endParaRPr lang="de-DE" dirty="0"/>
+              <a:t> Allgemeine Didaktik </a:t>
+            </a:r>
+            <a:endParaRPr lang="en-US" dirty="0"/>
           </a:p>
         </p:txBody>
       </p:sp>
@@ -7110,7 +7331,7 @@
           <p:cNvPr id="3" name="Text Placeholder 2">
             <a:extLst>
               <a:ext uri="{FF2B5EF4-FFF2-40B4-BE49-F238E27FC236}">
-                <a16:creationId xmlns:a16="http://schemas.microsoft.com/office/drawing/2014/main" id="{6401BDA4-80C0-4F70-A0A0-F4037BA36057}"/>
+                <a16:creationId xmlns:a16="http://schemas.microsoft.com/office/drawing/2014/main" id="{84762FBA-2BFD-46FE-A99A-214CC870157F}"/>
               </a:ext>
             </a:extLst>
           </p:cNvPr>
@@ -7127,82 +7348,41 @@
           <a:lstStyle/>
           <a:p>
             <a:r>
-              <a:rPr lang="de-DE" sz="1600" dirty="0"/>
-              <a:t>Man </a:t>
-            </a:r>
-            <a:r>
-              <a:rPr lang="de-DE" sz="1600" i="1" dirty="0"/>
-              <a:t>muss </a:t>
-            </a:r>
-            <a:r>
-              <a:rPr lang="de-DE" sz="1600" dirty="0"/>
-              <a:t>nicht sprechen</a:t>
+              <a:rPr lang="de-DE" sz="1800" dirty="0"/>
+              <a:t>Wissen vermitteln oder Bildung ermöglichen?</a:t>
+            </a:r>
+          </a:p>
+          <a:p>
+            <a:endParaRPr lang="de-DE" sz="1800" dirty="0"/>
+          </a:p>
+          <a:p>
+            <a:r>
+              <a:rPr lang="de-DE" sz="1800" dirty="0"/>
+              <a:t>Handlungsfelder</a:t>
             </a:r>
           </a:p>
           <a:p>
             <a:pPr lvl="1"/>
             <a:r>
-              <a:rPr lang="de-DE" sz="1600" dirty="0">
-                <a:latin typeface="Arial" panose="020B0604020202020204" pitchFamily="34" charset="0"/>
-                <a:cs typeface="Arial" panose="020B0604020202020204" pitchFamily="34" charset="0"/>
-              </a:rPr>
-              <a:t>Nach dem Seminar kann man eventuell auch noch etwas sagen.  </a:t>
-            </a:r>
-          </a:p>
-          <a:p>
-            <a:r>
-              <a:rPr lang="de-DE" sz="1600" dirty="0"/>
-              <a:t>„Überwache“ wieviel man selbst spricht </a:t>
-            </a:r>
+              <a:rPr lang="de-DE" sz="1800" dirty="0"/>
+              <a:t>Warum ist Allgemeine Didaktik wichtig für das Lehramt? </a:t>
+            </a:r>
+            <a:endParaRPr lang="en-US" sz="1800" dirty="0"/>
           </a:p>
           <a:p>
             <a:pPr lvl="1"/>
             <a:r>
-              <a:rPr lang="de-DE" sz="1600" dirty="0">
-                <a:latin typeface="Arial" panose="020B0604020202020204" pitchFamily="34" charset="0"/>
-                <a:cs typeface="Arial" panose="020B0604020202020204" pitchFamily="34" charset="0"/>
-              </a:rPr>
-              <a:t>Viel sprechen ist nicht unbedingt effektiv. Wenige durchdachte Beiträge sind effektiver als viele spontane Gedanken.  </a:t>
-            </a:r>
-          </a:p>
-          <a:p>
-            <a:r>
-              <a:rPr lang="de-DE" sz="1600" dirty="0"/>
-              <a:t>Einander helfen</a:t>
-            </a:r>
-          </a:p>
-          <a:p>
-            <a:pPr lvl="1"/>
-            <a:r>
-              <a:rPr lang="de-DE" sz="1600" dirty="0">
-                <a:latin typeface="Arial" panose="020B0604020202020204" pitchFamily="34" charset="0"/>
-                <a:cs typeface="Arial" panose="020B0604020202020204" pitchFamily="34" charset="0"/>
-              </a:rPr>
-              <a:t>Eher nicht defensiv oder „aber die und das“, sondern eher engagierend, aufbauend und Assoziationen auf andere Beiträge.</a:t>
-            </a:r>
-          </a:p>
-          <a:p>
-            <a:r>
-              <a:rPr lang="de-DE" sz="1600" dirty="0"/>
-              <a:t>Beachte die Verschiedenheit in der Klasse: Vorsichtigkeit mit Scherzen usw.  	</a:t>
-            </a:r>
-          </a:p>
-          <a:p>
-            <a:endParaRPr lang="de-DE" sz="1600" dirty="0"/>
-          </a:p>
-          <a:p>
-            <a:pPr lvl="1"/>
-            <a:endParaRPr lang="de-DE" sz="1600" dirty="0">
-              <a:latin typeface="Arial" panose="020B0604020202020204" pitchFamily="34" charset="0"/>
-              <a:cs typeface="Arial" panose="020B0604020202020204" pitchFamily="34" charset="0"/>
-            </a:endParaRPr>
+              <a:rPr lang="de-DE" sz="1800" dirty="0"/>
+              <a:t>Warum ist Allgemeine Didaktik wichtig für EW? </a:t>
+            </a:r>
+            <a:endParaRPr lang="en-US" sz="1800" dirty="0"/>
           </a:p>
         </p:txBody>
       </p:sp>
     </p:spTree>
     <p:extLst>
       <p:ext uri="{BB962C8B-B14F-4D97-AF65-F5344CB8AC3E}">
-        <p14:creationId xmlns:p14="http://schemas.microsoft.com/office/powerpoint/2010/main" val="10673750"/>
+        <p14:creationId xmlns:p14="http://schemas.microsoft.com/office/powerpoint/2010/main" val="1729630535"/>
       </p:ext>
     </p:extLst>
   </p:cSld>
@@ -7213,6 +7393,687 @@
 </file>
 
 <file path=ppt/slides/slide15.xml><?xml version="1.0" encoding="utf-8"?>
+<p:sld xmlns:a="http://schemas.openxmlformats.org/drawingml/2006/main" xmlns:r="http://schemas.openxmlformats.org/officeDocument/2006/relationships" xmlns:p="http://schemas.openxmlformats.org/presentationml/2006/main">
+  <p:cSld>
+    <p:spTree>
+      <p:nvGrpSpPr>
+        <p:cNvPr id="1" name=""/>
+        <p:cNvGrpSpPr/>
+        <p:nvPr/>
+      </p:nvGrpSpPr>
+      <p:grpSpPr>
+        <a:xfrm>
+          <a:off x="0" y="0"/>
+          <a:ext cx="0" cy="0"/>
+          <a:chOff x="0" y="0"/>
+          <a:chExt cx="0" cy="0"/>
+        </a:xfrm>
+      </p:grpSpPr>
+      <p:sp>
+        <p:nvSpPr>
+          <p:cNvPr id="2" name="Title 1">
+            <a:extLst>
+              <a:ext uri="{FF2B5EF4-FFF2-40B4-BE49-F238E27FC236}">
+                <a16:creationId xmlns:a16="http://schemas.microsoft.com/office/drawing/2014/main" id="{95952DCC-AE23-4D48-AFA2-2E8ACC682ABD}"/>
+              </a:ext>
+            </a:extLst>
+          </p:cNvPr>
+          <p:cNvSpPr>
+            <a:spLocks noGrp="1"/>
+          </p:cNvSpPr>
+          <p:nvPr>
+            <p:ph type="title"/>
+          </p:nvPr>
+        </p:nvSpPr>
+        <p:spPr/>
+        <p:txBody>
+          <a:bodyPr/>
+          <a:lstStyle/>
+          <a:p>
+            <a:r>
+              <a:rPr lang="en-US" dirty="0" err="1"/>
+              <a:t>Einf</a:t>
+            </a:r>
+            <a:r>
+              <a:rPr lang="de-DE" dirty="0"/>
+              <a:t>ü</a:t>
+            </a:r>
+            <a:r>
+              <a:rPr lang="en-US" dirty="0" err="1" smtClean="0"/>
+              <a:t>hrung</a:t>
+            </a:r>
+            <a:r>
+              <a:rPr lang="en-US" dirty="0" smtClean="0"/>
+              <a:t>: </a:t>
+            </a:r>
+            <a:r>
+              <a:rPr lang="de-DE" dirty="0"/>
+              <a:t>Allgemeine Didaktik </a:t>
+            </a:r>
+            <a:endParaRPr lang="en-US" dirty="0"/>
+          </a:p>
+        </p:txBody>
+      </p:sp>
+      <p:sp>
+        <p:nvSpPr>
+          <p:cNvPr id="3" name="Text Placeholder 2">
+            <a:extLst>
+              <a:ext uri="{FF2B5EF4-FFF2-40B4-BE49-F238E27FC236}">
+                <a16:creationId xmlns:a16="http://schemas.microsoft.com/office/drawing/2014/main" id="{A481241E-CD9B-4798-AD0A-F989EE6BE5CB}"/>
+              </a:ext>
+            </a:extLst>
+          </p:cNvPr>
+          <p:cNvSpPr>
+            <a:spLocks noGrp="1"/>
+          </p:cNvSpPr>
+          <p:nvPr>
+            <p:ph type="body" sz="quarter" idx="10"/>
+          </p:nvPr>
+        </p:nvSpPr>
+        <p:spPr>
+          <a:xfrm>
+            <a:off x="284177" y="1423201"/>
+            <a:ext cx="9145711" cy="3092765"/>
+          </a:xfrm>
+        </p:spPr>
+        <p:txBody>
+          <a:bodyPr/>
+          <a:lstStyle/>
+          <a:p>
+            <a:r>
+              <a:rPr lang="de-DE" sz="1800" dirty="0">
+                <a:solidFill>
+                  <a:schemeClr val="tx1"/>
+                </a:solidFill>
+              </a:rPr>
+              <a:t>Subjektive </a:t>
+            </a:r>
+            <a:r>
+              <a:rPr lang="de-DE" sz="1800" dirty="0">
+                <a:solidFill>
+                  <a:schemeClr val="tx1"/>
+                </a:solidFill>
+                <a:latin typeface="Arial" panose="020B0604020202020204" pitchFamily="34" charset="0"/>
+                <a:cs typeface="Arial" panose="020B0604020202020204" pitchFamily="34" charset="0"/>
+              </a:rPr>
+              <a:t>Wertentscheidungen</a:t>
+            </a:r>
+          </a:p>
+          <a:p>
+            <a:pPr lvl="1"/>
+            <a:r>
+              <a:rPr lang="de-DE" sz="1800" dirty="0">
+                <a:latin typeface="Arial" panose="020B0604020202020204" pitchFamily="34" charset="0"/>
+                <a:cs typeface="Arial" panose="020B0604020202020204" pitchFamily="34" charset="0"/>
+              </a:rPr>
+              <a:t>die Kunst, mit Lehre Bildung zu ermöglichen</a:t>
+            </a:r>
+          </a:p>
+          <a:p>
+            <a:r>
+              <a:rPr lang="de-DE" sz="1800" dirty="0">
+                <a:solidFill>
+                  <a:schemeClr val="tx1"/>
+                </a:solidFill>
+              </a:rPr>
+              <a:t>Allgemeine Didaktik != </a:t>
+            </a:r>
+            <a:r>
+              <a:rPr lang="de-DE" sz="1800" dirty="0" err="1">
+                <a:solidFill>
+                  <a:schemeClr val="tx1"/>
+                </a:solidFill>
+              </a:rPr>
+              <a:t>Instructional</a:t>
+            </a:r>
+            <a:r>
+              <a:rPr lang="de-DE" sz="1800" dirty="0">
+                <a:solidFill>
+                  <a:schemeClr val="tx1"/>
+                </a:solidFill>
+              </a:rPr>
+              <a:t> Design</a:t>
+            </a:r>
+          </a:p>
+          <a:p>
+            <a:r>
+              <a:rPr lang="de-DE" sz="1800" dirty="0">
+                <a:solidFill>
+                  <a:schemeClr val="tx1"/>
+                </a:solidFill>
+              </a:rPr>
+              <a:t>Nur Inhalt oder Inhalt und Methoden? </a:t>
+            </a:r>
+          </a:p>
+          <a:p>
+            <a:r>
+              <a:rPr lang="de-DE" sz="1800" dirty="0">
+                <a:solidFill>
+                  <a:schemeClr val="tx1"/>
+                </a:solidFill>
+              </a:rPr>
+              <a:t>Allgemeine Didaktik als Sündenbock?</a:t>
+            </a:r>
+          </a:p>
+          <a:p>
+            <a:pPr lvl="1"/>
+            <a:r>
+              <a:rPr lang="de-DE" sz="1800" dirty="0">
+                <a:latin typeface="Arial" panose="020B0604020202020204" pitchFamily="34" charset="0"/>
+                <a:cs typeface="Arial" panose="020B0604020202020204" pitchFamily="34" charset="0"/>
+              </a:rPr>
+              <a:t>Effektivität (Pisa), Praktikabilität (Alltag), Brauchbarkeit (zu viele Modelle)</a:t>
+            </a:r>
+          </a:p>
+        </p:txBody>
+      </p:sp>
+    </p:spTree>
+    <p:extLst>
+      <p:ext uri="{BB962C8B-B14F-4D97-AF65-F5344CB8AC3E}">
+        <p14:creationId xmlns:p14="http://schemas.microsoft.com/office/powerpoint/2010/main" val="459133199"/>
+      </p:ext>
+    </p:extLst>
+  </p:cSld>
+  <p:clrMapOvr>
+    <a:masterClrMapping/>
+  </p:clrMapOvr>
+</p:sld>
+</file>
+
+<file path=ppt/slides/slide16.xml><?xml version="1.0" encoding="utf-8"?>
+<p:sld xmlns:a="http://schemas.openxmlformats.org/drawingml/2006/main" xmlns:r="http://schemas.openxmlformats.org/officeDocument/2006/relationships" xmlns:p="http://schemas.openxmlformats.org/presentationml/2006/main">
+  <p:cSld>
+    <p:spTree>
+      <p:nvGrpSpPr>
+        <p:cNvPr id="1" name=""/>
+        <p:cNvGrpSpPr/>
+        <p:nvPr/>
+      </p:nvGrpSpPr>
+      <p:grpSpPr>
+        <a:xfrm>
+          <a:off x="0" y="0"/>
+          <a:ext cx="0" cy="0"/>
+          <a:chOff x="0" y="0"/>
+          <a:chExt cx="0" cy="0"/>
+        </a:xfrm>
+      </p:grpSpPr>
+      <p:sp>
+        <p:nvSpPr>
+          <p:cNvPr id="2" name="Title 1">
+            <a:extLst>
+              <a:ext uri="{FF2B5EF4-FFF2-40B4-BE49-F238E27FC236}">
+                <a16:creationId xmlns:a16="http://schemas.microsoft.com/office/drawing/2014/main" id="{18357738-F44C-4C14-A42F-8F481648CDC8}"/>
+              </a:ext>
+            </a:extLst>
+          </p:cNvPr>
+          <p:cNvSpPr>
+            <a:spLocks noGrp="1"/>
+          </p:cNvSpPr>
+          <p:nvPr>
+            <p:ph type="title"/>
+          </p:nvPr>
+        </p:nvSpPr>
+        <p:spPr>
+          <a:xfrm>
+            <a:off x="251520" y="771550"/>
+            <a:ext cx="8640960" cy="504056"/>
+          </a:xfrm>
+        </p:spPr>
+        <p:txBody>
+          <a:bodyPr/>
+          <a:lstStyle/>
+          <a:p>
+            <a:r>
+              <a:rPr lang="en-US" dirty="0" err="1" smtClean="0"/>
+              <a:t>Herausforderungen</a:t>
+            </a:r>
+            <a:r>
+              <a:rPr lang="en-US" dirty="0" smtClean="0"/>
+              <a:t>: </a:t>
+            </a:r>
+            <a:br>
+              <a:rPr lang="en-US" dirty="0" smtClean="0"/>
+            </a:br>
+            <a:r>
+              <a:rPr lang="en-US" dirty="0" err="1" smtClean="0"/>
+              <a:t>Algeimeine</a:t>
+            </a:r>
+            <a:r>
+              <a:rPr lang="en-US" dirty="0" smtClean="0"/>
+              <a:t> </a:t>
+            </a:r>
+            <a:r>
+              <a:rPr lang="en-US" dirty="0" err="1" smtClean="0"/>
+              <a:t>Didaktik</a:t>
+            </a:r>
+            <a:r>
+              <a:rPr lang="en-US" dirty="0"/>
+              <a:t/>
+            </a:r>
+            <a:br>
+              <a:rPr lang="en-US" dirty="0"/>
+            </a:br>
+            <a:endParaRPr lang="en-US" dirty="0"/>
+          </a:p>
+        </p:txBody>
+      </p:sp>
+      <p:sp>
+        <p:nvSpPr>
+          <p:cNvPr id="3" name="Text Placeholder 2">
+            <a:extLst>
+              <a:ext uri="{FF2B5EF4-FFF2-40B4-BE49-F238E27FC236}">
+                <a16:creationId xmlns:a16="http://schemas.microsoft.com/office/drawing/2014/main" id="{5DF59022-6921-4118-9C12-565B9E4BECB4}"/>
+              </a:ext>
+            </a:extLst>
+          </p:cNvPr>
+          <p:cNvSpPr>
+            <a:spLocks noGrp="1"/>
+          </p:cNvSpPr>
+          <p:nvPr>
+            <p:ph type="body" sz="quarter" idx="10"/>
+          </p:nvPr>
+        </p:nvSpPr>
+        <p:spPr>
+          <a:xfrm>
+            <a:off x="35496" y="1851943"/>
+            <a:ext cx="4372349" cy="3240087"/>
+          </a:xfrm>
+        </p:spPr>
+        <p:txBody>
+          <a:bodyPr/>
+          <a:lstStyle/>
+          <a:p>
+            <a:r>
+              <a:rPr lang="de-DE" sz="1400" dirty="0">
+                <a:solidFill>
+                  <a:schemeClr val="tx1"/>
+                </a:solidFill>
+              </a:rPr>
+              <a:t>Empirische Unterrichtsforschung (oder Lehr-Lernforschung / Educational </a:t>
+            </a:r>
+            <a:r>
+              <a:rPr lang="de-DE" sz="1400" dirty="0" err="1">
+                <a:solidFill>
+                  <a:schemeClr val="tx1"/>
+                </a:solidFill>
+              </a:rPr>
+              <a:t>Psychology</a:t>
+            </a:r>
+            <a:r>
+              <a:rPr lang="de-DE" sz="1400" dirty="0">
+                <a:solidFill>
+                  <a:schemeClr val="tx1"/>
+                </a:solidFill>
+              </a:rPr>
+              <a:t>)</a:t>
+            </a:r>
+          </a:p>
+          <a:p>
+            <a:pPr lvl="1"/>
+            <a:r>
+              <a:rPr lang="de-DE" sz="1400" dirty="0" err="1" smtClean="0">
+                <a:latin typeface="Arial" panose="020B0604020202020204" pitchFamily="34" charset="0"/>
+                <a:cs typeface="Arial" panose="020B0604020202020204" pitchFamily="34" charset="0"/>
+              </a:rPr>
+              <a:t>zB</a:t>
+            </a:r>
+            <a:r>
+              <a:rPr lang="de-DE" sz="1400" dirty="0" smtClean="0">
+                <a:latin typeface="Arial" panose="020B0604020202020204" pitchFamily="34" charset="0"/>
+                <a:cs typeface="Arial" panose="020B0604020202020204" pitchFamily="34" charset="0"/>
+              </a:rPr>
+              <a:t> Videostudien</a:t>
+            </a:r>
+          </a:p>
+          <a:p>
+            <a:pPr lvl="1"/>
+            <a:r>
+              <a:rPr lang="de-DE" sz="1400" dirty="0" smtClean="0">
+                <a:latin typeface="Arial" panose="020B0604020202020204" pitchFamily="34" charset="0"/>
+                <a:cs typeface="Arial" panose="020B0604020202020204" pitchFamily="34" charset="0"/>
+              </a:rPr>
+              <a:t>oft </a:t>
+            </a:r>
+            <a:r>
+              <a:rPr lang="de-DE" sz="1400" dirty="0">
+                <a:latin typeface="Arial" panose="020B0604020202020204" pitchFamily="34" charset="0"/>
+                <a:cs typeface="Arial" panose="020B0604020202020204" pitchFamily="34" charset="0"/>
+              </a:rPr>
+              <a:t>nur Korrelation statt Experiment</a:t>
+            </a:r>
+          </a:p>
+          <a:p>
+            <a:pPr lvl="1"/>
+            <a:r>
+              <a:rPr lang="de-DE" sz="1400" dirty="0">
+                <a:latin typeface="Arial" panose="020B0604020202020204" pitchFamily="34" charset="0"/>
+                <a:cs typeface="Arial" panose="020B0604020202020204" pitchFamily="34" charset="0"/>
+              </a:rPr>
+              <a:t>Ideal ist </a:t>
+            </a:r>
+            <a:r>
+              <a:rPr lang="de-DE" sz="1400" dirty="0" smtClean="0">
+                <a:latin typeface="Arial" panose="020B0604020202020204" pitchFamily="34" charset="0"/>
+                <a:cs typeface="Arial" panose="020B0604020202020204" pitchFamily="34" charset="0"/>
+              </a:rPr>
+              <a:t>klar</a:t>
+            </a:r>
+            <a:r>
+              <a:rPr lang="de-DE" sz="1400" dirty="0" smtClean="0">
+                <a:latin typeface="Arial" panose="020B0604020202020204" pitchFamily="34" charset="0"/>
+                <a:cs typeface="Arial" panose="020B0604020202020204" pitchFamily="34" charset="0"/>
+              </a:rPr>
+              <a:t>: sehe Tabelle</a:t>
+            </a:r>
+            <a:endParaRPr lang="de-DE" sz="1400" dirty="0">
+              <a:latin typeface="Arial" panose="020B0604020202020204" pitchFamily="34" charset="0"/>
+              <a:cs typeface="Arial" panose="020B0604020202020204" pitchFamily="34" charset="0"/>
+            </a:endParaRPr>
+          </a:p>
+          <a:p>
+            <a:pPr lvl="1"/>
+            <a:r>
+              <a:rPr lang="de-DE" sz="1400" dirty="0">
+                <a:latin typeface="Arial" panose="020B0604020202020204" pitchFamily="34" charset="0"/>
+                <a:cs typeface="Arial" panose="020B0604020202020204" pitchFamily="34" charset="0"/>
+              </a:rPr>
+              <a:t>Ziel: Realisierung </a:t>
+            </a:r>
+          </a:p>
+          <a:p>
+            <a:r>
+              <a:rPr lang="de-DE" sz="1400" dirty="0">
+                <a:solidFill>
+                  <a:schemeClr val="tx1"/>
+                </a:solidFill>
+              </a:rPr>
+              <a:t>Fachdidaktik</a:t>
+            </a:r>
+          </a:p>
+          <a:p>
+            <a:pPr lvl="1"/>
+            <a:r>
+              <a:rPr lang="de-DE" sz="1400" dirty="0">
+                <a:latin typeface="Arial" panose="020B0604020202020204" pitchFamily="34" charset="0"/>
+                <a:cs typeface="Arial" panose="020B0604020202020204" pitchFamily="34" charset="0"/>
+              </a:rPr>
+              <a:t>E.g. Science </a:t>
+            </a:r>
+            <a:r>
+              <a:rPr lang="de-DE" sz="1400" dirty="0" err="1">
+                <a:latin typeface="Arial" panose="020B0604020202020204" pitchFamily="34" charset="0"/>
+                <a:cs typeface="Arial" panose="020B0604020202020204" pitchFamily="34" charset="0"/>
+              </a:rPr>
+              <a:t>education</a:t>
+            </a:r>
+            <a:endParaRPr lang="de-DE" sz="1400" dirty="0">
+              <a:latin typeface="Arial" panose="020B0604020202020204" pitchFamily="34" charset="0"/>
+              <a:cs typeface="Arial" panose="020B0604020202020204" pitchFamily="34" charset="0"/>
+            </a:endParaRPr>
+          </a:p>
+          <a:p>
+            <a:r>
+              <a:rPr lang="de-DE" sz="1400" dirty="0">
+                <a:solidFill>
+                  <a:schemeClr val="tx1"/>
+                </a:solidFill>
+              </a:rPr>
+              <a:t>Neurodidaktik </a:t>
+            </a:r>
+          </a:p>
+          <a:p>
+            <a:r>
+              <a:rPr lang="de-DE" sz="1400" dirty="0">
+                <a:solidFill>
+                  <a:schemeClr val="tx1"/>
+                </a:solidFill>
+              </a:rPr>
+              <a:t>Lernen im Alltag </a:t>
+            </a:r>
+          </a:p>
+          <a:p>
+            <a:pPr lvl="1"/>
+            <a:endParaRPr lang="en-US" sz="1400" dirty="0">
+              <a:latin typeface="Arial" panose="020B0604020202020204" pitchFamily="34" charset="0"/>
+              <a:cs typeface="Arial" panose="020B0604020202020204" pitchFamily="34" charset="0"/>
+            </a:endParaRPr>
+          </a:p>
+        </p:txBody>
+      </p:sp>
+      <p:pic>
+        <p:nvPicPr>
+          <p:cNvPr id="4" name="Picture 4">
+            <a:extLst>
+              <a:ext uri="{FF2B5EF4-FFF2-40B4-BE49-F238E27FC236}">
+                <a16:creationId xmlns:a16="http://schemas.microsoft.com/office/drawing/2014/main" id="{881CCF1F-2A25-4D6C-B948-5622121DF946}"/>
+              </a:ext>
+            </a:extLst>
+          </p:cNvPr>
+          <p:cNvPicPr>
+            <a:picLocks noChangeAspect="1"/>
+          </p:cNvPicPr>
+          <p:nvPr/>
+        </p:nvPicPr>
+        <p:blipFill>
+          <a:blip r:embed="rId2"/>
+          <a:stretch>
+            <a:fillRect/>
+          </a:stretch>
+        </p:blipFill>
+        <p:spPr>
+          <a:xfrm>
+            <a:off x="4407845" y="631782"/>
+            <a:ext cx="4700659" cy="4460248"/>
+          </a:xfrm>
+          <a:prstGeom prst="rect">
+            <a:avLst/>
+          </a:prstGeom>
+        </p:spPr>
+      </p:pic>
+    </p:spTree>
+    <p:extLst>
+      <p:ext uri="{BB962C8B-B14F-4D97-AF65-F5344CB8AC3E}">
+        <p14:creationId xmlns:p14="http://schemas.microsoft.com/office/powerpoint/2010/main" val="2389329266"/>
+      </p:ext>
+    </p:extLst>
+  </p:cSld>
+  <p:clrMapOvr>
+    <a:masterClrMapping/>
+  </p:clrMapOvr>
+</p:sld>
+</file>
+
+<file path=ppt/slides/slide17.xml><?xml version="1.0" encoding="utf-8"?>
+<p:sld xmlns:a="http://schemas.openxmlformats.org/drawingml/2006/main" xmlns:r="http://schemas.openxmlformats.org/officeDocument/2006/relationships" xmlns:p="http://schemas.openxmlformats.org/presentationml/2006/main">
+  <p:cSld>
+    <p:spTree>
+      <p:nvGrpSpPr>
+        <p:cNvPr id="1" name=""/>
+        <p:cNvGrpSpPr/>
+        <p:nvPr/>
+      </p:nvGrpSpPr>
+      <p:grpSpPr>
+        <a:xfrm>
+          <a:off x="0" y="0"/>
+          <a:ext cx="0" cy="0"/>
+          <a:chOff x="0" y="0"/>
+          <a:chExt cx="0" cy="0"/>
+        </a:xfrm>
+      </p:grpSpPr>
+      <p:sp>
+        <p:nvSpPr>
+          <p:cNvPr id="2" name="Title 1">
+            <a:extLst>
+              <a:ext uri="{FF2B5EF4-FFF2-40B4-BE49-F238E27FC236}">
+                <a16:creationId xmlns:a16="http://schemas.microsoft.com/office/drawing/2014/main" id="{DA1188AE-B668-4AFF-96BE-853DCCB85C72}"/>
+              </a:ext>
+            </a:extLst>
+          </p:cNvPr>
+          <p:cNvSpPr>
+            <a:spLocks noGrp="1"/>
+          </p:cNvSpPr>
+          <p:nvPr>
+            <p:ph type="title"/>
+          </p:nvPr>
+        </p:nvSpPr>
+        <p:spPr/>
+        <p:txBody>
+          <a:bodyPr/>
+          <a:lstStyle/>
+          <a:p>
+            <a:r>
+              <a:rPr lang="de-DE" sz="2800" dirty="0" smtClean="0"/>
+              <a:t>Herausforderungen: Empirische </a:t>
+            </a:r>
+            <a:r>
+              <a:rPr lang="de-DE" sz="2800" dirty="0"/>
+              <a:t>Unterrichtsforschung </a:t>
+            </a:r>
+            <a:br>
+              <a:rPr lang="de-DE" sz="2800" dirty="0"/>
+            </a:br>
+            <a:endParaRPr lang="de-DE" sz="2800" dirty="0"/>
+          </a:p>
+        </p:txBody>
+      </p:sp>
+      <p:sp>
+        <p:nvSpPr>
+          <p:cNvPr id="3" name="Text Placeholder 2">
+            <a:extLst>
+              <a:ext uri="{FF2B5EF4-FFF2-40B4-BE49-F238E27FC236}">
+                <a16:creationId xmlns:a16="http://schemas.microsoft.com/office/drawing/2014/main" id="{8A3EDD97-4A0C-40A1-82BC-4F8B13BB42C8}"/>
+              </a:ext>
+            </a:extLst>
+          </p:cNvPr>
+          <p:cNvSpPr>
+            <a:spLocks noGrp="1"/>
+          </p:cNvSpPr>
+          <p:nvPr>
+            <p:ph type="body" sz="quarter" idx="10"/>
+          </p:nvPr>
+        </p:nvSpPr>
+        <p:spPr/>
+        <p:txBody>
+          <a:bodyPr/>
+          <a:lstStyle/>
+          <a:p>
+            <a:pPr>
+              <a:buFont typeface="+mj-lt"/>
+              <a:buAutoNum type="arabicPeriod"/>
+            </a:pPr>
+            <a:r>
+              <a:rPr lang="de-DE" sz="1600" dirty="0"/>
+              <a:t>Lehr-Lernaspekten dominieren Interaktions- und Sozialisationsaspekt</a:t>
+            </a:r>
+          </a:p>
+          <a:p>
+            <a:pPr>
+              <a:buFont typeface="+mj-lt"/>
+              <a:buAutoNum type="arabicPeriod"/>
+            </a:pPr>
+            <a:r>
+              <a:rPr lang="de-DE" sz="1600" dirty="0"/>
+              <a:t>Angebot-Nutzungs-Modell (Mitverantwortung) vs. Selbsttätigkeit</a:t>
+            </a:r>
+          </a:p>
+          <a:p>
+            <a:pPr>
+              <a:buFont typeface="+mj-lt"/>
+              <a:buAutoNum type="arabicPeriod"/>
+            </a:pPr>
+            <a:r>
+              <a:rPr lang="de-DE" sz="1600" dirty="0"/>
+              <a:t>Wenig zu allgemeine Elemente von Unterricht, eher Fachdidaktisch</a:t>
+            </a:r>
+          </a:p>
+          <a:p>
+            <a:pPr>
+              <a:buFont typeface="+mj-lt"/>
+              <a:buAutoNum type="arabicPeriod"/>
+            </a:pPr>
+            <a:r>
+              <a:rPr lang="de-DE" sz="1600" dirty="0"/>
+              <a:t>Keine </a:t>
+            </a:r>
+            <a:r>
+              <a:rPr lang="de-DE" sz="1600" i="1" dirty="0"/>
+              <a:t>eine </a:t>
+            </a:r>
+            <a:r>
+              <a:rPr lang="de-DE" sz="1600" i="1" dirty="0" err="1"/>
+              <a:t>ware</a:t>
+            </a:r>
+            <a:r>
+              <a:rPr lang="de-DE" sz="1600" i="1" dirty="0"/>
+              <a:t> Methode: konstruktivistisch, </a:t>
+            </a:r>
+            <a:r>
+              <a:rPr lang="de-DE" sz="1600" i="1" dirty="0" err="1"/>
+              <a:t>instruktional</a:t>
+            </a:r>
+            <a:r>
+              <a:rPr lang="de-DE" sz="1600" i="1" dirty="0"/>
+              <a:t>, etc. </a:t>
+            </a:r>
+          </a:p>
+          <a:p>
+            <a:pPr>
+              <a:buFont typeface="+mj-lt"/>
+              <a:buAutoNum type="arabicPeriod"/>
+            </a:pPr>
+            <a:r>
+              <a:rPr lang="de-DE" sz="1600" dirty="0"/>
+              <a:t>Beitrag des Lehrerhandelns? (cf. Vorwissen)</a:t>
+            </a:r>
+          </a:p>
+          <a:p>
+            <a:pPr>
+              <a:buFont typeface="+mj-lt"/>
+              <a:buAutoNum type="arabicPeriod"/>
+            </a:pPr>
+            <a:r>
+              <a:rPr lang="de-DE" sz="1600" dirty="0" err="1"/>
+              <a:t>Engfuehrung</a:t>
+            </a:r>
+            <a:r>
+              <a:rPr lang="de-DE" sz="1600" dirty="0"/>
+              <a:t>: Bildungsforschung als Pädagogische Psychologie</a:t>
+            </a:r>
+          </a:p>
+          <a:p>
+            <a:pPr marL="0" indent="0">
+              <a:buNone/>
+            </a:pPr>
+            <a:endParaRPr lang="de-DE" sz="1600" dirty="0"/>
+          </a:p>
+          <a:p>
+            <a:pPr marL="0" indent="0">
+              <a:buNone/>
+            </a:pPr>
+            <a:r>
+              <a:rPr lang="de-DE" sz="1600" dirty="0"/>
+              <a:t>Fazit: „Zwei fremde Schwester“</a:t>
+            </a:r>
+          </a:p>
+          <a:p>
+            <a:endParaRPr lang="de-DE" sz="1800" dirty="0"/>
+          </a:p>
+        </p:txBody>
+      </p:sp>
+    </p:spTree>
+    <p:extLst>
+      <p:ext uri="{BB962C8B-B14F-4D97-AF65-F5344CB8AC3E}">
+        <p14:creationId xmlns:p14="http://schemas.microsoft.com/office/powerpoint/2010/main" val="4170653433"/>
+      </p:ext>
+    </p:extLst>
+  </p:cSld>
+  <p:clrMapOvr>
+    <a:masterClrMapping/>
+  </p:clrMapOvr>
+</p:sld>
+</file>
+
+<file path=ppt/slides/slide18.xml><?xml version="1.0" encoding="utf-8"?>
 <p:sld xmlns:a="http://schemas.openxmlformats.org/drawingml/2006/main" xmlns:r="http://schemas.openxmlformats.org/officeDocument/2006/relationships" xmlns:p="http://schemas.openxmlformats.org/presentationml/2006/main">
   <p:cSld>
     <p:spTree>
@@ -7279,6 +8140,60 @@
           <a:lstStyle/>
           <a:p>
             <a:r>
+              <a:rPr lang="de-DE" sz="1600" dirty="0" smtClean="0"/>
+              <a:t>„Forschungsfrage“ einleiten und diskutieren</a:t>
+            </a:r>
+          </a:p>
+          <a:p>
+            <a:r>
+              <a:rPr lang="de-DE" sz="1600" dirty="0" smtClean="0"/>
+              <a:t>kurze </a:t>
+            </a:r>
+            <a:r>
+              <a:rPr lang="de-DE" sz="1600" dirty="0"/>
+              <a:t>Textabschnitte </a:t>
+            </a:r>
+            <a:r>
+              <a:rPr lang="de-DE" sz="1600" dirty="0" smtClean="0"/>
+              <a:t>(ungefähr eine halbe oder ganze Seite </a:t>
+            </a:r>
+            <a:r>
+              <a:rPr lang="de-DE" sz="1600" dirty="0"/>
+              <a:t>pro </a:t>
+            </a:r>
+            <a:r>
+              <a:rPr lang="de-DE" sz="1600" dirty="0" smtClean="0"/>
+              <a:t>Woche)</a:t>
+            </a:r>
+          </a:p>
+          <a:p>
+            <a:r>
+              <a:rPr lang="de-DE" sz="1600" dirty="0"/>
+              <a:t>Zitate, Verweisungen, Abschnitte, ‚Struktur‘, etc. sind hilfreich</a:t>
+            </a:r>
+          </a:p>
+          <a:p>
+            <a:r>
+              <a:rPr lang="de-DE" sz="1600" dirty="0" smtClean="0"/>
+              <a:t>Begriffe </a:t>
+            </a:r>
+            <a:r>
+              <a:rPr lang="de-DE" sz="1600" dirty="0"/>
+              <a:t>nachschlagen (z.B. Falsifikationsprinzip)</a:t>
+            </a:r>
+          </a:p>
+          <a:p>
+            <a:r>
+              <a:rPr lang="de-DE" sz="1600" dirty="0"/>
+              <a:t>Fragen im Forum </a:t>
+            </a:r>
+            <a:r>
+              <a:rPr lang="de-DE" sz="1600" dirty="0" smtClean="0"/>
+              <a:t>stellen oder per Email </a:t>
+            </a:r>
+          </a:p>
+          <a:p>
+            <a:r>
               <a:rPr lang="de-DE" sz="1600" dirty="0" err="1"/>
               <a:t>Fuer</a:t>
             </a:r>
@@ -7306,37 +8221,10 @@
             <a:endParaRPr lang="de-DE" sz="1600" dirty="0"/>
           </a:p>
           <a:p>
-            <a:r>
-              <a:rPr lang="de-DE" sz="1600" dirty="0"/>
-              <a:t>Begriffe nachschlagen (z.B. Falsifikationsprinzip)</a:t>
-            </a:r>
-          </a:p>
-          <a:p>
-            <a:r>
-              <a:rPr lang="de-DE" sz="1600" dirty="0"/>
-              <a:t>Fragen im Forum stellen</a:t>
-            </a:r>
-          </a:p>
-          <a:p>
-            <a:r>
-              <a:rPr lang="de-DE" sz="1600" dirty="0"/>
-              <a:t>Hinweise sind hilfreich</a:t>
-            </a:r>
-          </a:p>
-          <a:p>
-            <a:r>
-              <a:rPr lang="de-DE" sz="1600" dirty="0"/>
-              <a:t>„Forschungsfrage“ einleiten und diskutieren</a:t>
-            </a:r>
-          </a:p>
-          <a:p>
-            <a:r>
-              <a:rPr lang="de-DE" sz="1600" dirty="0"/>
-              <a:t>kurze Textabschnitte (+/- 3/4 Seite pro Woche)</a:t>
-            </a:r>
-          </a:p>
-          <a:p>
-            <a:endParaRPr lang="de-DE" dirty="0"/>
+            <a:endParaRPr lang="de-DE" sz="1600" dirty="0"/>
+          </a:p>
+          <a:p>
+            <a:endParaRPr lang="de-DE" dirty="0" smtClean="0"/>
           </a:p>
           <a:p>
             <a:endParaRPr lang="de-DE" dirty="0"/>
@@ -7347,524 +8235,6 @@
     <p:extLst>
       <p:ext uri="{BB962C8B-B14F-4D97-AF65-F5344CB8AC3E}">
         <p14:creationId xmlns:p14="http://schemas.microsoft.com/office/powerpoint/2010/main" val="1981282875"/>
-      </p:ext>
-    </p:extLst>
-  </p:cSld>
-  <p:clrMapOvr>
-    <a:masterClrMapping/>
-  </p:clrMapOvr>
-</p:sld>
-</file>
-
-<file path=ppt/slides/slide16.xml><?xml version="1.0" encoding="utf-8"?>
-<p:sld xmlns:a="http://schemas.openxmlformats.org/drawingml/2006/main" xmlns:r="http://schemas.openxmlformats.org/officeDocument/2006/relationships" xmlns:p="http://schemas.openxmlformats.org/presentationml/2006/main">
-  <p:cSld>
-    <p:spTree>
-      <p:nvGrpSpPr>
-        <p:cNvPr id="1" name=""/>
-        <p:cNvGrpSpPr/>
-        <p:nvPr/>
-      </p:nvGrpSpPr>
-      <p:grpSpPr>
-        <a:xfrm>
-          <a:off x="0" y="0"/>
-          <a:ext cx="0" cy="0"/>
-          <a:chOff x="0" y="0"/>
-          <a:chExt cx="0" cy="0"/>
-        </a:xfrm>
-      </p:grpSpPr>
-      <p:sp>
-        <p:nvSpPr>
-          <p:cNvPr id="2" name="Title 1">
-            <a:extLst>
-              <a:ext uri="{FF2B5EF4-FFF2-40B4-BE49-F238E27FC236}">
-                <a16:creationId xmlns:a16="http://schemas.microsoft.com/office/drawing/2014/main" id="{515AF5E9-CAB2-4C7F-81C5-8452FF33B1A1}"/>
-              </a:ext>
-            </a:extLst>
-          </p:cNvPr>
-          <p:cNvSpPr>
-            <a:spLocks noGrp="1"/>
-          </p:cNvSpPr>
-          <p:nvPr>
-            <p:ph type="title"/>
-          </p:nvPr>
-        </p:nvSpPr>
-        <p:spPr/>
-        <p:txBody>
-          <a:bodyPr/>
-          <a:lstStyle/>
-          <a:p>
-            <a:r>
-              <a:rPr lang="de-DE" dirty="0"/>
-              <a:t>Portfolio - Bewertung</a:t>
-            </a:r>
-          </a:p>
-        </p:txBody>
-      </p:sp>
-      <p:sp>
-        <p:nvSpPr>
-          <p:cNvPr id="3" name="Text Placeholder 2">
-            <a:extLst>
-              <a:ext uri="{FF2B5EF4-FFF2-40B4-BE49-F238E27FC236}">
-                <a16:creationId xmlns:a16="http://schemas.microsoft.com/office/drawing/2014/main" id="{26CBE277-73BF-4BAB-B6E0-E795F46EE4F9}"/>
-              </a:ext>
-            </a:extLst>
-          </p:cNvPr>
-          <p:cNvSpPr>
-            <a:spLocks noGrp="1"/>
-          </p:cNvSpPr>
-          <p:nvPr>
-            <p:ph type="body" sz="quarter" idx="10"/>
-          </p:nvPr>
-        </p:nvSpPr>
-        <p:spPr/>
-        <p:txBody>
-          <a:bodyPr/>
-          <a:lstStyle/>
-          <a:p>
-            <a:pPr marL="0" indent="0">
-              <a:buNone/>
-            </a:pPr>
-            <a:r>
-              <a:rPr lang="de-DE" sz="1200" dirty="0"/>
-              <a:t>Das Portfolio (laut Modulhandbuch S. 3)</a:t>
-            </a:r>
-          </a:p>
-          <a:p>
-            <a:r>
-              <a:rPr lang="de-DE" sz="1200" dirty="0"/>
-              <a:t>dokumentiert das Gelernte:</a:t>
-            </a:r>
-          </a:p>
-          <a:p>
-            <a:pPr lvl="1"/>
-            <a:r>
-              <a:rPr lang="de-DE" sz="1200" b="1" dirty="0">
-                <a:latin typeface="Arial" panose="020B0604020202020204" pitchFamily="34" charset="0"/>
-                <a:cs typeface="Arial" panose="020B0604020202020204" pitchFamily="34" charset="0"/>
-              </a:rPr>
-              <a:t>Reflexionen </a:t>
-            </a:r>
-            <a:r>
-              <a:rPr lang="de-DE" sz="1200" dirty="0">
-                <a:latin typeface="Arial" panose="020B0604020202020204" pitchFamily="34" charset="0"/>
-                <a:cs typeface="Arial" panose="020B0604020202020204" pitchFamily="34" charset="0"/>
-              </a:rPr>
-              <a:t>über die Lernarbeit und die - Lernwege, </a:t>
-            </a:r>
-          </a:p>
-          <a:p>
-            <a:pPr lvl="1"/>
-            <a:r>
-              <a:rPr lang="de-DE" sz="1200" dirty="0">
-                <a:latin typeface="Arial" panose="020B0604020202020204" pitchFamily="34" charset="0"/>
-                <a:cs typeface="Arial" panose="020B0604020202020204" pitchFamily="34" charset="0"/>
-              </a:rPr>
-              <a:t>Ergebnisse in Relation zu den angestrebten </a:t>
-            </a:r>
-            <a:r>
-              <a:rPr lang="de-DE" sz="1200" b="1" dirty="0">
-                <a:latin typeface="Arial" panose="020B0604020202020204" pitchFamily="34" charset="0"/>
-                <a:cs typeface="Arial" panose="020B0604020202020204" pitchFamily="34" charset="0"/>
-              </a:rPr>
-              <a:t>Kompetenzen</a:t>
-            </a:r>
-            <a:r>
-              <a:rPr lang="de-DE" sz="1200" dirty="0">
-                <a:latin typeface="Arial" panose="020B0604020202020204" pitchFamily="34" charset="0"/>
-                <a:cs typeface="Arial" panose="020B0604020202020204" pitchFamily="34" charset="0"/>
-              </a:rPr>
-              <a:t>.</a:t>
-            </a:r>
-          </a:p>
-          <a:p>
-            <a:r>
-              <a:rPr lang="de-DE" sz="1200" dirty="0"/>
-              <a:t>fokussiert auf Veränderungen im Wissens- und im </a:t>
-            </a:r>
-            <a:r>
-              <a:rPr lang="de-DE" sz="1200" b="1" dirty="0"/>
-              <a:t>Kompetenzzuwachs</a:t>
-            </a:r>
-            <a:r>
-              <a:rPr lang="de-DE" sz="1200" dirty="0"/>
-              <a:t>.</a:t>
-            </a:r>
-          </a:p>
-          <a:p>
-            <a:pPr marL="0" indent="0">
-              <a:buNone/>
-            </a:pPr>
-            <a:endParaRPr lang="de-DE" sz="1200" dirty="0"/>
-          </a:p>
-          <a:p>
-            <a:pPr marL="0" indent="0">
-              <a:buNone/>
-            </a:pPr>
-            <a:r>
-              <a:rPr lang="de-DE" sz="1200" dirty="0"/>
-              <a:t>Kompetenzen</a:t>
-            </a:r>
-            <a:r>
-              <a:rPr lang="de-DE" sz="1200" b="1" dirty="0"/>
-              <a:t> </a:t>
-            </a:r>
-            <a:r>
-              <a:rPr lang="de-DE" sz="1200" dirty="0"/>
-              <a:t>(laut Modulhandbuch S. 11):  </a:t>
-            </a:r>
-            <a:endParaRPr lang="de-DE" sz="1200" b="1" dirty="0"/>
-          </a:p>
-          <a:p>
-            <a:pPr marL="0" indent="0">
-              <a:buNone/>
-            </a:pPr>
-            <a:r>
-              <a:rPr lang="de-DE" sz="1200" dirty="0"/>
-              <a:t>Die Studierenden erwerben grundlegende didaktische Kompetenzen im Sinn der Fähigkeit zur </a:t>
-            </a:r>
-            <a:r>
-              <a:rPr lang="de-DE" sz="1200" b="1" dirty="0"/>
-              <a:t>Analyse</a:t>
-            </a:r>
-            <a:r>
-              <a:rPr lang="de-DE" sz="1200" dirty="0"/>
-              <a:t> von Lernsituationen, der </a:t>
-            </a:r>
-            <a:r>
-              <a:rPr lang="de-DE" sz="1200" b="1" dirty="0"/>
-              <a:t>Anwendung</a:t>
-            </a:r>
-            <a:r>
-              <a:rPr lang="de-DE" sz="1200" dirty="0"/>
-              <a:t> von didaktischen Modellen und der </a:t>
-            </a:r>
-            <a:r>
-              <a:rPr lang="de-DE" sz="1200" b="1" dirty="0"/>
-              <a:t>Gestaltung</a:t>
-            </a:r>
-            <a:r>
-              <a:rPr lang="de-DE" sz="1200" dirty="0"/>
-              <a:t> von didaktischen Arrangements, können diesen Arrangements die passenden Vermittlungsmethoden zuordnen und </a:t>
-            </a:r>
-            <a:r>
-              <a:rPr lang="de-DE" sz="1200" b="1" dirty="0"/>
-              <a:t>Umsetzen</a:t>
-            </a:r>
-          </a:p>
-          <a:p>
-            <a:endParaRPr lang="de-DE" sz="1200" dirty="0"/>
-          </a:p>
-          <a:p>
-            <a:endParaRPr lang="de-DE" sz="1200" dirty="0"/>
-          </a:p>
-        </p:txBody>
-      </p:sp>
-    </p:spTree>
-    <p:extLst>
-      <p:ext uri="{BB962C8B-B14F-4D97-AF65-F5344CB8AC3E}">
-        <p14:creationId xmlns:p14="http://schemas.microsoft.com/office/powerpoint/2010/main" val="344013170"/>
-      </p:ext>
-    </p:extLst>
-  </p:cSld>
-  <p:clrMapOvr>
-    <a:masterClrMapping/>
-  </p:clrMapOvr>
-</p:sld>
-</file>
-
-<file path=ppt/slides/slide17.xml><?xml version="1.0" encoding="utf-8"?>
-<p:sld xmlns:a="http://schemas.openxmlformats.org/drawingml/2006/main" xmlns:r="http://schemas.openxmlformats.org/officeDocument/2006/relationships" xmlns:p="http://schemas.openxmlformats.org/presentationml/2006/main">
-  <p:cSld>
-    <p:spTree>
-      <p:nvGrpSpPr>
-        <p:cNvPr id="1" name=""/>
-        <p:cNvGrpSpPr/>
-        <p:nvPr/>
-      </p:nvGrpSpPr>
-      <p:grpSpPr>
-        <a:xfrm>
-          <a:off x="0" y="0"/>
-          <a:ext cx="0" cy="0"/>
-          <a:chOff x="0" y="0"/>
-          <a:chExt cx="0" cy="0"/>
-        </a:xfrm>
-      </p:grpSpPr>
-      <p:sp>
-        <p:nvSpPr>
-          <p:cNvPr id="2" name="Title 1">
-            <a:extLst>
-              <a:ext uri="{FF2B5EF4-FFF2-40B4-BE49-F238E27FC236}">
-                <a16:creationId xmlns:a16="http://schemas.microsoft.com/office/drawing/2014/main" id="{1BE5A66C-7453-4629-A430-0CB2263B3E8B}"/>
-              </a:ext>
-            </a:extLst>
-          </p:cNvPr>
-          <p:cNvSpPr>
-            <a:spLocks noGrp="1"/>
-          </p:cNvSpPr>
-          <p:nvPr>
-            <p:ph type="title"/>
-          </p:nvPr>
-        </p:nvSpPr>
-        <p:spPr/>
-        <p:txBody>
-          <a:bodyPr/>
-          <a:lstStyle/>
-          <a:p>
-            <a:r>
-              <a:rPr lang="en-US" dirty="0"/>
-              <a:t>Aufgabe</a:t>
-            </a:r>
-          </a:p>
-        </p:txBody>
-      </p:sp>
-      <p:sp>
-        <p:nvSpPr>
-          <p:cNvPr id="3" name="Text Placeholder 2">
-            <a:extLst>
-              <a:ext uri="{FF2B5EF4-FFF2-40B4-BE49-F238E27FC236}">
-                <a16:creationId xmlns:a16="http://schemas.microsoft.com/office/drawing/2014/main" id="{FAE2C1EB-BC72-4C66-87E9-036814A9F75C}"/>
-              </a:ext>
-            </a:extLst>
-          </p:cNvPr>
-          <p:cNvSpPr>
-            <a:spLocks noGrp="1"/>
-          </p:cNvSpPr>
-          <p:nvPr>
-            <p:ph type="body" sz="quarter" idx="10"/>
-          </p:nvPr>
-        </p:nvSpPr>
-        <p:spPr/>
-        <p:txBody>
-          <a:bodyPr/>
-          <a:lstStyle/>
-          <a:p>
-            <a:pPr>
-              <a:buFont typeface="+mj-lt"/>
-              <a:buAutoNum type="arabicPeriod"/>
-            </a:pPr>
-            <a:r>
-              <a:rPr lang="de-DE" sz="1400" dirty="0"/>
-              <a:t>Stellen Sie sich folgende Frage (15 min): </a:t>
-            </a:r>
-          </a:p>
-          <a:p>
-            <a:pPr lvl="1"/>
-            <a:r>
-              <a:rPr lang="de-DE" sz="1600" dirty="0"/>
-              <a:t>Wann haben Sie in Ihrem Leben etwas nachhaltig gelernt und was war das? </a:t>
-            </a:r>
-          </a:p>
-          <a:p>
-            <a:pPr lvl="1"/>
-            <a:r>
-              <a:rPr lang="de-DE" sz="1600" dirty="0"/>
-              <a:t>Was haben Sie dabei gelernt? </a:t>
-            </a:r>
-          </a:p>
-          <a:p>
-            <a:pPr lvl="1"/>
-            <a:r>
-              <a:rPr lang="de-DE" sz="1600" dirty="0"/>
-              <a:t>In welcher Situation? </a:t>
-            </a:r>
-          </a:p>
-          <a:p>
-            <a:pPr lvl="1"/>
-            <a:r>
-              <a:rPr lang="de-DE" sz="1600" dirty="0"/>
-              <a:t>Warum glauben Sie, dass Sie das behalten haben? </a:t>
-            </a:r>
-          </a:p>
-          <a:p>
-            <a:pPr lvl="1"/>
-            <a:r>
-              <a:rPr lang="de-DE" sz="1600" dirty="0"/>
-              <a:t>Was hat dazu beigetragen? </a:t>
-            </a:r>
-          </a:p>
-          <a:p>
-            <a:pPr>
-              <a:buFont typeface="+mj-lt"/>
-              <a:buAutoNum type="arabicPeriod"/>
-            </a:pPr>
-            <a:r>
-              <a:rPr lang="de-DE" sz="1400" dirty="0"/>
-              <a:t>Schreiben Sie bitte in drei oder vier Sätzen auf, was ein nachhaltiges Lernerlebnis für Sie war. </a:t>
-            </a:r>
-          </a:p>
-          <a:p>
-            <a:pPr>
-              <a:buFont typeface="+mj-lt"/>
-              <a:buAutoNum type="arabicPeriod"/>
-            </a:pPr>
-            <a:r>
-              <a:rPr lang="de-DE" sz="1400" dirty="0"/>
-              <a:t>Tauschen Sie sich mit ihre Nachbarn aus. </a:t>
-            </a:r>
-          </a:p>
-          <a:p>
-            <a:pPr>
-              <a:buFont typeface="+mj-lt"/>
-              <a:buAutoNum type="arabicPeriod"/>
-            </a:pPr>
-            <a:r>
-              <a:rPr lang="de-DE" sz="1400" dirty="0"/>
-              <a:t>Tauschen Sie sich in eine kleine Gruppe aus. </a:t>
-            </a:r>
-          </a:p>
-          <a:p>
-            <a:pPr>
-              <a:buFont typeface="+mj-lt"/>
-              <a:buAutoNum type="arabicPeriod"/>
-            </a:pPr>
-            <a:r>
-              <a:rPr lang="de-DE" sz="1400" dirty="0"/>
-              <a:t>Lassen sich Ähnlichkeiten erkennen, die bei mehreren Erzählungen auftauchen?</a:t>
-            </a:r>
-          </a:p>
-          <a:p>
-            <a:pPr>
-              <a:buFont typeface="+mj-lt"/>
-              <a:buAutoNum type="arabicPeriod"/>
-            </a:pPr>
-            <a:endParaRPr lang="en-US" sz="1400" dirty="0"/>
-          </a:p>
-        </p:txBody>
-      </p:sp>
-    </p:spTree>
-    <p:extLst>
-      <p:ext uri="{BB962C8B-B14F-4D97-AF65-F5344CB8AC3E}">
-        <p14:creationId xmlns:p14="http://schemas.microsoft.com/office/powerpoint/2010/main" val="65150770"/>
-      </p:ext>
-    </p:extLst>
-  </p:cSld>
-  <p:clrMapOvr>
-    <a:masterClrMapping/>
-  </p:clrMapOvr>
-</p:sld>
-</file>
-
-<file path=ppt/slides/slide18.xml><?xml version="1.0" encoding="utf-8"?>
-<p:sld xmlns:a="http://schemas.openxmlformats.org/drawingml/2006/main" xmlns:r="http://schemas.openxmlformats.org/officeDocument/2006/relationships" xmlns:p="http://schemas.openxmlformats.org/presentationml/2006/main">
-  <p:cSld>
-    <p:spTree>
-      <p:nvGrpSpPr>
-        <p:cNvPr id="1" name=""/>
-        <p:cNvGrpSpPr/>
-        <p:nvPr/>
-      </p:nvGrpSpPr>
-      <p:grpSpPr>
-        <a:xfrm>
-          <a:off x="0" y="0"/>
-          <a:ext cx="0" cy="0"/>
-          <a:chOff x="0" y="0"/>
-          <a:chExt cx="0" cy="0"/>
-        </a:xfrm>
-      </p:grpSpPr>
-      <p:sp>
-        <p:nvSpPr>
-          <p:cNvPr id="2" name="Title 1">
-            <a:extLst>
-              <a:ext uri="{FF2B5EF4-FFF2-40B4-BE49-F238E27FC236}">
-                <a16:creationId xmlns:a16="http://schemas.microsoft.com/office/drawing/2014/main" id="{B06CDD47-62E6-4F62-A7CE-3BB49DC58DEA}"/>
-              </a:ext>
-            </a:extLst>
-          </p:cNvPr>
-          <p:cNvSpPr>
-            <a:spLocks noGrp="1"/>
-          </p:cNvSpPr>
-          <p:nvPr>
-            <p:ph type="title"/>
-          </p:nvPr>
-        </p:nvSpPr>
-        <p:spPr/>
-        <p:txBody>
-          <a:bodyPr/>
-          <a:lstStyle/>
-          <a:p>
-            <a:r>
-              <a:rPr lang="de-DE" dirty="0"/>
-              <a:t>Gibt es Kriterien des nachhaltigen Lernens?</a:t>
-            </a:r>
-            <a:endParaRPr lang="en-US" dirty="0"/>
-          </a:p>
-        </p:txBody>
-      </p:sp>
-      <p:sp>
-        <p:nvSpPr>
-          <p:cNvPr id="3" name="Text Placeholder 2">
-            <a:extLst>
-              <a:ext uri="{FF2B5EF4-FFF2-40B4-BE49-F238E27FC236}">
-                <a16:creationId xmlns:a16="http://schemas.microsoft.com/office/drawing/2014/main" id="{6E7CDF61-4A2F-44D3-A5ED-BE34B3145903}"/>
-              </a:ext>
-            </a:extLst>
-          </p:cNvPr>
-          <p:cNvSpPr>
-            <a:spLocks noGrp="1"/>
-          </p:cNvSpPr>
-          <p:nvPr>
-            <p:ph type="body" sz="quarter" idx="10"/>
-          </p:nvPr>
-        </p:nvSpPr>
-        <p:spPr/>
-        <p:txBody>
-          <a:bodyPr/>
-          <a:lstStyle/>
-          <a:p>
-            <a:r>
-              <a:rPr lang="de-DE" sz="1800" dirty="0"/>
-              <a:t>Körperempfinden: Handeln, Emotion, Schmerz</a:t>
-            </a:r>
-          </a:p>
-          <a:p>
-            <a:r>
-              <a:rPr lang="de-DE" sz="1800" dirty="0"/>
-              <a:t>Zeit: zum Üben, Trainieren, Praktizieren, Wiederholen</a:t>
-            </a:r>
-          </a:p>
-          <a:p>
-            <a:r>
-              <a:rPr lang="de-DE" sz="1800" dirty="0"/>
-              <a:t>Strukturierungshilfe: extern, intern</a:t>
-            </a:r>
-          </a:p>
-          <a:p>
-            <a:r>
-              <a:rPr lang="de-DE" sz="1800" dirty="0"/>
-              <a:t>Anderer Menschen: durch und für andere, weil man sie mag, ihnen einen guten Eindruck machen möchte, Respekt vor ihnen hat, o.ä.</a:t>
-            </a:r>
-          </a:p>
-          <a:p>
-            <a:r>
-              <a:rPr lang="de-DE" sz="1800" dirty="0"/>
-              <a:t>Interesse und Motivation, z.B.: Leistungsdruck vs. „für sich selbst“ </a:t>
-            </a:r>
-          </a:p>
-          <a:p>
-            <a:r>
-              <a:rPr lang="de-DE" sz="1800" dirty="0"/>
-              <a:t>Scheitern</a:t>
-            </a:r>
-          </a:p>
-          <a:p>
-            <a:r>
-              <a:rPr lang="de-DE" sz="1800" dirty="0"/>
-              <a:t>Konfrontation, Irritation</a:t>
-            </a:r>
-          </a:p>
-          <a:p>
-            <a:r>
-              <a:rPr lang="de-DE" sz="1800" dirty="0"/>
-              <a:t>nur Wissensvermittlung?</a:t>
-            </a:r>
-          </a:p>
-        </p:txBody>
-      </p:sp>
-    </p:spTree>
-    <p:extLst>
-      <p:ext uri="{BB962C8B-B14F-4D97-AF65-F5344CB8AC3E}">
-        <p14:creationId xmlns:p14="http://schemas.microsoft.com/office/powerpoint/2010/main" val="3338002435"/>
       </p:ext>
     </p:extLst>
   </p:cSld>
@@ -7896,7 +8266,7 @@
           <p:cNvPr id="2" name="Title 1">
             <a:extLst>
               <a:ext uri="{FF2B5EF4-FFF2-40B4-BE49-F238E27FC236}">
-                <a16:creationId xmlns:a16="http://schemas.microsoft.com/office/drawing/2014/main" id="{4872F2D3-6535-4897-A660-923A06F8C5A0}"/>
+                <a16:creationId xmlns:a16="http://schemas.microsoft.com/office/drawing/2014/main" id="{4E07FA4F-1AC4-47E7-8D9D-816345601E16}"/>
               </a:ext>
             </a:extLst>
           </p:cNvPr>
@@ -7913,21 +8283,9 @@
           <a:lstStyle/>
           <a:p>
             <a:r>
-              <a:rPr lang="en-US" dirty="0" err="1"/>
-              <a:t>Einf</a:t>
-            </a:r>
-            <a:r>
               <a:rPr lang="de-DE" dirty="0"/>
-              <a:t>ü</a:t>
-            </a:r>
-            <a:r>
-              <a:rPr lang="en-US" dirty="0" err="1"/>
-              <a:t>hrung</a:t>
-            </a:r>
-            <a:br>
-              <a:rPr lang="en-US" dirty="0"/>
-            </a:br>
-            <a:endParaRPr lang="en-US" dirty="0"/>
+              <a:t>Portfolio</a:t>
+            </a:r>
           </a:p>
         </p:txBody>
       </p:sp>
@@ -7936,7 +8294,7 @@
           <p:cNvPr id="3" name="Text Placeholder 2">
             <a:extLst>
               <a:ext uri="{FF2B5EF4-FFF2-40B4-BE49-F238E27FC236}">
-                <a16:creationId xmlns:a16="http://schemas.microsoft.com/office/drawing/2014/main" id="{84762FBA-2BFD-46FE-A99A-214CC870157F}"/>
+                <a16:creationId xmlns:a16="http://schemas.microsoft.com/office/drawing/2014/main" id="{B6F4A794-56F2-4B30-A070-582E5882B6A1}"/>
               </a:ext>
             </a:extLst>
           </p:cNvPr>
@@ -7953,41 +8311,110 @@
           <a:lstStyle/>
           <a:p>
             <a:r>
-              <a:rPr lang="de-DE" sz="1800" dirty="0"/>
-              <a:t>Wissen vermitteln oder Bildung ermöglichen?</a:t>
-            </a:r>
-          </a:p>
-          <a:p>
-            <a:endParaRPr lang="de-DE" sz="1800" dirty="0"/>
-          </a:p>
-          <a:p>
-            <a:r>
-              <a:rPr lang="de-DE" sz="1800" dirty="0"/>
-              <a:t>Handlungsfelder</a:t>
-            </a:r>
+              <a:rPr lang="de-DE" sz="1600" dirty="0" smtClean="0"/>
+              <a:t>Dokumentiere Auseinandersetzung </a:t>
+            </a:r>
+            <a:r>
+              <a:rPr lang="de-DE" sz="1600" dirty="0"/>
+              <a:t>mit dem </a:t>
+            </a:r>
+            <a:r>
+              <a:rPr lang="de-DE" sz="1600" dirty="0" smtClean="0"/>
+              <a:t>Thema, so </a:t>
+            </a:r>
+            <a:r>
+              <a:rPr lang="de-DE" sz="1600" dirty="0"/>
+              <a:t>objektiv wie </a:t>
+            </a:r>
+            <a:r>
+              <a:rPr lang="de-DE" sz="1600" dirty="0" smtClean="0"/>
+              <a:t>möglich, mit konkreten </a:t>
+            </a:r>
+            <a:r>
+              <a:rPr lang="de-DE" sz="1600" dirty="0"/>
+              <a:t>Bezug auf </a:t>
+            </a:r>
+            <a:r>
+              <a:rPr lang="de-DE" sz="1600" dirty="0" smtClean="0"/>
+              <a:t>den jeweiligen Text oder andere wissenschaftliche </a:t>
+            </a:r>
+            <a:r>
+              <a:rPr lang="de-DE" sz="1600" dirty="0"/>
+              <a:t>Quellen </a:t>
+            </a:r>
+            <a:endParaRPr lang="de-DE" sz="1600" dirty="0" smtClean="0"/>
+          </a:p>
+          <a:p>
+            <a:r>
+              <a:rPr lang="de-DE" sz="1600" dirty="0" err="1" smtClean="0"/>
+              <a:t>Moegliche</a:t>
+            </a:r>
+            <a:r>
+              <a:rPr lang="de-DE" sz="1600" dirty="0" smtClean="0"/>
+              <a:t> Fragen:</a:t>
+            </a:r>
+            <a:endParaRPr lang="de-DE" sz="1600" dirty="0"/>
           </a:p>
           <a:p>
             <a:pPr lvl="1"/>
             <a:r>
-              <a:rPr lang="de-DE" sz="1800" dirty="0"/>
-              <a:t>Warum ist Allgemeine Didaktik wichtig für das Lehramt? </a:t>
-            </a:r>
-            <a:endParaRPr lang="en-US" sz="1800" dirty="0"/>
+              <a:rPr lang="de-DE" sz="1600" dirty="0"/>
+              <a:t>- Welche Gedanken / Ideen aus den jeweiligen Texten sind interessant?</a:t>
+            </a:r>
           </a:p>
           <a:p>
             <a:pPr lvl="1"/>
             <a:r>
-              <a:rPr lang="de-DE" sz="1800" dirty="0"/>
-              <a:t>Warum ist Allgemeine Didaktik wichtig für EW? </a:t>
-            </a:r>
-            <a:endParaRPr lang="en-US" sz="1800" dirty="0"/>
+              <a:rPr lang="de-DE" sz="1600" dirty="0"/>
+              <a:t>- Warum/ inwiefern?</a:t>
+            </a:r>
+          </a:p>
+          <a:p>
+            <a:pPr lvl="1"/>
+            <a:r>
+              <a:rPr lang="de-DE" sz="1600" dirty="0"/>
+              <a:t>- Welche aktuellen Bezüge gibt es?</a:t>
+            </a:r>
+          </a:p>
+          <a:p>
+            <a:pPr lvl="1"/>
+            <a:r>
+              <a:rPr lang="de-DE" sz="1600" dirty="0"/>
+              <a:t>- An welchen Gedanken aus den Texten gibt es Kritik – und welche?</a:t>
+            </a:r>
+          </a:p>
+          <a:p>
+            <a:pPr lvl="1"/>
+            <a:r>
+              <a:rPr lang="de-DE" sz="1600" dirty="0"/>
+              <a:t>- An welchen Stellen gibt es Zusammenhänge zu anderen Theorien?</a:t>
+            </a:r>
+          </a:p>
+          <a:p>
+            <a:pPr lvl="1"/>
+            <a:r>
+              <a:rPr lang="de-DE" sz="1600" dirty="0"/>
+              <a:t>- Welche Gedanken sollte man weiterverfolgen?</a:t>
+            </a:r>
+          </a:p>
+          <a:p>
+            <a:pPr lvl="1"/>
+            <a:r>
+              <a:rPr lang="de-DE" sz="1600" dirty="0"/>
+              <a:t>- Welche Fragen bleiben offen</a:t>
+            </a:r>
+            <a:r>
+              <a:rPr lang="de-DE" sz="1600" dirty="0" smtClean="0"/>
+              <a:t>?</a:t>
+            </a:r>
+            <a:endParaRPr lang="de-DE" sz="1600" dirty="0"/>
           </a:p>
         </p:txBody>
       </p:sp>
     </p:spTree>
     <p:extLst>
       <p:ext uri="{BB962C8B-B14F-4D97-AF65-F5344CB8AC3E}">
-        <p14:creationId xmlns:p14="http://schemas.microsoft.com/office/powerpoint/2010/main" val="1729630535"/>
+        <p14:creationId xmlns:p14="http://schemas.microsoft.com/office/powerpoint/2010/main" val="2056595715"/>
       </p:ext>
     </p:extLst>
   </p:cSld>
@@ -8147,7 +8574,7 @@
           <p:cNvPr id="2" name="Title 1">
             <a:extLst>
               <a:ext uri="{FF2B5EF4-FFF2-40B4-BE49-F238E27FC236}">
-                <a16:creationId xmlns:a16="http://schemas.microsoft.com/office/drawing/2014/main" id="{95952DCC-AE23-4D48-AFA2-2E8ACC682ABD}"/>
+                <a16:creationId xmlns:a16="http://schemas.microsoft.com/office/drawing/2014/main" id="{4E07FA4F-1AC4-47E7-8D9D-816345601E16}"/>
               </a:ext>
             </a:extLst>
           </p:cNvPr>
@@ -8164,18 +8591,9 @@
           <a:lstStyle/>
           <a:p>
             <a:r>
-              <a:rPr lang="en-US" dirty="0" err="1"/>
-              <a:t>Einf</a:t>
-            </a:r>
-            <a:r>
               <a:rPr lang="de-DE" dirty="0"/>
-              <a:t>ü</a:t>
-            </a:r>
-            <a:r>
-              <a:rPr lang="en-US" dirty="0" err="1"/>
-              <a:t>hrung</a:t>
-            </a:r>
-            <a:endParaRPr lang="en-US" dirty="0"/>
+              <a:t>Portfolio</a:t>
+            </a:r>
           </a:p>
         </p:txBody>
       </p:sp>
@@ -8184,7 +8602,7 @@
           <p:cNvPr id="3" name="Text Placeholder 2">
             <a:extLst>
               <a:ext uri="{FF2B5EF4-FFF2-40B4-BE49-F238E27FC236}">
-                <a16:creationId xmlns:a16="http://schemas.microsoft.com/office/drawing/2014/main" id="{A481241E-CD9B-4798-AD0A-F989EE6BE5CB}"/>
+                <a16:creationId xmlns:a16="http://schemas.microsoft.com/office/drawing/2014/main" id="{B6F4A794-56F2-4B30-A070-582E5882B6A1}"/>
               </a:ext>
             </a:extLst>
           </p:cNvPr>
@@ -8195,107 +8613,37 @@
             <p:ph type="body" sz="quarter" idx="10"/>
           </p:nvPr>
         </p:nvSpPr>
-        <p:spPr>
-          <a:xfrm>
-            <a:off x="251520" y="1423201"/>
-            <a:ext cx="9145711" cy="3092765"/>
-          </a:xfrm>
-        </p:spPr>
+        <p:spPr/>
         <p:txBody>
           <a:bodyPr/>
           <a:lstStyle/>
           <a:p>
             <a:r>
-              <a:rPr lang="de-DE" sz="1800" dirty="0">
-                <a:solidFill>
-                  <a:schemeClr val="tx1"/>
-                </a:solidFill>
-              </a:rPr>
-              <a:t>Subjektive </a:t>
-            </a:r>
-            <a:r>
-              <a:rPr lang="de-DE" sz="1800" dirty="0">
-                <a:solidFill>
-                  <a:schemeClr val="tx1"/>
-                </a:solidFill>
-                <a:latin typeface="Arial" panose="020B0604020202020204" pitchFamily="34" charset="0"/>
-                <a:cs typeface="Arial" panose="020B0604020202020204" pitchFamily="34" charset="0"/>
-              </a:rPr>
-              <a:t>Wertentscheidungen</a:t>
-            </a:r>
-          </a:p>
-          <a:p>
-            <a:pPr lvl="1"/>
-            <a:r>
-              <a:rPr lang="de-DE" sz="1800" dirty="0">
-                <a:latin typeface="Arial" panose="020B0604020202020204" pitchFamily="34" charset="0"/>
-                <a:cs typeface="Arial" panose="020B0604020202020204" pitchFamily="34" charset="0"/>
-              </a:rPr>
-              <a:t>die Kunst, mit Lehre Bildung zu ermöglichen</a:t>
-            </a:r>
-          </a:p>
-          <a:p>
-            <a:r>
-              <a:rPr lang="de-DE" sz="1800" dirty="0">
-                <a:solidFill>
-                  <a:schemeClr val="tx1"/>
-                </a:solidFill>
-              </a:rPr>
-              <a:t>Allgemeine Didaktik != </a:t>
-            </a:r>
-            <a:r>
-              <a:rPr lang="de-DE" sz="1800" dirty="0" err="1">
-                <a:solidFill>
-                  <a:schemeClr val="tx1"/>
-                </a:solidFill>
-              </a:rPr>
-              <a:t>Instructional</a:t>
-            </a:r>
-            <a:r>
-              <a:rPr lang="de-DE" sz="1800" dirty="0">
-                <a:solidFill>
-                  <a:schemeClr val="tx1"/>
-                </a:solidFill>
-              </a:rPr>
-              <a:t> Design</a:t>
-            </a:r>
-          </a:p>
-          <a:p>
-            <a:r>
-              <a:rPr lang="de-DE" sz="1800" dirty="0">
-                <a:solidFill>
-                  <a:schemeClr val="tx1"/>
-                </a:solidFill>
-              </a:rPr>
-              <a:t>Nur Inhalt oder Inhalt und Methoden? </a:t>
-            </a:r>
-          </a:p>
-          <a:p>
-            <a:r>
-              <a:rPr lang="de-DE" sz="1800" dirty="0">
-                <a:solidFill>
-                  <a:schemeClr val="tx1"/>
-                </a:solidFill>
-              </a:rPr>
-              <a:t>Allgemeine Didaktik als Sündenbock?</a:t>
-            </a:r>
-          </a:p>
-          <a:p>
-            <a:pPr lvl="1"/>
-            <a:r>
-              <a:rPr lang="de-DE" sz="1800" dirty="0">
-                <a:latin typeface="Arial" panose="020B0604020202020204" pitchFamily="34" charset="0"/>
-                <a:cs typeface="Arial" panose="020B0604020202020204" pitchFamily="34" charset="0"/>
-              </a:rPr>
-              <a:t>Effektivität (Pisa), Praktikabilität (Alltag), Brauchbarkeit (zu viele Modelle)</a:t>
-            </a:r>
+              <a:rPr lang="de-DE" sz="1600" dirty="0" smtClean="0"/>
+              <a:t>10–12 Seiten, zzgl. Titelblad und Literaturliste </a:t>
+            </a:r>
+          </a:p>
+          <a:p>
+            <a:r>
+              <a:rPr lang="de-DE" sz="1600" dirty="0" smtClean="0"/>
+              <a:t>Deadline: 15.09.2022</a:t>
+            </a:r>
+          </a:p>
+          <a:p>
+            <a:r>
+              <a:rPr lang="de-DE" sz="1600" dirty="0" smtClean="0"/>
+              <a:t>ganzen Sätzen, keine Stichworten</a:t>
+            </a:r>
+          </a:p>
+          <a:p>
+            <a:endParaRPr lang="de-DE" sz="1600" dirty="0"/>
           </a:p>
         </p:txBody>
       </p:sp>
     </p:spTree>
     <p:extLst>
       <p:ext uri="{BB962C8B-B14F-4D97-AF65-F5344CB8AC3E}">
-        <p14:creationId xmlns:p14="http://schemas.microsoft.com/office/powerpoint/2010/main" val="459133199"/>
+        <p14:creationId xmlns:p14="http://schemas.microsoft.com/office/powerpoint/2010/main" val="2763567694"/>
       </p:ext>
     </p:extLst>
   </p:cSld>
@@ -8327,7 +8675,7 @@
           <p:cNvPr id="2" name="Title 1">
             <a:extLst>
               <a:ext uri="{FF2B5EF4-FFF2-40B4-BE49-F238E27FC236}">
-                <a16:creationId xmlns:a16="http://schemas.microsoft.com/office/drawing/2014/main" id="{18357738-F44C-4C14-A42F-8F481648CDC8}"/>
+                <a16:creationId xmlns:a16="http://schemas.microsoft.com/office/drawing/2014/main" id="{515AF5E9-CAB2-4C7F-81C5-8452FF33B1A1}"/>
               </a:ext>
             </a:extLst>
           </p:cNvPr>
@@ -8344,13 +8692,9 @@
           <a:lstStyle/>
           <a:p>
             <a:r>
-              <a:rPr lang="en-US" dirty="0" err="1"/>
-              <a:t>Herausforderungen</a:t>
-            </a:r>
-            <a:br>
-              <a:rPr lang="en-US" dirty="0"/>
-            </a:br>
-            <a:endParaRPr lang="en-US" dirty="0"/>
+              <a:rPr lang="de-DE" dirty="0"/>
+              <a:t>Portfolio - Bewertung</a:t>
+            </a:r>
           </a:p>
         </p:txBody>
       </p:sp>
@@ -8359,7 +8703,7 @@
           <p:cNvPr id="3" name="Text Placeholder 2">
             <a:extLst>
               <a:ext uri="{FF2B5EF4-FFF2-40B4-BE49-F238E27FC236}">
-                <a16:creationId xmlns:a16="http://schemas.microsoft.com/office/drawing/2014/main" id="{5DF59022-6921-4118-9C12-565B9E4BECB4}"/>
+                <a16:creationId xmlns:a16="http://schemas.microsoft.com/office/drawing/2014/main" id="{26CBE277-73BF-4BAB-B6E0-E795F46EE4F9}"/>
               </a:ext>
             </a:extLst>
           </p:cNvPr>
@@ -8375,140 +8719,148 @@
           <a:bodyPr/>
           <a:lstStyle/>
           <a:p>
-            <a:r>
-              <a:rPr lang="de-DE" sz="1600" dirty="0">
-                <a:solidFill>
-                  <a:schemeClr val="tx1"/>
-                </a:solidFill>
-              </a:rPr>
-              <a:t>Empirische Unterrichtsforschung (oder Lehr-Lernforschung / Educational </a:t>
-            </a:r>
-            <a:r>
-              <a:rPr lang="de-DE" sz="1600" dirty="0" err="1">
-                <a:solidFill>
-                  <a:schemeClr val="tx1"/>
-                </a:solidFill>
-              </a:rPr>
-              <a:t>Psychology</a:t>
-            </a:r>
-            <a:r>
-              <a:rPr lang="de-DE" sz="1600" dirty="0">
-                <a:solidFill>
-                  <a:schemeClr val="tx1"/>
-                </a:solidFill>
-              </a:rPr>
-              <a:t>)</a:t>
+            <a:pPr marL="0" indent="0">
+              <a:buNone/>
+            </a:pPr>
+            <a:r>
+              <a:rPr lang="de-DE" sz="1200" dirty="0"/>
+              <a:t>Das Portfolio (laut Modulhandbuch S. 3)</a:t>
+            </a:r>
+          </a:p>
+          <a:p>
+            <a:r>
+              <a:rPr lang="de-DE" sz="1200" dirty="0"/>
+              <a:t>dokumentiert das Gelernte:</a:t>
             </a:r>
           </a:p>
           <a:p>
             <a:pPr lvl="1"/>
             <a:r>
-              <a:rPr lang="de-DE" sz="1600" dirty="0">
+              <a:rPr lang="de-DE" sz="1200" b="1" dirty="0">
                 <a:latin typeface="Arial" panose="020B0604020202020204" pitchFamily="34" charset="0"/>
                 <a:cs typeface="Arial" panose="020B0604020202020204" pitchFamily="34" charset="0"/>
               </a:rPr>
-              <a:t>oft nur Korrelation statt Experiment</a:t>
-            </a:r>
-          </a:p>
-          <a:p>
-            <a:pPr lvl="1"/>
-            <a:r>
-              <a:rPr lang="de-DE" sz="1600" dirty="0">
+              <a:t>Reflexionen </a:t>
+            </a:r>
+            <a:r>
+              <a:rPr lang="de-DE" sz="1200" dirty="0">
                 <a:latin typeface="Arial" panose="020B0604020202020204" pitchFamily="34" charset="0"/>
                 <a:cs typeface="Arial" panose="020B0604020202020204" pitchFamily="34" charset="0"/>
               </a:rPr>
-              <a:t>Ideal ist klar: strukturiert, vorbereitet, angepasst, an Lernziele orientiert, Zeit gut genutzt, keine Störungen, in eigenständige Lernprozesse hineinbringend</a:t>
+              <a:t>über die Lernarbeit und die - Lernwege, </a:t>
             </a:r>
           </a:p>
           <a:p>
             <a:pPr lvl="1"/>
             <a:r>
-              <a:rPr lang="de-DE" sz="1600" dirty="0">
+              <a:rPr lang="de-DE" sz="1200" dirty="0">
                 <a:latin typeface="Arial" panose="020B0604020202020204" pitchFamily="34" charset="0"/>
                 <a:cs typeface="Arial" panose="020B0604020202020204" pitchFamily="34" charset="0"/>
               </a:rPr>
-              <a:t>Ziel: Realisierung </a:t>
-            </a:r>
-          </a:p>
-          <a:p>
-            <a:r>
-              <a:rPr lang="de-DE" sz="1600" dirty="0">
-                <a:solidFill>
-                  <a:schemeClr val="tx1"/>
-                </a:solidFill>
-              </a:rPr>
-              <a:t>Fachdidaktik</a:t>
-            </a:r>
-          </a:p>
-          <a:p>
-            <a:pPr lvl="1"/>
-            <a:r>
-              <a:rPr lang="de-DE" sz="1600" dirty="0">
+              <a:t>Ergebnisse in Relation zu den angestrebten </a:t>
+            </a:r>
+            <a:r>
+              <a:rPr lang="de-DE" sz="1200" b="1" dirty="0">
                 <a:latin typeface="Arial" panose="020B0604020202020204" pitchFamily="34" charset="0"/>
                 <a:cs typeface="Arial" panose="020B0604020202020204" pitchFamily="34" charset="0"/>
               </a:rPr>
-              <a:t>E.g. Science </a:t>
-            </a:r>
-            <a:r>
-              <a:rPr lang="de-DE" sz="1600" dirty="0" err="1">
+              <a:t>Kompetenzen</a:t>
+            </a:r>
+            <a:r>
+              <a:rPr lang="de-DE" sz="1200" dirty="0">
                 <a:latin typeface="Arial" panose="020B0604020202020204" pitchFamily="34" charset="0"/>
                 <a:cs typeface="Arial" panose="020B0604020202020204" pitchFamily="34" charset="0"/>
               </a:rPr>
-              <a:t>education</a:t>
-            </a:r>
-            <a:endParaRPr lang="de-DE" sz="1600" dirty="0">
-              <a:latin typeface="Arial" panose="020B0604020202020204" pitchFamily="34" charset="0"/>
-              <a:cs typeface="Arial" panose="020B0604020202020204" pitchFamily="34" charset="0"/>
-            </a:endParaRPr>
-          </a:p>
-          <a:p>
-            <a:r>
-              <a:rPr lang="de-DE" sz="1600" dirty="0">
-                <a:solidFill>
-                  <a:schemeClr val="tx1"/>
-                </a:solidFill>
-              </a:rPr>
-              <a:t>Neurodidaktik </a:t>
-            </a:r>
-          </a:p>
-          <a:p>
-            <a:r>
-              <a:rPr lang="de-DE" sz="1600" dirty="0">
-                <a:solidFill>
-                  <a:schemeClr val="tx1"/>
-                </a:solidFill>
-              </a:rPr>
-              <a:t>Lernen im </a:t>
-            </a:r>
-            <a:r>
-              <a:rPr lang="de-DE" sz="1600" dirty="0">
-                <a:solidFill>
-                  <a:schemeClr val="tx1"/>
-                </a:solidFill>
-                <a:latin typeface="Arial" panose="020B0604020202020204" pitchFamily="34" charset="0"/>
-                <a:cs typeface="Arial" panose="020B0604020202020204" pitchFamily="34" charset="0"/>
-              </a:rPr>
-              <a:t>Alltag </a:t>
-            </a:r>
-            <a:endParaRPr lang="de-DE" sz="1600" dirty="0">
-              <a:solidFill>
-                <a:schemeClr val="tx1"/>
-              </a:solidFill>
-            </a:endParaRPr>
-          </a:p>
-          <a:p>
-            <a:pPr lvl="1"/>
-            <a:endParaRPr lang="en-US" sz="1600" dirty="0">
-              <a:latin typeface="Arial" panose="020B0604020202020204" pitchFamily="34" charset="0"/>
-              <a:cs typeface="Arial" panose="020B0604020202020204" pitchFamily="34" charset="0"/>
-            </a:endParaRPr>
+              <a:t>.</a:t>
+            </a:r>
+          </a:p>
+          <a:p>
+            <a:r>
+              <a:rPr lang="de-DE" sz="1200" dirty="0"/>
+              <a:t>fokussiert auf Veränderungen im Wissens- und im </a:t>
+            </a:r>
+            <a:r>
+              <a:rPr lang="de-DE" sz="1200" b="1" dirty="0"/>
+              <a:t>Kompetenzzuwachs</a:t>
+            </a:r>
+            <a:r>
+              <a:rPr lang="de-DE" sz="1200" dirty="0"/>
+              <a:t>.</a:t>
+            </a:r>
+          </a:p>
+          <a:p>
+            <a:pPr marL="0" indent="0">
+              <a:buNone/>
+            </a:pPr>
+            <a:endParaRPr lang="de-DE" sz="1200" dirty="0"/>
+          </a:p>
+          <a:p>
+            <a:pPr marL="0" indent="0">
+              <a:buNone/>
+            </a:pPr>
+            <a:r>
+              <a:rPr lang="de-DE" sz="1200" dirty="0"/>
+              <a:t>Kompetenzen</a:t>
+            </a:r>
+            <a:r>
+              <a:rPr lang="de-DE" sz="1200" b="1" dirty="0"/>
+              <a:t> </a:t>
+            </a:r>
+            <a:r>
+              <a:rPr lang="de-DE" sz="1200" dirty="0"/>
+              <a:t>(laut Modulhandbuch S. 11):  </a:t>
+            </a:r>
+            <a:endParaRPr lang="de-DE" sz="1200" b="1" dirty="0"/>
+          </a:p>
+          <a:p>
+            <a:pPr marL="0" indent="0">
+              <a:buNone/>
+            </a:pPr>
+            <a:r>
+              <a:rPr lang="de-DE" sz="1200" dirty="0"/>
+              <a:t>Die Studierenden erwerben grundlegende didaktische Kompetenzen im Sinn der Fähigkeit zur </a:t>
+            </a:r>
+            <a:r>
+              <a:rPr lang="de-DE" sz="1200" b="1" dirty="0"/>
+              <a:t>Analyse</a:t>
+            </a:r>
+            <a:r>
+              <a:rPr lang="de-DE" sz="1200" dirty="0"/>
+              <a:t> von Lernsituationen, der </a:t>
+            </a:r>
+            <a:r>
+              <a:rPr lang="de-DE" sz="1200" b="1" dirty="0"/>
+              <a:t>Anwendung</a:t>
+            </a:r>
+            <a:r>
+              <a:rPr lang="de-DE" sz="1200" dirty="0"/>
+              <a:t> von didaktischen Modellen und der </a:t>
+            </a:r>
+            <a:r>
+              <a:rPr lang="de-DE" sz="1200" b="1" dirty="0"/>
+              <a:t>Gestaltung</a:t>
+            </a:r>
+            <a:r>
+              <a:rPr lang="de-DE" sz="1200" dirty="0"/>
+              <a:t> von didaktischen Arrangements, können diesen Arrangements die passenden Vermittlungsmethoden zuordnen und </a:t>
+            </a:r>
+            <a:r>
+              <a:rPr lang="de-DE" sz="1200" b="1" dirty="0"/>
+              <a:t>Umsetzen</a:t>
+            </a:r>
+          </a:p>
+          <a:p>
+            <a:endParaRPr lang="de-DE" sz="1200" dirty="0"/>
+          </a:p>
+          <a:p>
+            <a:endParaRPr lang="de-DE" sz="1200" dirty="0"/>
           </a:p>
         </p:txBody>
       </p:sp>
     </p:spTree>
     <p:extLst>
       <p:ext uri="{BB962C8B-B14F-4D97-AF65-F5344CB8AC3E}">
-        <p14:creationId xmlns:p14="http://schemas.microsoft.com/office/powerpoint/2010/main" val="2389329266"/>
+        <p14:creationId xmlns:p14="http://schemas.microsoft.com/office/powerpoint/2010/main" val="344013170"/>
       </p:ext>
     </p:extLst>
   </p:cSld>
@@ -8540,7 +8892,7 @@
           <p:cNvPr id="2" name="Title 1">
             <a:extLst>
               <a:ext uri="{FF2B5EF4-FFF2-40B4-BE49-F238E27FC236}">
-                <a16:creationId xmlns:a16="http://schemas.microsoft.com/office/drawing/2014/main" id="{DBBB3BE6-FA38-4270-90A0-D1B3414042BD}"/>
+                <a16:creationId xmlns:a16="http://schemas.microsoft.com/office/drawing/2014/main" id="{5E566A06-9127-43CC-8D3A-4D52BC630218}"/>
               </a:ext>
             </a:extLst>
           </p:cNvPr>
@@ -8556,7 +8908,33 @@
           <a:bodyPr/>
           <a:lstStyle/>
           <a:p>
-            <a:endParaRPr lang="de-DE"/>
+            <a:r>
+              <a:rPr lang="de-DE" sz="3200" dirty="0">
+                <a:effectLst/>
+                <a:latin typeface="Calibri" panose="020F0502020204030204" pitchFamily="34" charset="0"/>
+                <a:ea typeface="Calibri" panose="020F0502020204030204" pitchFamily="34" charset="0"/>
+                <a:cs typeface="Times New Roman" panose="02020603050405020304" pitchFamily="18" charset="0"/>
+              </a:rPr>
+              <a:t>Links zu Lesestrategien: </a:t>
+            </a:r>
+            <a:r>
+              <a:rPr lang="en-US" sz="3200" dirty="0">
+                <a:effectLst/>
+                <a:latin typeface="Calibri" panose="020F0502020204030204" pitchFamily="34" charset="0"/>
+                <a:ea typeface="Calibri" panose="020F0502020204030204" pitchFamily="34" charset="0"/>
+                <a:cs typeface="Times New Roman" panose="02020603050405020304" pitchFamily="18" charset="0"/>
+              </a:rPr>
+              <a:t/>
+            </a:r>
+            <a:br>
+              <a:rPr lang="en-US" sz="3200" dirty="0">
+                <a:effectLst/>
+                <a:latin typeface="Calibri" panose="020F0502020204030204" pitchFamily="34" charset="0"/>
+                <a:ea typeface="Calibri" panose="020F0502020204030204" pitchFamily="34" charset="0"/>
+                <a:cs typeface="Times New Roman" panose="02020603050405020304" pitchFamily="18" charset="0"/>
+              </a:rPr>
+            </a:br>
+            <a:endParaRPr lang="de-DE" dirty="0"/>
           </a:p>
         </p:txBody>
       </p:sp>
@@ -8565,7 +8943,7 @@
           <p:cNvPr id="3" name="Text Placeholder 2">
             <a:extLst>
               <a:ext uri="{FF2B5EF4-FFF2-40B4-BE49-F238E27FC236}">
-                <a16:creationId xmlns:a16="http://schemas.microsoft.com/office/drawing/2014/main" id="{5CF7A962-1F4D-48EA-86FF-597BF75DEB7A}"/>
+                <a16:creationId xmlns:a16="http://schemas.microsoft.com/office/drawing/2014/main" id="{F1CE048E-A995-41C1-8C96-7E1DFDC13DEE}"/>
               </a:ext>
             </a:extLst>
           </p:cNvPr>
@@ -8581,44 +8959,141 @@
           <a:bodyPr/>
           <a:lstStyle/>
           <a:p>
+            <a:pPr>
+              <a:lnSpc>
+                <a:spcPct val="107000"/>
+              </a:lnSpc>
+              <a:spcAft>
+                <a:spcPts val="800"/>
+              </a:spcAft>
+            </a:pPr>
+            <a:r>
+              <a:rPr lang="de-DE" sz="1800" u="sng" dirty="0">
+                <a:solidFill>
+                  <a:srgbClr val="0563C1"/>
+                </a:solidFill>
+                <a:effectLst/>
+                <a:latin typeface="Calibri" panose="020F0502020204030204" pitchFamily="34" charset="0"/>
+                <a:ea typeface="Calibri" panose="020F0502020204030204" pitchFamily="34" charset="0"/>
+                <a:cs typeface="Times New Roman" panose="02020603050405020304" pitchFamily="18" charset="0"/>
+                <a:hlinkClick r:id="rId2"/>
+              </a:rPr>
+              <a:t>https://www.studienstrategie.de/lesen/lesetechniken/</a:t>
+            </a:r>
+            <a:endParaRPr lang="en-US" sz="1800" dirty="0">
+              <a:effectLst/>
+              <a:latin typeface="Calibri" panose="020F0502020204030204" pitchFamily="34" charset="0"/>
+              <a:ea typeface="Calibri" panose="020F0502020204030204" pitchFamily="34" charset="0"/>
+              <a:cs typeface="Times New Roman" panose="02020603050405020304" pitchFamily="18" charset="0"/>
+            </a:endParaRPr>
+          </a:p>
+          <a:p>
+            <a:pPr>
+              <a:lnSpc>
+                <a:spcPct val="107000"/>
+              </a:lnSpc>
+              <a:spcAft>
+                <a:spcPts val="800"/>
+              </a:spcAft>
+            </a:pPr>
+            <a:r>
+              <a:rPr lang="de-DE" sz="1800" u="sng" dirty="0">
+                <a:solidFill>
+                  <a:srgbClr val="0563C1"/>
+                </a:solidFill>
+                <a:effectLst/>
+                <a:latin typeface="Calibri" panose="020F0502020204030204" pitchFamily="34" charset="0"/>
+                <a:ea typeface="Calibri" panose="020F0502020204030204" pitchFamily="34" charset="0"/>
+                <a:cs typeface="Times New Roman" panose="02020603050405020304" pitchFamily="18" charset="0"/>
+                <a:hlinkClick r:id="rId3"/>
+              </a:rPr>
+              <a:t>https://www.bildungspartner.schulministerium.nrw.de/Bildungspartner/Themen/Leseschule-NRW/HF_Methoden/02_uebersicht_lesestrategien.pdf</a:t>
+            </a:r>
+            <a:endParaRPr lang="de-DE" sz="1800" u="sng" dirty="0">
+              <a:solidFill>
+                <a:srgbClr val="0563C1"/>
+              </a:solidFill>
+              <a:effectLst/>
+              <a:latin typeface="Calibri" panose="020F0502020204030204" pitchFamily="34" charset="0"/>
+              <a:ea typeface="Calibri" panose="020F0502020204030204" pitchFamily="34" charset="0"/>
+              <a:cs typeface="Times New Roman" panose="02020603050405020304" pitchFamily="18" charset="0"/>
+            </a:endParaRPr>
+          </a:p>
+          <a:p>
+            <a:pPr>
+              <a:buFont typeface="Arial" panose="020B0604020202020204" pitchFamily="34" charset="0"/>
+              <a:buChar char="•"/>
+            </a:pPr>
+            <a:r>
+              <a:rPr lang="de-DE" sz="1400" dirty="0" err="1"/>
+              <a:t>Esselborn-Krumbiegel</a:t>
+            </a:r>
+            <a:r>
+              <a:rPr lang="de-DE" sz="1400" dirty="0"/>
+              <a:t>, H. (2019). Die erste Hausarbeit – FAQ. Ferdinand Schöningh.</a:t>
+            </a:r>
+          </a:p>
+          <a:p>
+            <a:pPr>
+              <a:buFont typeface="Arial" panose="020B0604020202020204" pitchFamily="34" charset="0"/>
+              <a:buChar char="•"/>
+            </a:pPr>
+            <a:endParaRPr lang="de-DE" sz="1400" dirty="0"/>
+          </a:p>
+          <a:p>
+            <a:pPr>
+              <a:buFont typeface="Arial" panose="020B0604020202020204" pitchFamily="34" charset="0"/>
+              <a:buChar char="•"/>
+            </a:pPr>
+            <a:r>
+              <a:rPr lang="de-DE" sz="1400" dirty="0"/>
+              <a:t>Rost. (2012). Lern- und Arbeitstechniken für das Studium. Springer.</a:t>
+            </a:r>
+          </a:p>
+          <a:p>
+            <a:pPr>
+              <a:lnSpc>
+                <a:spcPct val="107000"/>
+              </a:lnSpc>
+              <a:spcAft>
+                <a:spcPts val="800"/>
+              </a:spcAft>
+            </a:pPr>
+            <a:endParaRPr lang="de-DE" sz="1800" u="sng" dirty="0">
+              <a:solidFill>
+                <a:srgbClr val="0563C1"/>
+              </a:solidFill>
+              <a:latin typeface="Calibri" panose="020F0502020204030204" pitchFamily="34" charset="0"/>
+              <a:ea typeface="Calibri" panose="020F0502020204030204" pitchFamily="34" charset="0"/>
+              <a:cs typeface="Times New Roman" panose="02020603050405020304" pitchFamily="18" charset="0"/>
+            </a:endParaRPr>
+          </a:p>
+          <a:p>
+            <a:pPr marL="0" indent="0">
+              <a:lnSpc>
+                <a:spcPct val="107000"/>
+              </a:lnSpc>
+              <a:spcAft>
+                <a:spcPts val="800"/>
+              </a:spcAft>
+              <a:buNone/>
+            </a:pPr>
+            <a:endParaRPr lang="en-US" sz="1800" dirty="0">
+              <a:effectLst/>
+              <a:latin typeface="Calibri" panose="020F0502020204030204" pitchFamily="34" charset="0"/>
+              <a:ea typeface="Calibri" panose="020F0502020204030204" pitchFamily="34" charset="0"/>
+              <a:cs typeface="Times New Roman" panose="02020603050405020304" pitchFamily="18" charset="0"/>
+            </a:endParaRPr>
+          </a:p>
+          <a:p>
             <a:endParaRPr lang="de-DE" dirty="0"/>
           </a:p>
         </p:txBody>
       </p:sp>
-      <p:pic>
-        <p:nvPicPr>
-          <p:cNvPr id="5" name="Picture 4">
-            <a:extLst>
-              <a:ext uri="{FF2B5EF4-FFF2-40B4-BE49-F238E27FC236}">
-                <a16:creationId xmlns:a16="http://schemas.microsoft.com/office/drawing/2014/main" id="{881CCF1F-2A25-4D6C-B948-5622121DF946}"/>
-              </a:ext>
-            </a:extLst>
-          </p:cNvPr>
-          <p:cNvPicPr>
-            <a:picLocks noChangeAspect="1"/>
-          </p:cNvPicPr>
-          <p:nvPr/>
-        </p:nvPicPr>
-        <p:blipFill>
-          <a:blip r:embed="rId2"/>
-          <a:stretch>
-            <a:fillRect/>
-          </a:stretch>
-        </p:blipFill>
-        <p:spPr>
-          <a:xfrm>
-            <a:off x="2411760" y="555526"/>
-            <a:ext cx="4700659" cy="4460248"/>
-          </a:xfrm>
-          <a:prstGeom prst="rect">
-            <a:avLst/>
-          </a:prstGeom>
-        </p:spPr>
-      </p:pic>
     </p:spTree>
     <p:extLst>
       <p:ext uri="{BB962C8B-B14F-4D97-AF65-F5344CB8AC3E}">
-        <p14:creationId xmlns:p14="http://schemas.microsoft.com/office/powerpoint/2010/main" val="3250107344"/>
+        <p14:creationId xmlns:p14="http://schemas.microsoft.com/office/powerpoint/2010/main" val="1081038908"/>
       </p:ext>
     </p:extLst>
   </p:cSld>
@@ -8650,7 +9125,7 @@
           <p:cNvPr id="2" name="Title 1">
             <a:extLst>
               <a:ext uri="{FF2B5EF4-FFF2-40B4-BE49-F238E27FC236}">
-                <a16:creationId xmlns:a16="http://schemas.microsoft.com/office/drawing/2014/main" id="{DA1188AE-B668-4AFF-96BE-853DCCB85C72}"/>
+                <a16:creationId xmlns:a16="http://schemas.microsoft.com/office/drawing/2014/main" id="{8C86C9AD-2D1D-4A85-9B58-0C8E44404F1C}"/>
               </a:ext>
             </a:extLst>
           </p:cNvPr>
@@ -8668,12 +9143,9 @@
           <a:p>
             <a:r>
               <a:rPr lang="de-DE" dirty="0"/>
-              <a:t>Empirische Unterrichtsforschung </a:t>
-            </a:r>
-            <a:br>
-              <a:rPr lang="de-DE" dirty="0"/>
-            </a:br>
-            <a:endParaRPr lang="de-DE" dirty="0"/>
+              <a:t>Wie wir miteinander Arbeiten</a:t>
+            </a:r>
+            <a:endParaRPr lang="en-US" dirty="0"/>
           </a:p>
         </p:txBody>
       </p:sp>
@@ -8682,7 +9154,7 @@
           <p:cNvPr id="3" name="Text Placeholder 2">
             <a:extLst>
               <a:ext uri="{FF2B5EF4-FFF2-40B4-BE49-F238E27FC236}">
-                <a16:creationId xmlns:a16="http://schemas.microsoft.com/office/drawing/2014/main" id="{8A3EDD97-4A0C-40A1-82BC-4F8B13BB42C8}"/>
+                <a16:creationId xmlns:a16="http://schemas.microsoft.com/office/drawing/2014/main" id="{08C994F0-E40A-4D67-89A4-A2E205AE23E7}"/>
               </a:ext>
             </a:extLst>
           </p:cNvPr>
@@ -8698,113 +9170,32 @@
           <a:bodyPr/>
           <a:lstStyle/>
           <a:p>
-            <a:pPr>
-              <a:buFont typeface="+mj-lt"/>
-              <a:buAutoNum type="arabicPeriod"/>
-            </a:pPr>
-            <a:r>
-              <a:rPr lang="de-DE" sz="1600" dirty="0"/>
-              <a:t>Lehr-Lernaspekten dominieren Interaktions- und Sozialisationsaspekt</a:t>
-            </a:r>
-          </a:p>
-          <a:p>
-            <a:pPr>
-              <a:buFont typeface="+mj-lt"/>
-              <a:buAutoNum type="arabicPeriod"/>
-            </a:pPr>
-            <a:r>
-              <a:rPr lang="de-DE" sz="1600" dirty="0"/>
-              <a:t>Angebot-Nutzungs-Modell (Mitverantwortung) vs. Selbsttätigkeit</a:t>
-            </a:r>
-          </a:p>
-          <a:p>
-            <a:pPr>
-              <a:buFont typeface="+mj-lt"/>
-              <a:buAutoNum type="arabicPeriod"/>
-            </a:pPr>
-            <a:r>
-              <a:rPr lang="de-DE" sz="1600" dirty="0"/>
-              <a:t>Wenig zu allgemeine Elemente von Unterricht, eher Fachdidaktisch</a:t>
-            </a:r>
-          </a:p>
-          <a:p>
-            <a:pPr>
-              <a:buFont typeface="+mj-lt"/>
-              <a:buAutoNum type="arabicPeriod"/>
-            </a:pPr>
-            <a:r>
-              <a:rPr lang="de-DE" sz="1600" dirty="0"/>
-              <a:t>Keine </a:t>
-            </a:r>
-            <a:r>
-              <a:rPr lang="de-DE" sz="1600" i="1" dirty="0"/>
-              <a:t>eine </a:t>
-            </a:r>
-            <a:r>
-              <a:rPr lang="de-DE" sz="1600" i="1" dirty="0" err="1"/>
-              <a:t>ware</a:t>
-            </a:r>
-            <a:r>
-              <a:rPr lang="de-DE" sz="1600" i="1" dirty="0"/>
-              <a:t> Methode: konstruktivistisch, </a:t>
-            </a:r>
-            <a:r>
-              <a:rPr lang="de-DE" sz="1600" i="1" dirty="0" err="1"/>
-              <a:t>instruktional</a:t>
-            </a:r>
-            <a:r>
-              <a:rPr lang="de-DE" sz="1600" i="1" dirty="0"/>
-              <a:t>, etc. </a:t>
-            </a:r>
-          </a:p>
-          <a:p>
-            <a:pPr>
-              <a:buFont typeface="+mj-lt"/>
-              <a:buAutoNum type="arabicPeriod"/>
-            </a:pPr>
-            <a:r>
-              <a:rPr lang="de-DE" sz="1600" dirty="0"/>
-              <a:t>Beitrag des Lehrerhandelns? (cf. Vorwissen)</a:t>
-            </a:r>
-          </a:p>
-          <a:p>
-            <a:pPr>
-              <a:buFont typeface="+mj-lt"/>
-              <a:buAutoNum type="arabicPeriod"/>
-            </a:pPr>
-            <a:r>
-              <a:rPr lang="de-DE" sz="1600" dirty="0" err="1"/>
-              <a:t>Engfuehrung</a:t>
-            </a:r>
-            <a:r>
-              <a:rPr lang="de-DE" sz="1600" dirty="0"/>
-              <a:t>: Bildungsforschung als Pädagogische Psychologie</a:t>
-            </a:r>
-          </a:p>
-          <a:p>
-            <a:pPr marL="0" indent="0">
-              <a:buNone/>
-            </a:pPr>
-            <a:endParaRPr lang="de-DE" sz="1600" dirty="0"/>
-          </a:p>
-          <a:p>
-            <a:pPr marL="0" indent="0">
-              <a:buNone/>
-            </a:pPr>
-            <a:r>
-              <a:rPr lang="de-DE" sz="1600" dirty="0"/>
-              <a:t>Fazit: „Zwei fremde Schwester“</a:t>
-            </a:r>
-          </a:p>
-          <a:p>
-            <a:endParaRPr lang="de-DE" sz="1800" dirty="0"/>
+            <a:r>
+              <a:rPr lang="de-DE" sz="1800" dirty="0"/>
+              <a:t>Studium an der Universität heißt auch: Eigenverantwortung</a:t>
+            </a:r>
+          </a:p>
+          <a:p>
+            <a:r>
+              <a:rPr lang="de-DE" sz="1800" dirty="0"/>
+              <a:t>Seminar als Impulsgeber</a:t>
+            </a:r>
+          </a:p>
+          <a:p>
+            <a:r>
+              <a:rPr lang="de-DE" sz="1800" dirty="0"/>
+              <a:t>Seminar wird durch ihre Mitarbeit und Fragen spannend!</a:t>
+            </a:r>
+          </a:p>
+          <a:p>
+            <a:endParaRPr lang="en-US" sz="1800" dirty="0"/>
           </a:p>
         </p:txBody>
       </p:sp>
     </p:spTree>
     <p:extLst>
       <p:ext uri="{BB962C8B-B14F-4D97-AF65-F5344CB8AC3E}">
-        <p14:creationId xmlns:p14="http://schemas.microsoft.com/office/powerpoint/2010/main" val="4170653433"/>
+        <p14:creationId xmlns:p14="http://schemas.microsoft.com/office/powerpoint/2010/main" val="1568292325"/>
       </p:ext>
     </p:extLst>
   </p:cSld>
@@ -8815,6 +9206,166 @@
 </file>
 
 <file path=ppt/slides/slide24.xml><?xml version="1.0" encoding="utf-8"?>
+<p:sld xmlns:a="http://schemas.openxmlformats.org/drawingml/2006/main" xmlns:r="http://schemas.openxmlformats.org/officeDocument/2006/relationships" xmlns:p="http://schemas.openxmlformats.org/presentationml/2006/main">
+  <p:cSld>
+    <p:spTree>
+      <p:nvGrpSpPr>
+        <p:cNvPr id="1" name=""/>
+        <p:cNvGrpSpPr/>
+        <p:nvPr/>
+      </p:nvGrpSpPr>
+      <p:grpSpPr>
+        <a:xfrm>
+          <a:off x="0" y="0"/>
+          <a:ext cx="0" cy="0"/>
+          <a:chOff x="0" y="0"/>
+          <a:chExt cx="0" cy="0"/>
+        </a:xfrm>
+      </p:grpSpPr>
+      <p:sp>
+        <p:nvSpPr>
+          <p:cNvPr id="2" name="Title 1">
+            <a:extLst>
+              <a:ext uri="{FF2B5EF4-FFF2-40B4-BE49-F238E27FC236}">
+                <a16:creationId xmlns:a16="http://schemas.microsoft.com/office/drawing/2014/main" id="{E4D9F5BB-26C7-445F-AD34-6A60DB589A2A}"/>
+              </a:ext>
+            </a:extLst>
+          </p:cNvPr>
+          <p:cNvSpPr>
+            <a:spLocks noGrp="1"/>
+          </p:cNvSpPr>
+          <p:nvPr>
+            <p:ph type="title"/>
+          </p:nvPr>
+        </p:nvSpPr>
+        <p:spPr/>
+        <p:txBody>
+          <a:bodyPr/>
+          <a:lstStyle/>
+          <a:p>
+            <a:r>
+              <a:rPr lang="de-DE" i="1" dirty="0"/>
+              <a:t>Effektive </a:t>
+            </a:r>
+            <a:r>
+              <a:rPr lang="de-DE" dirty="0"/>
+              <a:t>Partizipation:</a:t>
+            </a:r>
+            <a:br>
+              <a:rPr lang="de-DE" dirty="0"/>
+            </a:br>
+            <a:endParaRPr lang="de-DE" dirty="0"/>
+          </a:p>
+        </p:txBody>
+      </p:sp>
+      <p:sp>
+        <p:nvSpPr>
+          <p:cNvPr id="3" name="Text Placeholder 2">
+            <a:extLst>
+              <a:ext uri="{FF2B5EF4-FFF2-40B4-BE49-F238E27FC236}">
+                <a16:creationId xmlns:a16="http://schemas.microsoft.com/office/drawing/2014/main" id="{6401BDA4-80C0-4F70-A0A0-F4037BA36057}"/>
+              </a:ext>
+            </a:extLst>
+          </p:cNvPr>
+          <p:cNvSpPr>
+            <a:spLocks noGrp="1"/>
+          </p:cNvSpPr>
+          <p:nvPr>
+            <p:ph type="body" sz="quarter" idx="10"/>
+          </p:nvPr>
+        </p:nvSpPr>
+        <p:spPr/>
+        <p:txBody>
+          <a:bodyPr/>
+          <a:lstStyle/>
+          <a:p>
+            <a:r>
+              <a:rPr lang="de-DE" sz="1600" dirty="0"/>
+              <a:t>Man </a:t>
+            </a:r>
+            <a:r>
+              <a:rPr lang="de-DE" sz="1600" i="1" dirty="0"/>
+              <a:t>muss </a:t>
+            </a:r>
+            <a:r>
+              <a:rPr lang="de-DE" sz="1600" dirty="0"/>
+              <a:t>nicht sprechen</a:t>
+            </a:r>
+          </a:p>
+          <a:p>
+            <a:pPr lvl="1"/>
+            <a:r>
+              <a:rPr lang="de-DE" sz="1600" dirty="0">
+                <a:latin typeface="Arial" panose="020B0604020202020204" pitchFamily="34" charset="0"/>
+                <a:cs typeface="Arial" panose="020B0604020202020204" pitchFamily="34" charset="0"/>
+              </a:rPr>
+              <a:t>Nach dem Seminar kann man eventuell auch noch etwas sagen.  </a:t>
+            </a:r>
+          </a:p>
+          <a:p>
+            <a:r>
+              <a:rPr lang="de-DE" sz="1600" dirty="0"/>
+              <a:t>„Überwache“ wieviel man selbst spricht </a:t>
+            </a:r>
+          </a:p>
+          <a:p>
+            <a:pPr lvl="1"/>
+            <a:r>
+              <a:rPr lang="de-DE" sz="1600" dirty="0">
+                <a:latin typeface="Arial" panose="020B0604020202020204" pitchFamily="34" charset="0"/>
+                <a:cs typeface="Arial" panose="020B0604020202020204" pitchFamily="34" charset="0"/>
+              </a:rPr>
+              <a:t>Viel sprechen ist nicht unbedingt effektiv. Wenige durchdachte Beiträge sind effektiver als viele spontane Gedanken.  </a:t>
+            </a:r>
+          </a:p>
+          <a:p>
+            <a:r>
+              <a:rPr lang="de-DE" sz="1600" dirty="0"/>
+              <a:t>Einander helfen</a:t>
+            </a:r>
+          </a:p>
+          <a:p>
+            <a:pPr lvl="1"/>
+            <a:r>
+              <a:rPr lang="de-DE" sz="1600" dirty="0">
+                <a:latin typeface="Arial" panose="020B0604020202020204" pitchFamily="34" charset="0"/>
+                <a:cs typeface="Arial" panose="020B0604020202020204" pitchFamily="34" charset="0"/>
+              </a:rPr>
+              <a:t>Eher nicht defensiv oder „aber die und das“, sondern eher engagierend, aufbauend und Assoziationen auf andere Beiträge.</a:t>
+            </a:r>
+          </a:p>
+          <a:p>
+            <a:r>
+              <a:rPr lang="de-DE" sz="1600" dirty="0"/>
+              <a:t>Beachte die Verschiedenheit in der Klasse: Vorsichtigkeit mit Scherzen usw.  	</a:t>
+            </a:r>
+          </a:p>
+          <a:p>
+            <a:endParaRPr lang="de-DE" sz="1600" dirty="0"/>
+          </a:p>
+          <a:p>
+            <a:pPr lvl="1"/>
+            <a:endParaRPr lang="de-DE" sz="1600" dirty="0">
+              <a:latin typeface="Arial" panose="020B0604020202020204" pitchFamily="34" charset="0"/>
+              <a:cs typeface="Arial" panose="020B0604020202020204" pitchFamily="34" charset="0"/>
+            </a:endParaRPr>
+          </a:p>
+        </p:txBody>
+      </p:sp>
+    </p:spTree>
+    <p:extLst>
+      <p:ext uri="{BB962C8B-B14F-4D97-AF65-F5344CB8AC3E}">
+        <p14:creationId xmlns:p14="http://schemas.microsoft.com/office/powerpoint/2010/main" val="10673750"/>
+      </p:ext>
+    </p:extLst>
+  </p:cSld>
+  <p:clrMapOvr>
+    <a:masterClrMapping/>
+  </p:clrMapOvr>
+</p:sld>
+</file>
+
+<file path=ppt/slides/slide25.xml><?xml version="1.0" encoding="utf-8"?>
 <p:sld xmlns:a="http://schemas.openxmlformats.org/drawingml/2006/main" xmlns:r="http://schemas.openxmlformats.org/officeDocument/2006/relationships" xmlns:p="http://schemas.openxmlformats.org/presentationml/2006/main">
   <p:cSld>
     <p:spTree>
@@ -8925,7 +9476,7 @@
 </p:sld>
 </file>
 
-<file path=ppt/slides/slide25.xml><?xml version="1.0" encoding="utf-8"?>
+<file path=ppt/slides/slide26.xml><?xml version="1.0" encoding="utf-8"?>
 <p:sld xmlns:a="http://schemas.openxmlformats.org/drawingml/2006/main" xmlns:r="http://schemas.openxmlformats.org/officeDocument/2006/relationships" xmlns:p="http://schemas.openxmlformats.org/presentationml/2006/main">
   <p:cSld>
     <p:spTree>
@@ -9013,31 +9564,50 @@
           <a:p>
             <a:r>
               <a:rPr lang="de-DE" sz="1400" dirty="0"/>
-              <a:t>Vorbereitendes Material (</a:t>
+              <a:t>Aufgabe (Nachbereitung von heute)</a:t>
+            </a:r>
+          </a:p>
+          <a:p>
+            <a:pPr lvl="1"/>
+            <a:r>
+              <a:rPr lang="de-DE" sz="1400" dirty="0"/>
+              <a:t>Lehrerfahrung hochladen </a:t>
+            </a:r>
+          </a:p>
+          <a:p>
+            <a:r>
+              <a:rPr lang="de-DE" sz="1400" dirty="0" smtClean="0"/>
+              <a:t>Vorbereitung </a:t>
+            </a:r>
+            <a:r>
+              <a:rPr lang="de-DE" sz="1400" dirty="0" err="1" smtClean="0"/>
+              <a:t>fuer</a:t>
+            </a:r>
+            <a:r>
+              <a:rPr lang="de-DE" sz="1400" dirty="0" smtClean="0"/>
+              <a:t> </a:t>
             </a:r>
             <a:r>
               <a:rPr lang="de-DE" sz="1400" dirty="0" err="1"/>
-              <a:t>fuer</a:t>
+              <a:t>naechstes</a:t>
             </a:r>
             <a:r>
               <a:rPr lang="de-DE" sz="1400" dirty="0"/>
               <a:t> </a:t>
             </a:r>
             <a:r>
-              <a:rPr lang="de-DE" sz="1400" dirty="0" err="1"/>
-              <a:t>naechstes</a:t>
-            </a:r>
-            <a:r>
-              <a:rPr lang="de-DE" sz="1400" dirty="0"/>
-              <a:t> Seminar): </a:t>
-            </a:r>
+              <a:rPr lang="de-DE" sz="1400" dirty="0" smtClean="0"/>
+              <a:t>Seminar: </a:t>
+            </a:r>
+            <a:endParaRPr lang="de-DE" sz="1400" dirty="0"/>
           </a:p>
           <a:p>
             <a:pPr lvl="1"/>
             <a:r>
-              <a:rPr lang="de-DE" sz="1400" dirty="0"/>
-              <a:t>Syllabus</a:t>
-            </a:r>
+              <a:rPr lang="de-DE" sz="1400" dirty="0" smtClean="0"/>
+              <a:t>Syllabus durchlesen</a:t>
+            </a:r>
+            <a:endParaRPr lang="de-DE" sz="1400" dirty="0"/>
           </a:p>
           <a:p>
             <a:pPr lvl="1"/>
@@ -9074,19 +9644,6 @@
             <a:r>
               <a:rPr lang="de-DE" sz="1400" dirty="0"/>
               <a:t>)</a:t>
-            </a:r>
-          </a:p>
-          <a:p>
-            <a:r>
-              <a:rPr lang="de-DE" sz="1400" dirty="0"/>
-              <a:t>Aufgabe (Nachbereitung von heute)</a:t>
-            </a:r>
-          </a:p>
-          <a:p>
-            <a:pPr lvl="1"/>
-            <a:r>
-              <a:rPr lang="de-DE" sz="1400" dirty="0"/>
-              <a:t>Lehrerfahrung hochladen </a:t>
             </a:r>
           </a:p>
           <a:p>
@@ -9680,7 +10237,21 @@
                 <a:latin typeface="Arial" panose="020B0604020202020204" pitchFamily="34" charset="0"/>
                 <a:cs typeface="Arial" panose="020B0604020202020204" pitchFamily="34" charset="0"/>
               </a:rPr>
-              <a:t>Fähigkeit zur Analyse von Lernsituationen</a:t>
+              <a:t>Fähigkeit zur </a:t>
+            </a:r>
+            <a:r>
+              <a:rPr lang="de-DE" sz="1600" b="1" dirty="0">
+                <a:latin typeface="Arial" panose="020B0604020202020204" pitchFamily="34" charset="0"/>
+                <a:cs typeface="Arial" panose="020B0604020202020204" pitchFamily="34" charset="0"/>
+              </a:rPr>
+              <a:t>Analyse</a:t>
+            </a:r>
+            <a:r>
+              <a:rPr lang="de-DE" sz="1600" dirty="0">
+                <a:latin typeface="Arial" panose="020B0604020202020204" pitchFamily="34" charset="0"/>
+                <a:cs typeface="Arial" panose="020B0604020202020204" pitchFamily="34" charset="0"/>
+              </a:rPr>
+              <a:t> von Lernsituationen</a:t>
             </a:r>
           </a:p>
           <a:p>
@@ -9693,7 +10264,21 @@
                 <a:latin typeface="Arial" panose="020B0604020202020204" pitchFamily="34" charset="0"/>
                 <a:cs typeface="Arial" panose="020B0604020202020204" pitchFamily="34" charset="0"/>
               </a:rPr>
-              <a:t>der Anwendung von didaktischen Modellen</a:t>
+              <a:t>der </a:t>
+            </a:r>
+            <a:r>
+              <a:rPr lang="de-DE" sz="1600" b="1" dirty="0">
+                <a:latin typeface="Arial" panose="020B0604020202020204" pitchFamily="34" charset="0"/>
+                <a:cs typeface="Arial" panose="020B0604020202020204" pitchFamily="34" charset="0"/>
+              </a:rPr>
+              <a:t>Anwendung</a:t>
+            </a:r>
+            <a:r>
+              <a:rPr lang="de-DE" sz="1600" dirty="0">
+                <a:latin typeface="Arial" panose="020B0604020202020204" pitchFamily="34" charset="0"/>
+                <a:cs typeface="Arial" panose="020B0604020202020204" pitchFamily="34" charset="0"/>
+              </a:rPr>
+              <a:t> von didaktischen Modellen</a:t>
             </a:r>
           </a:p>
           <a:p>
@@ -9706,7 +10291,21 @@
                 <a:latin typeface="Arial" panose="020B0604020202020204" pitchFamily="34" charset="0"/>
                 <a:cs typeface="Arial" panose="020B0604020202020204" pitchFamily="34" charset="0"/>
               </a:rPr>
-              <a:t>der Gestaltung von didaktischen Arrangements</a:t>
+              <a:t>der </a:t>
+            </a:r>
+            <a:r>
+              <a:rPr lang="de-DE" sz="1600" b="1" dirty="0">
+                <a:latin typeface="Arial" panose="020B0604020202020204" pitchFamily="34" charset="0"/>
+                <a:cs typeface="Arial" panose="020B0604020202020204" pitchFamily="34" charset="0"/>
+              </a:rPr>
+              <a:t>Gestaltung</a:t>
+            </a:r>
+            <a:r>
+              <a:rPr lang="de-DE" sz="1600" dirty="0">
+                <a:latin typeface="Arial" panose="020B0604020202020204" pitchFamily="34" charset="0"/>
+                <a:cs typeface="Arial" panose="020B0604020202020204" pitchFamily="34" charset="0"/>
+              </a:rPr>
+              <a:t> von didaktischen Arrangements</a:t>
             </a:r>
           </a:p>
           <a:p>
@@ -9716,7 +10315,15 @@
             </a:pPr>
             <a:r>
               <a:rPr lang="de-DE" sz="1600" dirty="0"/>
-              <a:t>Die Studierenden können diesen Arrangements die passenden Vermittlungsmethoden zuordnen und umsetzen.</a:t>
+              <a:t>Die Studierenden können diesen Arrangements die passenden Vermittlungsmethoden zuordnen und </a:t>
+            </a:r>
+            <a:r>
+              <a:rPr lang="de-DE" sz="1600" b="1" dirty="0"/>
+              <a:t>umsetzen</a:t>
+            </a:r>
+            <a:r>
+              <a:rPr lang="de-DE" sz="1600" dirty="0"/>
+              <a:t>.</a:t>
             </a:r>
           </a:p>
           <a:p>
@@ -10024,7 +10631,15 @@
             </a:pPr>
             <a:r>
               <a:rPr lang="de-DE" sz="1600" dirty="0"/>
-              <a:t>dokumentierten Unterricht nach wissenschaftlichen Kriterien zu analysieren;</a:t>
+              <a:t>dokumentierten Unterricht nach wissenschaftlichen Kriterien zu </a:t>
+            </a:r>
+            <a:r>
+              <a:rPr lang="de-DE" sz="1600" b="1" dirty="0"/>
+              <a:t>analysieren</a:t>
+            </a:r>
+            <a:r>
+              <a:rPr lang="de-DE" sz="1600" dirty="0"/>
+              <a:t>;</a:t>
             </a:r>
           </a:p>
           <a:p>
@@ -10034,7 +10649,15 @@
             </a:pPr>
             <a:r>
               <a:rPr lang="de-DE" sz="1600" dirty="0"/>
-              <a:t>zeitgemäße Lern-, Lehr- und Unterrichtsformen nach Lernkontexten differenziert darzustellen, wiederzuerkennen und zu reflektieren</a:t>
+              <a:t>zeitgemäße Lern-, Lehr- und Unterrichtsformen nach Lernkontexten differenziert </a:t>
+            </a:r>
+            <a:r>
+              <a:rPr lang="de-DE" sz="1600" b="1" dirty="0"/>
+              <a:t>darzustellen</a:t>
+            </a:r>
+            <a:r>
+              <a:rPr lang="de-DE" sz="1600" dirty="0"/>
+              <a:t>, wiederzuerkennen und zu reflektieren</a:t>
             </a:r>
             <a:endParaRPr lang="en-US" sz="1800" dirty="0">
               <a:latin typeface="+mj-lt"/>
@@ -10130,144 +10753,46 @@
           <a:lstStyle/>
           <a:p>
             <a:r>
-              <a:rPr lang="en-US" sz="1800" dirty="0" err="1"/>
-              <a:t>Erste</a:t>
-            </a:r>
-            <a:r>
-              <a:rPr lang="en-US" sz="1800" dirty="0"/>
-              <a:t> </a:t>
-            </a:r>
-            <a:r>
-              <a:rPr lang="en-US" sz="1800" dirty="0" err="1"/>
-              <a:t>Helfte</a:t>
-            </a:r>
-            <a:r>
-              <a:rPr lang="en-US" sz="1800" dirty="0"/>
-              <a:t>: </a:t>
+              <a:rPr lang="de-DE" sz="1800" dirty="0" smtClean="0"/>
+              <a:t>Erste Hälfte: </a:t>
             </a:r>
           </a:p>
           <a:p>
             <a:pPr lvl="1"/>
             <a:r>
-              <a:rPr lang="en-US" sz="1800" dirty="0">
+              <a:rPr lang="de-DE" sz="1800" dirty="0" smtClean="0">
                 <a:latin typeface="Arial" panose="020B0604020202020204" pitchFamily="34" charset="0"/>
                 <a:cs typeface="Arial" panose="020B0604020202020204" pitchFamily="34" charset="0"/>
               </a:rPr>
-              <a:t>was </a:t>
-            </a:r>
-            <a:r>
-              <a:rPr lang="en-US" sz="1800" dirty="0" err="1">
+              <a:t>was ist Bildung? </a:t>
+            </a:r>
+          </a:p>
+          <a:p>
+            <a:pPr lvl="1"/>
+            <a:r>
+              <a:rPr lang="de-DE" sz="1800" dirty="0" smtClean="0">
                 <a:latin typeface="Arial" panose="020B0604020202020204" pitchFamily="34" charset="0"/>
                 <a:cs typeface="Arial" panose="020B0604020202020204" pitchFamily="34" charset="0"/>
               </a:rPr>
-              <a:t>ist</a:t>
-            </a:r>
-            <a:r>
-              <a:rPr lang="en-US" sz="1800" dirty="0">
+              <a:t>klassische Theorien</a:t>
+            </a:r>
+          </a:p>
+          <a:p>
+            <a:r>
+              <a:rPr lang="de-DE" sz="1800" dirty="0" smtClean="0"/>
+              <a:t>Zweite Hälfte:</a:t>
+            </a:r>
+          </a:p>
+          <a:p>
+            <a:pPr lvl="1"/>
+            <a:r>
+              <a:rPr lang="de-DE" sz="1800" dirty="0" smtClean="0">
                 <a:latin typeface="Arial" panose="020B0604020202020204" pitchFamily="34" charset="0"/>
                 <a:cs typeface="Arial" panose="020B0604020202020204" pitchFamily="34" charset="0"/>
               </a:rPr>
-              <a:t> </a:t>
-            </a:r>
-            <a:r>
-              <a:rPr lang="en-US" sz="1800" dirty="0" err="1">
-                <a:latin typeface="Arial" panose="020B0604020202020204" pitchFamily="34" charset="0"/>
-                <a:cs typeface="Arial" panose="020B0604020202020204" pitchFamily="34" charset="0"/>
-              </a:rPr>
-              <a:t>Bildung</a:t>
-            </a:r>
-            <a:r>
-              <a:rPr lang="en-US" sz="1800" dirty="0">
-                <a:latin typeface="Arial" panose="020B0604020202020204" pitchFamily="34" charset="0"/>
-                <a:cs typeface="Arial" panose="020B0604020202020204" pitchFamily="34" charset="0"/>
-              </a:rPr>
-              <a:t>? </a:t>
-            </a:r>
-          </a:p>
-          <a:p>
-            <a:pPr lvl="1"/>
-            <a:r>
-              <a:rPr lang="en-US" sz="1800" dirty="0" err="1">
-                <a:latin typeface="Arial" panose="020B0604020202020204" pitchFamily="34" charset="0"/>
-                <a:cs typeface="Arial" panose="020B0604020202020204" pitchFamily="34" charset="0"/>
-              </a:rPr>
-              <a:t>klassische</a:t>
-            </a:r>
-            <a:r>
-              <a:rPr lang="en-US" sz="1800" dirty="0">
-                <a:latin typeface="Arial" panose="020B0604020202020204" pitchFamily="34" charset="0"/>
-                <a:cs typeface="Arial" panose="020B0604020202020204" pitchFamily="34" charset="0"/>
-              </a:rPr>
-              <a:t> </a:t>
-            </a:r>
-            <a:r>
-              <a:rPr lang="en-US" sz="1800" dirty="0" err="1">
-                <a:latin typeface="Arial" panose="020B0604020202020204" pitchFamily="34" charset="0"/>
-                <a:cs typeface="Arial" panose="020B0604020202020204" pitchFamily="34" charset="0"/>
-              </a:rPr>
-              <a:t>Theorien</a:t>
-            </a:r>
-            <a:endParaRPr lang="en-US" sz="1800" dirty="0">
-              <a:latin typeface="Arial" panose="020B0604020202020204" pitchFamily="34" charset="0"/>
-              <a:cs typeface="Arial" panose="020B0604020202020204" pitchFamily="34" charset="0"/>
-            </a:endParaRPr>
-          </a:p>
-          <a:p>
-            <a:r>
-              <a:rPr lang="en-US" sz="1800" dirty="0" err="1"/>
-              <a:t>Zweite</a:t>
-            </a:r>
-            <a:r>
-              <a:rPr lang="en-US" sz="1800" dirty="0"/>
-              <a:t> </a:t>
-            </a:r>
-            <a:r>
-              <a:rPr lang="en-US" sz="1800" dirty="0" err="1"/>
-              <a:t>Helfte</a:t>
-            </a:r>
-            <a:r>
-              <a:rPr lang="en-US" sz="1800" dirty="0"/>
-              <a:t>:</a:t>
-            </a:r>
-          </a:p>
-          <a:p>
-            <a:pPr lvl="1"/>
-            <a:r>
-              <a:rPr lang="en-US" sz="1800" dirty="0" err="1">
-                <a:latin typeface="Arial" panose="020B0604020202020204" pitchFamily="34" charset="0"/>
-                <a:cs typeface="Arial" panose="020B0604020202020204" pitchFamily="34" charset="0"/>
-              </a:rPr>
-              <a:t>Verschiedene</a:t>
-            </a:r>
-            <a:r>
-              <a:rPr lang="en-US" sz="1800" dirty="0">
-                <a:latin typeface="Arial" panose="020B0604020202020204" pitchFamily="34" charset="0"/>
-                <a:cs typeface="Arial" panose="020B0604020202020204" pitchFamily="34" charset="0"/>
-              </a:rPr>
-              <a:t> </a:t>
-            </a:r>
-            <a:r>
-              <a:rPr lang="en-US" sz="1800" dirty="0" err="1">
-                <a:latin typeface="Arial" panose="020B0604020202020204" pitchFamily="34" charset="0"/>
-                <a:cs typeface="Arial" panose="020B0604020202020204" pitchFamily="34" charset="0"/>
-              </a:rPr>
-              <a:t>Perpektive</a:t>
-            </a:r>
-            <a:r>
-              <a:rPr lang="en-US" sz="1800" dirty="0">
-                <a:latin typeface="Arial" panose="020B0604020202020204" pitchFamily="34" charset="0"/>
-                <a:cs typeface="Arial" panose="020B0604020202020204" pitchFamily="34" charset="0"/>
-              </a:rPr>
-              <a:t> auf </a:t>
-            </a:r>
-            <a:r>
-              <a:rPr lang="en-US" sz="1800" dirty="0" err="1">
-                <a:latin typeface="Arial" panose="020B0604020202020204" pitchFamily="34" charset="0"/>
-                <a:cs typeface="Arial" panose="020B0604020202020204" pitchFamily="34" charset="0"/>
-              </a:rPr>
-              <a:t>Lernen</a:t>
-            </a:r>
-            <a:endParaRPr lang="en-US" sz="1800" dirty="0">
+              <a:t>Verschiedene Perspektiven auf Lernen</a:t>
+            </a:r>
+            <a:endParaRPr lang="de-DE" sz="1800" dirty="0">
               <a:latin typeface="Arial" panose="020B0604020202020204" pitchFamily="34" charset="0"/>
               <a:cs typeface="Arial" panose="020B0604020202020204" pitchFamily="34" charset="0"/>
             </a:endParaRPr>
